--- a/Imagens/A melhor formigaaaa.pptx
+++ b/Imagens/A melhor formigaaaa.pptx
@@ -7,6 +7,7 @@
   <p:sldIdLst>
     <p:sldId id="256" r:id="rId2"/>
     <p:sldId id="257" r:id="rId3"/>
+    <p:sldId id="258" r:id="rId4"/>
   </p:sldIdLst>
   <p:sldSz cx="9144000" cy="6858000" type="screen4x3"/>
   <p:notesSz cx="6858000" cy="9144000"/>
@@ -4233,28 +4234,26 @@
       </p:grpSp>
       <p:sp>
         <p:nvSpPr>
-          <p:cNvPr id="76" name="Forma livre 75"/>
+          <p:cNvPr id="2" name="Forma livre 1"/>
           <p:cNvSpPr/>
           <p:nvPr/>
         </p:nvSpPr>
         <p:spPr>
-          <a:xfrm rot="13588525">
-            <a:off x="3648234" y="2248217"/>
-            <a:ext cx="295360" cy="452793"/>
+          <a:xfrm>
+            <a:off x="3875923" y="2253496"/>
+            <a:ext cx="250881" cy="261894"/>
           </a:xfrm>
           <a:custGeom>
             <a:avLst/>
             <a:gdLst>
-              <a:gd name="connsiteX0" fmla="*/ 0 w 295360"/>
-              <a:gd name="connsiteY0" fmla="*/ 4479 h 452793"/>
-              <a:gd name="connsiteX1" fmla="*/ 272143 w 295360"/>
-              <a:gd name="connsiteY1" fmla="*/ 58907 h 452793"/>
-              <a:gd name="connsiteX2" fmla="*/ 283028 w 295360"/>
-              <a:gd name="connsiteY2" fmla="*/ 418136 h 452793"/>
-              <a:gd name="connsiteX3" fmla="*/ 293914 w 295360"/>
-              <a:gd name="connsiteY3" fmla="*/ 439907 h 452793"/>
-              <a:gd name="connsiteX4" fmla="*/ 293914 w 295360"/>
-              <a:gd name="connsiteY4" fmla="*/ 429022 h 452793"/>
+              <a:gd name="connsiteX0" fmla="*/ 0 w 250881"/>
+              <a:gd name="connsiteY0" fmla="*/ 0 h 261894"/>
+              <a:gd name="connsiteX1" fmla="*/ 250372 w 250881"/>
+              <a:gd name="connsiteY1" fmla="*/ 130629 h 261894"/>
+              <a:gd name="connsiteX2" fmla="*/ 65314 w 250881"/>
+              <a:gd name="connsiteY2" fmla="*/ 250372 h 261894"/>
+              <a:gd name="connsiteX3" fmla="*/ 76200 w 250881"/>
+              <a:gd name="connsiteY3" fmla="*/ 250372 h 261894"/>
             </a:gdLst>
             <a:ahLst/>
             <a:cxnLst>
@@ -4270,44 +4269,37 @@
               <a:cxn ang="0">
                 <a:pos x="connsiteX3" y="connsiteY3"/>
               </a:cxn>
-              <a:cxn ang="0">
-                <a:pos x="connsiteX4" y="connsiteY4"/>
-              </a:cxn>
             </a:cxnLst>
             <a:rect l="l" t="t" r="r" b="b"/>
             <a:pathLst>
-              <a:path w="295360" h="452793">
+              <a:path w="250881" h="261894">
                 <a:moveTo>
-                  <a:pt x="0" y="4479"/>
+                  <a:pt x="0" y="0"/>
                 </a:moveTo>
                 <a:cubicBezTo>
-                  <a:pt x="112486" y="-2779"/>
-                  <a:pt x="224972" y="-10036"/>
-                  <a:pt x="272143" y="58907"/>
+                  <a:pt x="119743" y="44450"/>
+                  <a:pt x="239486" y="88900"/>
+                  <a:pt x="250372" y="130629"/>
                 </a:cubicBezTo>
                 <a:cubicBezTo>
-                  <a:pt x="319314" y="127850"/>
-                  <a:pt x="279400" y="354636"/>
-                  <a:pt x="283028" y="418136"/>
+                  <a:pt x="261258" y="172358"/>
+                  <a:pt x="94343" y="230415"/>
+                  <a:pt x="65314" y="250372"/>
                 </a:cubicBezTo>
                 <a:cubicBezTo>
-                  <a:pt x="286656" y="481636"/>
-                  <a:pt x="292100" y="438093"/>
-                  <a:pt x="293914" y="439907"/>
-                </a:cubicBezTo>
-                <a:cubicBezTo>
-                  <a:pt x="295728" y="441721"/>
-                  <a:pt x="294821" y="435371"/>
-                  <a:pt x="293914" y="429022"/>
+                  <a:pt x="36285" y="270329"/>
+                  <a:pt x="56242" y="260350"/>
+                  <a:pt x="76200" y="250372"/>
                 </a:cubicBezTo>
               </a:path>
             </a:pathLst>
           </a:custGeom>
           <a:noFill/>
-          <a:ln>
+          <a:ln w="57150">
             <a:solidFill>
-              <a:schemeClr val="bg2">
-                <a:lumMod val="10000"/>
+              <a:schemeClr val="tx1">
+                <a:lumMod val="95000"/>
+                <a:lumOff val="5000"/>
               </a:schemeClr>
             </a:solidFill>
           </a:ln>
@@ -4339,28 +4331,26 @@
       </p:sp>
       <p:sp>
         <p:nvSpPr>
-          <p:cNvPr id="77" name="Forma livre 76"/>
+          <p:cNvPr id="36" name="Forma livre 35"/>
           <p:cNvSpPr/>
           <p:nvPr/>
         </p:nvSpPr>
         <p:spPr>
-          <a:xfrm>
-            <a:off x="3917558" y="2218307"/>
-            <a:ext cx="295360" cy="452793"/>
+          <a:xfrm flipH="1">
+            <a:off x="3568094" y="2251614"/>
+            <a:ext cx="216024" cy="261894"/>
           </a:xfrm>
           <a:custGeom>
             <a:avLst/>
             <a:gdLst>
-              <a:gd name="connsiteX0" fmla="*/ 0 w 295360"/>
-              <a:gd name="connsiteY0" fmla="*/ 4479 h 452793"/>
-              <a:gd name="connsiteX1" fmla="*/ 272143 w 295360"/>
-              <a:gd name="connsiteY1" fmla="*/ 58907 h 452793"/>
-              <a:gd name="connsiteX2" fmla="*/ 283028 w 295360"/>
-              <a:gd name="connsiteY2" fmla="*/ 418136 h 452793"/>
-              <a:gd name="connsiteX3" fmla="*/ 293914 w 295360"/>
-              <a:gd name="connsiteY3" fmla="*/ 439907 h 452793"/>
-              <a:gd name="connsiteX4" fmla="*/ 293914 w 295360"/>
-              <a:gd name="connsiteY4" fmla="*/ 429022 h 452793"/>
+              <a:gd name="connsiteX0" fmla="*/ 0 w 250881"/>
+              <a:gd name="connsiteY0" fmla="*/ 0 h 261894"/>
+              <a:gd name="connsiteX1" fmla="*/ 250372 w 250881"/>
+              <a:gd name="connsiteY1" fmla="*/ 130629 h 261894"/>
+              <a:gd name="connsiteX2" fmla="*/ 65314 w 250881"/>
+              <a:gd name="connsiteY2" fmla="*/ 250372 h 261894"/>
+              <a:gd name="connsiteX3" fmla="*/ 76200 w 250881"/>
+              <a:gd name="connsiteY3" fmla="*/ 250372 h 261894"/>
             </a:gdLst>
             <a:ahLst/>
             <a:cxnLst>
@@ -4376,44 +4366,37 @@
               <a:cxn ang="0">
                 <a:pos x="connsiteX3" y="connsiteY3"/>
               </a:cxn>
-              <a:cxn ang="0">
-                <a:pos x="connsiteX4" y="connsiteY4"/>
-              </a:cxn>
             </a:cxnLst>
             <a:rect l="l" t="t" r="r" b="b"/>
             <a:pathLst>
-              <a:path w="295360" h="452793">
+              <a:path w="250881" h="261894">
                 <a:moveTo>
-                  <a:pt x="0" y="4479"/>
+                  <a:pt x="0" y="0"/>
                 </a:moveTo>
                 <a:cubicBezTo>
-                  <a:pt x="112486" y="-2779"/>
-                  <a:pt x="224972" y="-10036"/>
-                  <a:pt x="272143" y="58907"/>
+                  <a:pt x="119743" y="44450"/>
+                  <a:pt x="239486" y="88900"/>
+                  <a:pt x="250372" y="130629"/>
                 </a:cubicBezTo>
                 <a:cubicBezTo>
-                  <a:pt x="319314" y="127850"/>
-                  <a:pt x="279400" y="354636"/>
-                  <a:pt x="283028" y="418136"/>
+                  <a:pt x="261258" y="172358"/>
+                  <a:pt x="94343" y="230415"/>
+                  <a:pt x="65314" y="250372"/>
                 </a:cubicBezTo>
                 <a:cubicBezTo>
-                  <a:pt x="286656" y="481636"/>
-                  <a:pt x="292100" y="438093"/>
-                  <a:pt x="293914" y="439907"/>
-                </a:cubicBezTo>
-                <a:cubicBezTo>
-                  <a:pt x="295728" y="441721"/>
-                  <a:pt x="294821" y="435371"/>
-                  <a:pt x="293914" y="429022"/>
+                  <a:pt x="36285" y="270329"/>
+                  <a:pt x="56242" y="260350"/>
+                  <a:pt x="76200" y="250372"/>
                 </a:cubicBezTo>
               </a:path>
             </a:pathLst>
           </a:custGeom>
           <a:noFill/>
-          <a:ln w="38100">
+          <a:ln w="57150">
             <a:solidFill>
-              <a:schemeClr val="bg2">
-                <a:lumMod val="10000"/>
+              <a:schemeClr val="tx1">
+                <a:lumMod val="95000"/>
+                <a:lumOff val="5000"/>
               </a:schemeClr>
             </a:solidFill>
           </a:ln>
@@ -4473,6 +4456,1971 @@
           <a:chExt cx="0" cy="0"/>
         </a:xfrm>
       </p:grpSpPr>
+      <p:grpSp>
+        <p:nvGrpSpPr>
+          <p:cNvPr id="84" name="Grupo 83"/>
+          <p:cNvGrpSpPr/>
+          <p:nvPr/>
+        </p:nvGrpSpPr>
+        <p:grpSpPr>
+          <a:xfrm>
+            <a:off x="2158781" y="1340768"/>
+            <a:ext cx="2603780" cy="3168352"/>
+            <a:chOff x="2158781" y="1340768"/>
+            <a:chExt cx="2603780" cy="3168352"/>
+          </a:xfrm>
+        </p:grpSpPr>
+        <p:grpSp>
+          <p:nvGrpSpPr>
+            <p:cNvPr id="74" name="Grupo 73"/>
+            <p:cNvGrpSpPr/>
+            <p:nvPr/>
+          </p:nvGrpSpPr>
+          <p:grpSpPr>
+            <a:xfrm>
+              <a:off x="2158781" y="1404460"/>
+              <a:ext cx="2603780" cy="3104660"/>
+              <a:chOff x="2158781" y="1404460"/>
+              <a:chExt cx="2603780" cy="3104660"/>
+            </a:xfrm>
+          </p:grpSpPr>
+          <p:sp>
+            <p:nvSpPr>
+              <p:cNvPr id="41" name="Forma livre 40"/>
+              <p:cNvSpPr/>
+              <p:nvPr/>
+            </p:nvSpPr>
+            <p:spPr>
+              <a:xfrm flipH="1">
+                <a:off x="2658815" y="3789040"/>
+                <a:ext cx="401017" cy="584688"/>
+              </a:xfrm>
+              <a:custGeom>
+                <a:avLst/>
+                <a:gdLst>
+                  <a:gd name="connsiteX0" fmla="*/ 0 w 925286"/>
+                  <a:gd name="connsiteY0" fmla="*/ 0 h 1261565"/>
+                  <a:gd name="connsiteX1" fmla="*/ 783772 w 925286"/>
+                  <a:gd name="connsiteY1" fmla="*/ 359229 h 1261565"/>
+                  <a:gd name="connsiteX2" fmla="*/ 903515 w 925286"/>
+                  <a:gd name="connsiteY2" fmla="*/ 1197429 h 1261565"/>
+                  <a:gd name="connsiteX3" fmla="*/ 903515 w 925286"/>
+                  <a:gd name="connsiteY3" fmla="*/ 1208315 h 1261565"/>
+                  <a:gd name="connsiteX4" fmla="*/ 925286 w 925286"/>
+                  <a:gd name="connsiteY4" fmla="*/ 1240972 h 1261565"/>
+                  <a:gd name="connsiteX5" fmla="*/ 903515 w 925286"/>
+                  <a:gd name="connsiteY5" fmla="*/ 1240972 h 1261565"/>
+                </a:gdLst>
+                <a:ahLst/>
+                <a:cxnLst>
+                  <a:cxn ang="0">
+                    <a:pos x="connsiteX0" y="connsiteY0"/>
+                  </a:cxn>
+                  <a:cxn ang="0">
+                    <a:pos x="connsiteX1" y="connsiteY1"/>
+                  </a:cxn>
+                  <a:cxn ang="0">
+                    <a:pos x="connsiteX2" y="connsiteY2"/>
+                  </a:cxn>
+                  <a:cxn ang="0">
+                    <a:pos x="connsiteX3" y="connsiteY3"/>
+                  </a:cxn>
+                  <a:cxn ang="0">
+                    <a:pos x="connsiteX4" y="connsiteY4"/>
+                  </a:cxn>
+                  <a:cxn ang="0">
+                    <a:pos x="connsiteX5" y="connsiteY5"/>
+                  </a:cxn>
+                </a:cxnLst>
+                <a:rect l="l" t="t" r="r" b="b"/>
+                <a:pathLst>
+                  <a:path w="925286" h="1261565">
+                    <a:moveTo>
+                      <a:pt x="0" y="0"/>
+                    </a:moveTo>
+                    <a:cubicBezTo>
+                      <a:pt x="316593" y="79829"/>
+                      <a:pt x="633186" y="159658"/>
+                      <a:pt x="783772" y="359229"/>
+                    </a:cubicBezTo>
+                    <a:cubicBezTo>
+                      <a:pt x="934358" y="558800"/>
+                      <a:pt x="883558" y="1055915"/>
+                      <a:pt x="903515" y="1197429"/>
+                    </a:cubicBezTo>
+                    <a:cubicBezTo>
+                      <a:pt x="923472" y="1338943"/>
+                      <a:pt x="899887" y="1201058"/>
+                      <a:pt x="903515" y="1208315"/>
+                    </a:cubicBezTo>
+                    <a:cubicBezTo>
+                      <a:pt x="907144" y="1215572"/>
+                      <a:pt x="925286" y="1235529"/>
+                      <a:pt x="925286" y="1240972"/>
+                    </a:cubicBezTo>
+                    <a:cubicBezTo>
+                      <a:pt x="925286" y="1246415"/>
+                      <a:pt x="914400" y="1243693"/>
+                      <a:pt x="903515" y="1240972"/>
+                    </a:cubicBezTo>
+                  </a:path>
+                </a:pathLst>
+              </a:custGeom>
+              <a:noFill/>
+              <a:ln w="76200">
+                <a:solidFill>
+                  <a:schemeClr val="tx1"/>
+                </a:solidFill>
+              </a:ln>
+            </p:spPr>
+            <p:style>
+              <a:lnRef idx="2">
+                <a:schemeClr val="accent1">
+                  <a:shade val="50000"/>
+                </a:schemeClr>
+              </a:lnRef>
+              <a:fillRef idx="1">
+                <a:schemeClr val="accent1"/>
+              </a:fillRef>
+              <a:effectRef idx="0">
+                <a:schemeClr val="accent1"/>
+              </a:effectRef>
+              <a:fontRef idx="minor">
+                <a:schemeClr val="lt1"/>
+              </a:fontRef>
+            </p:style>
+            <p:txBody>
+              <a:bodyPr rtlCol="0" anchor="ctr"/>
+              <a:lstStyle/>
+              <a:p>
+                <a:pPr algn="ctr"/>
+                <a:endParaRPr lang="pt-BR"/>
+              </a:p>
+            </p:txBody>
+          </p:sp>
+          <p:sp>
+            <p:nvSpPr>
+              <p:cNvPr id="40" name="Forma livre 39"/>
+              <p:cNvSpPr/>
+              <p:nvPr/>
+            </p:nvSpPr>
+            <p:spPr>
+              <a:xfrm>
+                <a:off x="3428256" y="3725416"/>
+                <a:ext cx="504056" cy="652063"/>
+              </a:xfrm>
+              <a:custGeom>
+                <a:avLst/>
+                <a:gdLst>
+                  <a:gd name="connsiteX0" fmla="*/ 0 w 925286"/>
+                  <a:gd name="connsiteY0" fmla="*/ 0 h 1261565"/>
+                  <a:gd name="connsiteX1" fmla="*/ 783772 w 925286"/>
+                  <a:gd name="connsiteY1" fmla="*/ 359229 h 1261565"/>
+                  <a:gd name="connsiteX2" fmla="*/ 903515 w 925286"/>
+                  <a:gd name="connsiteY2" fmla="*/ 1197429 h 1261565"/>
+                  <a:gd name="connsiteX3" fmla="*/ 903515 w 925286"/>
+                  <a:gd name="connsiteY3" fmla="*/ 1208315 h 1261565"/>
+                  <a:gd name="connsiteX4" fmla="*/ 925286 w 925286"/>
+                  <a:gd name="connsiteY4" fmla="*/ 1240972 h 1261565"/>
+                  <a:gd name="connsiteX5" fmla="*/ 903515 w 925286"/>
+                  <a:gd name="connsiteY5" fmla="*/ 1240972 h 1261565"/>
+                </a:gdLst>
+                <a:ahLst/>
+                <a:cxnLst>
+                  <a:cxn ang="0">
+                    <a:pos x="connsiteX0" y="connsiteY0"/>
+                  </a:cxn>
+                  <a:cxn ang="0">
+                    <a:pos x="connsiteX1" y="connsiteY1"/>
+                  </a:cxn>
+                  <a:cxn ang="0">
+                    <a:pos x="connsiteX2" y="connsiteY2"/>
+                  </a:cxn>
+                  <a:cxn ang="0">
+                    <a:pos x="connsiteX3" y="connsiteY3"/>
+                  </a:cxn>
+                  <a:cxn ang="0">
+                    <a:pos x="connsiteX4" y="connsiteY4"/>
+                  </a:cxn>
+                  <a:cxn ang="0">
+                    <a:pos x="connsiteX5" y="connsiteY5"/>
+                  </a:cxn>
+                </a:cxnLst>
+                <a:rect l="l" t="t" r="r" b="b"/>
+                <a:pathLst>
+                  <a:path w="925286" h="1261565">
+                    <a:moveTo>
+                      <a:pt x="0" y="0"/>
+                    </a:moveTo>
+                    <a:cubicBezTo>
+                      <a:pt x="316593" y="79829"/>
+                      <a:pt x="633186" y="159658"/>
+                      <a:pt x="783772" y="359229"/>
+                    </a:cubicBezTo>
+                    <a:cubicBezTo>
+                      <a:pt x="934358" y="558800"/>
+                      <a:pt x="883558" y="1055915"/>
+                      <a:pt x="903515" y="1197429"/>
+                    </a:cubicBezTo>
+                    <a:cubicBezTo>
+                      <a:pt x="923472" y="1338943"/>
+                      <a:pt x="899887" y="1201058"/>
+                      <a:pt x="903515" y="1208315"/>
+                    </a:cubicBezTo>
+                    <a:cubicBezTo>
+                      <a:pt x="907144" y="1215572"/>
+                      <a:pt x="925286" y="1235529"/>
+                      <a:pt x="925286" y="1240972"/>
+                    </a:cubicBezTo>
+                    <a:cubicBezTo>
+                      <a:pt x="925286" y="1246415"/>
+                      <a:pt x="914400" y="1243693"/>
+                      <a:pt x="903515" y="1240972"/>
+                    </a:cubicBezTo>
+                  </a:path>
+                </a:pathLst>
+              </a:custGeom>
+              <a:noFill/>
+              <a:ln w="76200">
+                <a:solidFill>
+                  <a:schemeClr val="tx1"/>
+                </a:solidFill>
+              </a:ln>
+            </p:spPr>
+            <p:style>
+              <a:lnRef idx="2">
+                <a:schemeClr val="accent1">
+                  <a:shade val="50000"/>
+                </a:schemeClr>
+              </a:lnRef>
+              <a:fillRef idx="1">
+                <a:schemeClr val="accent1"/>
+              </a:fillRef>
+              <a:effectRef idx="0">
+                <a:schemeClr val="accent1"/>
+              </a:effectRef>
+              <a:fontRef idx="minor">
+                <a:schemeClr val="lt1"/>
+              </a:fontRef>
+            </p:style>
+            <p:txBody>
+              <a:bodyPr rtlCol="0" anchor="ctr"/>
+              <a:lstStyle/>
+              <a:p>
+                <a:pPr algn="ctr"/>
+                <a:endParaRPr lang="pt-BR"/>
+              </a:p>
+            </p:txBody>
+          </p:sp>
+          <p:grpSp>
+            <p:nvGrpSpPr>
+              <p:cNvPr id="4" name="Grupo 3"/>
+              <p:cNvGrpSpPr/>
+              <p:nvPr/>
+            </p:nvGrpSpPr>
+            <p:grpSpPr>
+              <a:xfrm>
+                <a:off x="2158781" y="1404460"/>
+                <a:ext cx="2603780" cy="2888636"/>
+                <a:chOff x="2127751" y="1332452"/>
+                <a:chExt cx="2603780" cy="2888636"/>
+              </a:xfrm>
+            </p:grpSpPr>
+            <p:grpSp>
+              <p:nvGrpSpPr>
+                <p:cNvPr id="9" name="Grupo 8"/>
+                <p:cNvGrpSpPr/>
+                <p:nvPr/>
+              </p:nvGrpSpPr>
+              <p:grpSpPr>
+                <a:xfrm>
+                  <a:off x="2127751" y="2565803"/>
+                  <a:ext cx="1724169" cy="1655285"/>
+                  <a:chOff x="5584135" y="909619"/>
+                  <a:chExt cx="1724169" cy="1655285"/>
+                </a:xfrm>
+              </p:grpSpPr>
+              <p:grpSp>
+                <p:nvGrpSpPr>
+                  <p:cNvPr id="22" name="Grupo 21"/>
+                  <p:cNvGrpSpPr/>
+                  <p:nvPr/>
+                </p:nvGrpSpPr>
+                <p:grpSpPr>
+                  <a:xfrm>
+                    <a:off x="5584135" y="1052736"/>
+                    <a:ext cx="1724169" cy="1512168"/>
+                    <a:chOff x="5584135" y="1052736"/>
+                    <a:chExt cx="1724169" cy="1512168"/>
+                  </a:xfrm>
+                </p:grpSpPr>
+                <p:grpSp>
+                  <p:nvGrpSpPr>
+                    <p:cNvPr id="24" name="Grupo 23"/>
+                    <p:cNvGrpSpPr/>
+                    <p:nvPr/>
+                  </p:nvGrpSpPr>
+                  <p:grpSpPr>
+                    <a:xfrm>
+                      <a:off x="5800159" y="1052736"/>
+                      <a:ext cx="1508145" cy="1512168"/>
+                      <a:chOff x="5800159" y="1052736"/>
+                      <a:chExt cx="1508145" cy="1512168"/>
+                    </a:xfrm>
+                  </p:grpSpPr>
+                  <p:sp>
+                    <p:nvSpPr>
+                      <p:cNvPr id="26" name="Elipse 25"/>
+                      <p:cNvSpPr/>
+                      <p:nvPr/>
+                    </p:nvSpPr>
+                    <p:spPr>
+                      <a:xfrm>
+                        <a:off x="6084168" y="1052736"/>
+                        <a:ext cx="1224136" cy="1224136"/>
+                      </a:xfrm>
+                      <a:prstGeom prst="ellipse">
+                        <a:avLst/>
+                      </a:prstGeom>
+                      <a:solidFill>
+                        <a:srgbClr val="3F2121"/>
+                      </a:solidFill>
+                      <a:ln>
+                        <a:solidFill>
+                          <a:schemeClr val="tx1">
+                            <a:lumMod val="95000"/>
+                            <a:lumOff val="5000"/>
+                          </a:schemeClr>
+                        </a:solidFill>
+                      </a:ln>
+                    </p:spPr>
+                    <p:style>
+                      <a:lnRef idx="2">
+                        <a:schemeClr val="accent1">
+                          <a:shade val="50000"/>
+                        </a:schemeClr>
+                      </a:lnRef>
+                      <a:fillRef idx="1">
+                        <a:schemeClr val="accent1"/>
+                      </a:fillRef>
+                      <a:effectRef idx="0">
+                        <a:schemeClr val="accent1"/>
+                      </a:effectRef>
+                      <a:fontRef idx="minor">
+                        <a:schemeClr val="lt1"/>
+                      </a:fontRef>
+                    </p:style>
+                    <p:txBody>
+                      <a:bodyPr rtlCol="0" anchor="ctr"/>
+                      <a:lstStyle/>
+                      <a:p>
+                        <a:pPr algn="ctr"/>
+                        <a:endParaRPr lang="pt-BR"/>
+                      </a:p>
+                    </p:txBody>
+                  </p:sp>
+                  <p:sp>
+                    <p:nvSpPr>
+                      <p:cNvPr id="27" name="Arco 26"/>
+                      <p:cNvSpPr/>
+                      <p:nvPr/>
+                    </p:nvSpPr>
+                    <p:spPr>
+                      <a:xfrm>
+                        <a:off x="5868144" y="1268760"/>
+                        <a:ext cx="864096" cy="1296144"/>
+                      </a:xfrm>
+                      <a:prstGeom prst="arc">
+                        <a:avLst>
+                          <a:gd name="adj1" fmla="val 15854703"/>
+                          <a:gd name="adj2" fmla="val 2674430"/>
+                        </a:avLst>
+                      </a:prstGeom>
+                      <a:ln w="38100">
+                        <a:solidFill>
+                          <a:schemeClr val="tx1">
+                            <a:lumMod val="95000"/>
+                            <a:lumOff val="5000"/>
+                          </a:schemeClr>
+                        </a:solidFill>
+                      </a:ln>
+                    </p:spPr>
+                    <p:style>
+                      <a:lnRef idx="1">
+                        <a:schemeClr val="accent1"/>
+                      </a:lnRef>
+                      <a:fillRef idx="0">
+                        <a:schemeClr val="accent1"/>
+                      </a:fillRef>
+                      <a:effectRef idx="0">
+                        <a:schemeClr val="accent1"/>
+                      </a:effectRef>
+                      <a:fontRef idx="minor">
+                        <a:schemeClr val="tx1"/>
+                      </a:fontRef>
+                    </p:style>
+                    <p:txBody>
+                      <a:bodyPr rtlCol="0" anchor="ctr"/>
+                      <a:lstStyle/>
+                      <a:p>
+                        <a:pPr algn="ctr"/>
+                        <a:endParaRPr lang="pt-BR"/>
+                      </a:p>
+                    </p:txBody>
+                  </p:sp>
+                  <p:sp>
+                    <p:nvSpPr>
+                      <p:cNvPr id="28" name="Arco 27"/>
+                      <p:cNvSpPr/>
+                      <p:nvPr/>
+                    </p:nvSpPr>
+                    <p:spPr>
+                      <a:xfrm>
+                        <a:off x="6012160" y="1124744"/>
+                        <a:ext cx="864096" cy="1296144"/>
+                      </a:xfrm>
+                      <a:prstGeom prst="arc">
+                        <a:avLst>
+                          <a:gd name="adj1" fmla="val 15854703"/>
+                          <a:gd name="adj2" fmla="val 3679462"/>
+                        </a:avLst>
+                      </a:prstGeom>
+                      <a:ln w="38100">
+                        <a:solidFill>
+                          <a:schemeClr val="tx1">
+                            <a:lumMod val="95000"/>
+                            <a:lumOff val="5000"/>
+                          </a:schemeClr>
+                        </a:solidFill>
+                      </a:ln>
+                    </p:spPr>
+                    <p:style>
+                      <a:lnRef idx="1">
+                        <a:schemeClr val="accent1"/>
+                      </a:lnRef>
+                      <a:fillRef idx="0">
+                        <a:schemeClr val="accent1"/>
+                      </a:fillRef>
+                      <a:effectRef idx="0">
+                        <a:schemeClr val="accent1"/>
+                      </a:effectRef>
+                      <a:fontRef idx="minor">
+                        <a:schemeClr val="tx1"/>
+                      </a:fontRef>
+                    </p:style>
+                    <p:txBody>
+                      <a:bodyPr rtlCol="0" anchor="ctr"/>
+                      <a:lstStyle/>
+                      <a:p>
+                        <a:pPr algn="ctr"/>
+                        <a:endParaRPr lang="pt-BR"/>
+                      </a:p>
+                    </p:txBody>
+                  </p:sp>
+                  <p:sp>
+                    <p:nvSpPr>
+                      <p:cNvPr id="29" name="Arco 28"/>
+                      <p:cNvSpPr/>
+                      <p:nvPr/>
+                    </p:nvSpPr>
+                    <p:spPr>
+                      <a:xfrm>
+                        <a:off x="6183137" y="1071168"/>
+                        <a:ext cx="864096" cy="1296144"/>
+                      </a:xfrm>
+                      <a:prstGeom prst="arc">
+                        <a:avLst>
+                          <a:gd name="adj1" fmla="val 15854703"/>
+                          <a:gd name="adj2" fmla="val 4009036"/>
+                        </a:avLst>
+                      </a:prstGeom>
+                      <a:ln w="28575">
+                        <a:solidFill>
+                          <a:schemeClr val="tx1">
+                            <a:lumMod val="95000"/>
+                            <a:lumOff val="5000"/>
+                          </a:schemeClr>
+                        </a:solidFill>
+                      </a:ln>
+                    </p:spPr>
+                    <p:style>
+                      <a:lnRef idx="1">
+                        <a:schemeClr val="accent1"/>
+                      </a:lnRef>
+                      <a:fillRef idx="0">
+                        <a:schemeClr val="accent1"/>
+                      </a:fillRef>
+                      <a:effectRef idx="0">
+                        <a:schemeClr val="accent1"/>
+                      </a:effectRef>
+                      <a:fontRef idx="minor">
+                        <a:schemeClr val="tx1"/>
+                      </a:fontRef>
+                    </p:style>
+                    <p:txBody>
+                      <a:bodyPr rtlCol="0" anchor="ctr"/>
+                      <a:lstStyle/>
+                      <a:p>
+                        <a:pPr algn="ctr"/>
+                        <a:endParaRPr lang="pt-BR"/>
+                      </a:p>
+                    </p:txBody>
+                  </p:sp>
+                  <p:sp>
+                    <p:nvSpPr>
+                      <p:cNvPr id="30" name="Arco 29"/>
+                      <p:cNvSpPr/>
+                      <p:nvPr/>
+                    </p:nvSpPr>
+                    <p:spPr>
+                      <a:xfrm>
+                        <a:off x="5800159" y="1628800"/>
+                        <a:ext cx="644049" cy="936104"/>
+                      </a:xfrm>
+                      <a:prstGeom prst="arc">
+                        <a:avLst>
+                          <a:gd name="adj1" fmla="val 15888315"/>
+                          <a:gd name="adj2" fmla="val 1381770"/>
+                        </a:avLst>
+                      </a:prstGeom>
+                      <a:ln w="28575">
+                        <a:solidFill>
+                          <a:schemeClr val="tx1">
+                            <a:lumMod val="95000"/>
+                            <a:lumOff val="5000"/>
+                          </a:schemeClr>
+                        </a:solidFill>
+                      </a:ln>
+                    </p:spPr>
+                    <p:style>
+                      <a:lnRef idx="1">
+                        <a:schemeClr val="accent1"/>
+                      </a:lnRef>
+                      <a:fillRef idx="0">
+                        <a:schemeClr val="accent1"/>
+                      </a:fillRef>
+                      <a:effectRef idx="0">
+                        <a:schemeClr val="accent1"/>
+                      </a:effectRef>
+                      <a:fontRef idx="minor">
+                        <a:schemeClr val="tx1"/>
+                      </a:fontRef>
+                    </p:style>
+                    <p:txBody>
+                      <a:bodyPr rtlCol="0" anchor="ctr"/>
+                      <a:lstStyle/>
+                      <a:p>
+                        <a:pPr algn="ctr"/>
+                        <a:endParaRPr lang="pt-BR"/>
+                      </a:p>
+                    </p:txBody>
+                  </p:sp>
+                  <p:sp>
+                    <p:nvSpPr>
+                      <p:cNvPr id="31" name="Arco 30"/>
+                      <p:cNvSpPr/>
+                      <p:nvPr/>
+                    </p:nvSpPr>
+                    <p:spPr>
+                      <a:xfrm>
+                        <a:off x="5907562" y="1825078"/>
+                        <a:ext cx="464638" cy="667818"/>
+                      </a:xfrm>
+                      <a:prstGeom prst="arc">
+                        <a:avLst/>
+                      </a:prstGeom>
+                      <a:ln w="28575">
+                        <a:solidFill>
+                          <a:schemeClr val="tx1">
+                            <a:lumMod val="95000"/>
+                            <a:lumOff val="5000"/>
+                          </a:schemeClr>
+                        </a:solidFill>
+                      </a:ln>
+                    </p:spPr>
+                    <p:style>
+                      <a:lnRef idx="1">
+                        <a:schemeClr val="accent1"/>
+                      </a:lnRef>
+                      <a:fillRef idx="0">
+                        <a:schemeClr val="accent1"/>
+                      </a:fillRef>
+                      <a:effectRef idx="0">
+                        <a:schemeClr val="accent1"/>
+                      </a:effectRef>
+                      <a:fontRef idx="minor">
+                        <a:schemeClr val="tx1"/>
+                      </a:fontRef>
+                    </p:style>
+                    <p:txBody>
+                      <a:bodyPr rtlCol="0" anchor="ctr"/>
+                      <a:lstStyle/>
+                      <a:p>
+                        <a:pPr algn="ctr"/>
+                        <a:endParaRPr lang="pt-BR"/>
+                      </a:p>
+                    </p:txBody>
+                  </p:sp>
+                </p:grpSp>
+                <p:sp>
+                  <p:nvSpPr>
+                    <p:cNvPr id="25" name="Arco 24"/>
+                    <p:cNvSpPr/>
+                    <p:nvPr/>
+                  </p:nvSpPr>
+                  <p:spPr>
+                    <a:xfrm>
+                      <a:off x="5584135" y="1412776"/>
+                      <a:ext cx="1004089" cy="1080120"/>
+                    </a:xfrm>
+                    <a:prstGeom prst="arc">
+                      <a:avLst>
+                        <a:gd name="adj1" fmla="val 16552352"/>
+                        <a:gd name="adj2" fmla="val 2166314"/>
+                      </a:avLst>
+                    </a:prstGeom>
+                    <a:ln w="38100">
+                      <a:solidFill>
+                        <a:schemeClr val="tx1">
+                          <a:lumMod val="95000"/>
+                          <a:lumOff val="5000"/>
+                        </a:schemeClr>
+                      </a:solidFill>
+                    </a:ln>
+                  </p:spPr>
+                  <p:style>
+                    <a:lnRef idx="1">
+                      <a:schemeClr val="accent1"/>
+                    </a:lnRef>
+                    <a:fillRef idx="0">
+                      <a:schemeClr val="accent1"/>
+                    </a:fillRef>
+                    <a:effectRef idx="0">
+                      <a:schemeClr val="accent1"/>
+                    </a:effectRef>
+                    <a:fontRef idx="minor">
+                      <a:schemeClr val="tx1"/>
+                    </a:fontRef>
+                  </p:style>
+                  <p:txBody>
+                    <a:bodyPr rtlCol="0" anchor="ctr"/>
+                    <a:lstStyle/>
+                    <a:p>
+                      <a:pPr algn="ctr"/>
+                      <a:endParaRPr lang="pt-BR"/>
+                    </a:p>
+                  </p:txBody>
+                </p:sp>
+              </p:grpSp>
+              <p:sp>
+                <p:nvSpPr>
+                  <p:cNvPr id="23" name="Arco 22"/>
+                  <p:cNvSpPr/>
+                  <p:nvPr/>
+                </p:nvSpPr>
+                <p:spPr>
+                  <a:xfrm rot="2525959">
+                    <a:off x="5693025" y="909619"/>
+                    <a:ext cx="1512168" cy="1493736"/>
+                  </a:xfrm>
+                  <a:prstGeom prst="arc">
+                    <a:avLst>
+                      <a:gd name="adj1" fmla="val 16335632"/>
+                      <a:gd name="adj2" fmla="val 745188"/>
+                    </a:avLst>
+                  </a:prstGeom>
+                  <a:ln w="28575">
+                    <a:solidFill>
+                      <a:schemeClr val="tx1">
+                        <a:lumMod val="95000"/>
+                        <a:lumOff val="5000"/>
+                      </a:schemeClr>
+                    </a:solidFill>
+                  </a:ln>
+                </p:spPr>
+                <p:style>
+                  <a:lnRef idx="1">
+                    <a:schemeClr val="accent1"/>
+                  </a:lnRef>
+                  <a:fillRef idx="0">
+                    <a:schemeClr val="accent1"/>
+                  </a:fillRef>
+                  <a:effectRef idx="0">
+                    <a:schemeClr val="accent1"/>
+                  </a:effectRef>
+                  <a:fontRef idx="minor">
+                    <a:schemeClr val="tx1"/>
+                  </a:fontRef>
+                </p:style>
+                <p:txBody>
+                  <a:bodyPr rtlCol="0" anchor="ctr"/>
+                  <a:lstStyle/>
+                  <a:p>
+                    <a:pPr algn="ctr"/>
+                    <a:endParaRPr lang="pt-BR"/>
+                  </a:p>
+                </p:txBody>
+              </p:sp>
+            </p:grpSp>
+            <p:sp>
+              <p:nvSpPr>
+                <p:cNvPr id="10" name="Arco 9"/>
+                <p:cNvSpPr/>
+                <p:nvPr/>
+              </p:nvSpPr>
+              <p:spPr>
+                <a:xfrm>
+                  <a:off x="3151087" y="1332452"/>
+                  <a:ext cx="576064" cy="648072"/>
+                </a:xfrm>
+                <a:prstGeom prst="arc">
+                  <a:avLst/>
+                </a:prstGeom>
+                <a:ln w="38100">
+                  <a:solidFill>
+                    <a:schemeClr val="tx1">
+                      <a:lumMod val="95000"/>
+                      <a:lumOff val="5000"/>
+                    </a:schemeClr>
+                  </a:solidFill>
+                </a:ln>
+              </p:spPr>
+              <p:style>
+                <a:lnRef idx="1">
+                  <a:schemeClr val="accent1"/>
+                </a:lnRef>
+                <a:fillRef idx="0">
+                  <a:schemeClr val="accent1"/>
+                </a:fillRef>
+                <a:effectRef idx="0">
+                  <a:schemeClr val="accent1"/>
+                </a:effectRef>
+                <a:fontRef idx="minor">
+                  <a:schemeClr val="tx1"/>
+                </a:fontRef>
+              </p:style>
+              <p:txBody>
+                <a:bodyPr rtlCol="0" anchor="ctr"/>
+                <a:lstStyle/>
+                <a:p>
+                  <a:pPr algn="ctr"/>
+                  <a:endParaRPr lang="pt-BR"/>
+                </a:p>
+              </p:txBody>
+            </p:sp>
+            <p:sp>
+              <p:nvSpPr>
+                <p:cNvPr id="11" name="Arco 10"/>
+                <p:cNvSpPr/>
+                <p:nvPr/>
+              </p:nvSpPr>
+              <p:spPr>
+                <a:xfrm rot="16391247">
+                  <a:off x="4119463" y="1431208"/>
+                  <a:ext cx="576064" cy="648072"/>
+                </a:xfrm>
+                <a:prstGeom prst="arc">
+                  <a:avLst/>
+                </a:prstGeom>
+                <a:ln w="38100">
+                  <a:solidFill>
+                    <a:schemeClr val="tx1">
+                      <a:lumMod val="95000"/>
+                      <a:lumOff val="5000"/>
+                    </a:schemeClr>
+                  </a:solidFill>
+                </a:ln>
+              </p:spPr>
+              <p:style>
+                <a:lnRef idx="1">
+                  <a:schemeClr val="accent1"/>
+                </a:lnRef>
+                <a:fillRef idx="0">
+                  <a:schemeClr val="accent1"/>
+                </a:fillRef>
+                <a:effectRef idx="0">
+                  <a:schemeClr val="accent1"/>
+                </a:effectRef>
+                <a:fontRef idx="minor">
+                  <a:schemeClr val="tx1"/>
+                </a:fontRef>
+              </p:style>
+              <p:txBody>
+                <a:bodyPr rtlCol="0" anchor="ctr"/>
+                <a:lstStyle/>
+                <a:p>
+                  <a:pPr algn="ctr"/>
+                  <a:endParaRPr lang="pt-BR"/>
+                </a:p>
+              </p:txBody>
+            </p:sp>
+            <p:sp>
+              <p:nvSpPr>
+                <p:cNvPr id="12" name="Elipse 11"/>
+                <p:cNvSpPr/>
+                <p:nvPr/>
+              </p:nvSpPr>
+              <p:spPr>
+                <a:xfrm>
+                  <a:off x="3131840" y="2230269"/>
+                  <a:ext cx="952106" cy="899435"/>
+                </a:xfrm>
+                <a:prstGeom prst="ellipse">
+                  <a:avLst/>
+                </a:prstGeom>
+                <a:solidFill>
+                  <a:schemeClr val="accent2">
+                    <a:lumMod val="50000"/>
+                  </a:schemeClr>
+                </a:solidFill>
+                <a:ln>
+                  <a:solidFill>
+                    <a:schemeClr val="tx1">
+                      <a:lumMod val="95000"/>
+                      <a:lumOff val="5000"/>
+                    </a:schemeClr>
+                  </a:solidFill>
+                </a:ln>
+              </p:spPr>
+              <p:style>
+                <a:lnRef idx="2">
+                  <a:schemeClr val="accent1">
+                    <a:shade val="50000"/>
+                  </a:schemeClr>
+                </a:lnRef>
+                <a:fillRef idx="1">
+                  <a:schemeClr val="accent1"/>
+                </a:fillRef>
+                <a:effectRef idx="0">
+                  <a:schemeClr val="accent1"/>
+                </a:effectRef>
+                <a:fontRef idx="minor">
+                  <a:schemeClr val="lt1"/>
+                </a:fontRef>
+              </p:style>
+              <p:txBody>
+                <a:bodyPr rtlCol="0" anchor="ctr"/>
+                <a:lstStyle/>
+                <a:p>
+                  <a:pPr algn="ctr"/>
+                  <a:endParaRPr lang="pt-BR">
+                    <a:solidFill>
+                      <a:schemeClr val="accent6">
+                        <a:lumMod val="50000"/>
+                      </a:schemeClr>
+                    </a:solidFill>
+                  </a:endParaRPr>
+                </a:p>
+              </p:txBody>
+            </p:sp>
+            <p:sp>
+              <p:nvSpPr>
+                <p:cNvPr id="13" name="Elipse 12"/>
+                <p:cNvSpPr/>
+                <p:nvPr/>
+              </p:nvSpPr>
+              <p:spPr>
+                <a:xfrm>
+                  <a:off x="3460850" y="1628800"/>
+                  <a:ext cx="864096" cy="864096"/>
+                </a:xfrm>
+                <a:prstGeom prst="ellipse">
+                  <a:avLst/>
+                </a:prstGeom>
+                <a:solidFill>
+                  <a:schemeClr val="accent2">
+                    <a:lumMod val="50000"/>
+                  </a:schemeClr>
+                </a:solidFill>
+                <a:ln>
+                  <a:solidFill>
+                    <a:schemeClr val="tx1">
+                      <a:lumMod val="95000"/>
+                      <a:lumOff val="5000"/>
+                    </a:schemeClr>
+                  </a:solidFill>
+                </a:ln>
+              </p:spPr>
+              <p:style>
+                <a:lnRef idx="2">
+                  <a:schemeClr val="accent1">
+                    <a:shade val="50000"/>
+                  </a:schemeClr>
+                </a:lnRef>
+                <a:fillRef idx="1">
+                  <a:schemeClr val="accent1"/>
+                </a:fillRef>
+                <a:effectRef idx="0">
+                  <a:schemeClr val="accent1"/>
+                </a:effectRef>
+                <a:fontRef idx="minor">
+                  <a:schemeClr val="lt1"/>
+                </a:fontRef>
+              </p:style>
+              <p:txBody>
+                <a:bodyPr rtlCol="0" anchor="ctr"/>
+                <a:lstStyle/>
+                <a:p>
+                  <a:pPr algn="ctr"/>
+                  <a:endParaRPr lang="pt-BR"/>
+                </a:p>
+              </p:txBody>
+            </p:sp>
+            <p:grpSp>
+              <p:nvGrpSpPr>
+                <p:cNvPr id="14" name="Grupo 13"/>
+                <p:cNvGrpSpPr/>
+                <p:nvPr/>
+              </p:nvGrpSpPr>
+              <p:grpSpPr>
+                <a:xfrm>
+                  <a:off x="3972891" y="1836508"/>
+                  <a:ext cx="240027" cy="288032"/>
+                  <a:chOff x="5724128" y="1268760"/>
+                  <a:chExt cx="1080120" cy="1044116"/>
+                </a:xfrm>
+              </p:grpSpPr>
+              <p:sp>
+                <p:nvSpPr>
+                  <p:cNvPr id="19" name="Elipse 18"/>
+                  <p:cNvSpPr/>
+                  <p:nvPr/>
+                </p:nvSpPr>
+                <p:spPr>
+                  <a:xfrm>
+                    <a:off x="5724128" y="1268760"/>
+                    <a:ext cx="1080120" cy="1044116"/>
+                  </a:xfrm>
+                  <a:prstGeom prst="ellipse">
+                    <a:avLst/>
+                  </a:prstGeom>
+                  <a:solidFill>
+                    <a:schemeClr val="bg1"/>
+                  </a:solidFill>
+                  <a:ln>
+                    <a:solidFill>
+                      <a:schemeClr val="tx1">
+                        <a:lumMod val="95000"/>
+                        <a:lumOff val="5000"/>
+                      </a:schemeClr>
+                    </a:solidFill>
+                  </a:ln>
+                </p:spPr>
+                <p:style>
+                  <a:lnRef idx="2">
+                    <a:schemeClr val="accent1">
+                      <a:shade val="50000"/>
+                    </a:schemeClr>
+                  </a:lnRef>
+                  <a:fillRef idx="1">
+                    <a:schemeClr val="accent1"/>
+                  </a:fillRef>
+                  <a:effectRef idx="0">
+                    <a:schemeClr val="accent1"/>
+                  </a:effectRef>
+                  <a:fontRef idx="minor">
+                    <a:schemeClr val="lt1"/>
+                  </a:fontRef>
+                </p:style>
+                <p:txBody>
+                  <a:bodyPr rtlCol="0" anchor="ctr"/>
+                  <a:lstStyle/>
+                  <a:p>
+                    <a:pPr algn="ctr"/>
+                    <a:endParaRPr lang="pt-BR"/>
+                  </a:p>
+                </p:txBody>
+              </p:sp>
+              <p:sp>
+                <p:nvSpPr>
+                  <p:cNvPr id="20" name="Elipse 19"/>
+                  <p:cNvSpPr/>
+                  <p:nvPr/>
+                </p:nvSpPr>
+                <p:spPr>
+                  <a:xfrm>
+                    <a:off x="5904148" y="1430778"/>
+                    <a:ext cx="720080" cy="720080"/>
+                  </a:xfrm>
+                  <a:prstGeom prst="ellipse">
+                    <a:avLst/>
+                  </a:prstGeom>
+                  <a:solidFill>
+                    <a:schemeClr val="tx1">
+                      <a:lumMod val="95000"/>
+                      <a:lumOff val="5000"/>
+                    </a:schemeClr>
+                  </a:solidFill>
+                  <a:ln>
+                    <a:solidFill>
+                      <a:schemeClr val="tx1">
+                        <a:lumMod val="95000"/>
+                        <a:lumOff val="5000"/>
+                      </a:schemeClr>
+                    </a:solidFill>
+                  </a:ln>
+                </p:spPr>
+                <p:style>
+                  <a:lnRef idx="2">
+                    <a:schemeClr val="accent1">
+                      <a:shade val="50000"/>
+                    </a:schemeClr>
+                  </a:lnRef>
+                  <a:fillRef idx="1">
+                    <a:schemeClr val="accent1"/>
+                  </a:fillRef>
+                  <a:effectRef idx="0">
+                    <a:schemeClr val="accent1"/>
+                  </a:effectRef>
+                  <a:fontRef idx="minor">
+                    <a:schemeClr val="lt1"/>
+                  </a:fontRef>
+                </p:style>
+                <p:txBody>
+                  <a:bodyPr rtlCol="0" anchor="ctr"/>
+                  <a:lstStyle/>
+                  <a:p>
+                    <a:pPr algn="ctr"/>
+                    <a:endParaRPr lang="pt-BR"/>
+                  </a:p>
+                </p:txBody>
+              </p:sp>
+              <p:sp>
+                <p:nvSpPr>
+                  <p:cNvPr id="21" name="Elipse 20"/>
+                  <p:cNvSpPr/>
+                  <p:nvPr/>
+                </p:nvSpPr>
+                <p:spPr>
+                  <a:xfrm>
+                    <a:off x="6264188" y="1790818"/>
+                    <a:ext cx="180020" cy="198022"/>
+                  </a:xfrm>
+                  <a:prstGeom prst="ellipse">
+                    <a:avLst/>
+                  </a:prstGeom>
+                  <a:solidFill>
+                    <a:schemeClr val="bg1"/>
+                  </a:solidFill>
+                </p:spPr>
+                <p:style>
+                  <a:lnRef idx="2">
+                    <a:schemeClr val="accent1">
+                      <a:shade val="50000"/>
+                    </a:schemeClr>
+                  </a:lnRef>
+                  <a:fillRef idx="1">
+                    <a:schemeClr val="accent1"/>
+                  </a:fillRef>
+                  <a:effectRef idx="0">
+                    <a:schemeClr val="accent1"/>
+                  </a:effectRef>
+                  <a:fontRef idx="minor">
+                    <a:schemeClr val="lt1"/>
+                  </a:fontRef>
+                </p:style>
+                <p:txBody>
+                  <a:bodyPr rtlCol="0" anchor="ctr"/>
+                  <a:lstStyle/>
+                  <a:p>
+                    <a:pPr algn="ctr"/>
+                    <a:endParaRPr lang="pt-BR"/>
+                  </a:p>
+                </p:txBody>
+              </p:sp>
+            </p:grpSp>
+            <p:grpSp>
+              <p:nvGrpSpPr>
+                <p:cNvPr id="15" name="Grupo 14"/>
+                <p:cNvGrpSpPr/>
+                <p:nvPr/>
+              </p:nvGrpSpPr>
+              <p:grpSpPr>
+                <a:xfrm>
+                  <a:off x="3635896" y="1836508"/>
+                  <a:ext cx="240027" cy="288032"/>
+                  <a:chOff x="5724128" y="1268760"/>
+                  <a:chExt cx="1080120" cy="1044116"/>
+                </a:xfrm>
+              </p:grpSpPr>
+              <p:sp>
+                <p:nvSpPr>
+                  <p:cNvPr id="16" name="Elipse 15"/>
+                  <p:cNvSpPr/>
+                  <p:nvPr/>
+                </p:nvSpPr>
+                <p:spPr>
+                  <a:xfrm>
+                    <a:off x="5724128" y="1268760"/>
+                    <a:ext cx="1080120" cy="1044116"/>
+                  </a:xfrm>
+                  <a:prstGeom prst="ellipse">
+                    <a:avLst/>
+                  </a:prstGeom>
+                  <a:solidFill>
+                    <a:schemeClr val="bg1"/>
+                  </a:solidFill>
+                  <a:ln>
+                    <a:solidFill>
+                      <a:schemeClr val="tx1">
+                        <a:lumMod val="95000"/>
+                        <a:lumOff val="5000"/>
+                      </a:schemeClr>
+                    </a:solidFill>
+                  </a:ln>
+                </p:spPr>
+                <p:style>
+                  <a:lnRef idx="2">
+                    <a:schemeClr val="accent1">
+                      <a:shade val="50000"/>
+                    </a:schemeClr>
+                  </a:lnRef>
+                  <a:fillRef idx="1">
+                    <a:schemeClr val="accent1"/>
+                  </a:fillRef>
+                  <a:effectRef idx="0">
+                    <a:schemeClr val="accent1"/>
+                  </a:effectRef>
+                  <a:fontRef idx="minor">
+                    <a:schemeClr val="lt1"/>
+                  </a:fontRef>
+                </p:style>
+                <p:txBody>
+                  <a:bodyPr rtlCol="0" anchor="ctr"/>
+                  <a:lstStyle/>
+                  <a:p>
+                    <a:pPr algn="ctr"/>
+                    <a:endParaRPr lang="pt-BR"/>
+                  </a:p>
+                </p:txBody>
+              </p:sp>
+              <p:sp>
+                <p:nvSpPr>
+                  <p:cNvPr id="17" name="Elipse 16"/>
+                  <p:cNvSpPr/>
+                  <p:nvPr/>
+                </p:nvSpPr>
+                <p:spPr>
+                  <a:xfrm>
+                    <a:off x="5904150" y="1430779"/>
+                    <a:ext cx="720080" cy="720081"/>
+                  </a:xfrm>
+                  <a:prstGeom prst="ellipse">
+                    <a:avLst/>
+                  </a:prstGeom>
+                  <a:solidFill>
+                    <a:schemeClr val="tx1">
+                      <a:lumMod val="95000"/>
+                      <a:lumOff val="5000"/>
+                    </a:schemeClr>
+                  </a:solidFill>
+                  <a:ln>
+                    <a:solidFill>
+                      <a:schemeClr val="tx1">
+                        <a:lumMod val="95000"/>
+                        <a:lumOff val="5000"/>
+                      </a:schemeClr>
+                    </a:solidFill>
+                  </a:ln>
+                </p:spPr>
+                <p:style>
+                  <a:lnRef idx="2">
+                    <a:schemeClr val="accent1">
+                      <a:shade val="50000"/>
+                    </a:schemeClr>
+                  </a:lnRef>
+                  <a:fillRef idx="1">
+                    <a:schemeClr val="accent1"/>
+                  </a:fillRef>
+                  <a:effectRef idx="0">
+                    <a:schemeClr val="accent1"/>
+                  </a:effectRef>
+                  <a:fontRef idx="minor">
+                    <a:schemeClr val="lt1"/>
+                  </a:fontRef>
+                </p:style>
+                <p:txBody>
+                  <a:bodyPr rtlCol="0" anchor="ctr"/>
+                  <a:lstStyle/>
+                  <a:p>
+                    <a:pPr algn="ctr"/>
+                    <a:endParaRPr lang="pt-BR"/>
+                  </a:p>
+                </p:txBody>
+              </p:sp>
+              <p:sp>
+                <p:nvSpPr>
+                  <p:cNvPr id="18" name="Elipse 17"/>
+                  <p:cNvSpPr/>
+                  <p:nvPr/>
+                </p:nvSpPr>
+                <p:spPr>
+                  <a:xfrm>
+                    <a:off x="6264188" y="1790818"/>
+                    <a:ext cx="180020" cy="198022"/>
+                  </a:xfrm>
+                  <a:prstGeom prst="ellipse">
+                    <a:avLst/>
+                  </a:prstGeom>
+                  <a:solidFill>
+                    <a:schemeClr val="bg1"/>
+                  </a:solidFill>
+                </p:spPr>
+                <p:style>
+                  <a:lnRef idx="2">
+                    <a:schemeClr val="accent1">
+                      <a:shade val="50000"/>
+                    </a:schemeClr>
+                  </a:lnRef>
+                  <a:fillRef idx="1">
+                    <a:schemeClr val="accent1"/>
+                  </a:fillRef>
+                  <a:effectRef idx="0">
+                    <a:schemeClr val="accent1"/>
+                  </a:effectRef>
+                  <a:fontRef idx="minor">
+                    <a:schemeClr val="lt1"/>
+                  </a:fontRef>
+                </p:style>
+                <p:txBody>
+                  <a:bodyPr rtlCol="0" anchor="ctr"/>
+                  <a:lstStyle/>
+                  <a:p>
+                    <a:pPr algn="ctr"/>
+                    <a:endParaRPr lang="pt-BR"/>
+                  </a:p>
+                </p:txBody>
+              </p:sp>
+            </p:grpSp>
+          </p:grpSp>
+          <p:grpSp>
+            <p:nvGrpSpPr>
+              <p:cNvPr id="62" name="Grupo 61"/>
+              <p:cNvGrpSpPr/>
+              <p:nvPr/>
+            </p:nvGrpSpPr>
+            <p:grpSpPr>
+              <a:xfrm>
+                <a:off x="3995936" y="2751994"/>
+                <a:ext cx="216024" cy="379037"/>
+                <a:chOff x="5799804" y="1673495"/>
+                <a:chExt cx="216024" cy="601469"/>
+              </a:xfrm>
+            </p:grpSpPr>
+            <p:sp>
+              <p:nvSpPr>
+                <p:cNvPr id="58" name="Elipse 57"/>
+                <p:cNvSpPr/>
+                <p:nvPr/>
+              </p:nvSpPr>
+              <p:spPr>
+                <a:xfrm>
+                  <a:off x="5799804" y="2052532"/>
+                  <a:ext cx="216024" cy="222432"/>
+                </a:xfrm>
+                <a:prstGeom prst="ellipse">
+                  <a:avLst/>
+                </a:prstGeom>
+                <a:solidFill>
+                  <a:schemeClr val="tx1"/>
+                </a:solidFill>
+                <a:ln>
+                  <a:solidFill>
+                    <a:schemeClr val="tx1"/>
+                  </a:solidFill>
+                </a:ln>
+              </p:spPr>
+              <p:style>
+                <a:lnRef idx="2">
+                  <a:schemeClr val="accent1">
+                    <a:shade val="50000"/>
+                  </a:schemeClr>
+                </a:lnRef>
+                <a:fillRef idx="1">
+                  <a:schemeClr val="accent1"/>
+                </a:fillRef>
+                <a:effectRef idx="0">
+                  <a:schemeClr val="accent1"/>
+                </a:effectRef>
+                <a:fontRef idx="minor">
+                  <a:schemeClr val="lt1"/>
+                </a:fontRef>
+              </p:style>
+              <p:txBody>
+                <a:bodyPr rtlCol="0" anchor="ctr"/>
+                <a:lstStyle/>
+                <a:p>
+                  <a:pPr algn="ctr"/>
+                  <a:endParaRPr lang="pt-BR"/>
+                </a:p>
+              </p:txBody>
+            </p:sp>
+            <p:cxnSp>
+              <p:nvCxnSpPr>
+                <p:cNvPr id="61" name="Conector reto 60"/>
+                <p:cNvCxnSpPr>
+                  <a:endCxn id="58" idx="0"/>
+                </p:cNvCxnSpPr>
+                <p:nvPr/>
+              </p:nvCxnSpPr>
+              <p:spPr>
+                <a:xfrm>
+                  <a:off x="5799804" y="1673495"/>
+                  <a:ext cx="108012" cy="379037"/>
+                </a:xfrm>
+                <a:prstGeom prst="line">
+                  <a:avLst/>
+                </a:prstGeom>
+                <a:ln w="57150">
+                  <a:solidFill>
+                    <a:schemeClr val="tx1"/>
+                  </a:solidFill>
+                </a:ln>
+              </p:spPr>
+              <p:style>
+                <a:lnRef idx="1">
+                  <a:schemeClr val="accent1"/>
+                </a:lnRef>
+                <a:fillRef idx="0">
+                  <a:schemeClr val="accent1"/>
+                </a:fillRef>
+                <a:effectRef idx="0">
+                  <a:schemeClr val="accent1"/>
+                </a:effectRef>
+                <a:fontRef idx="minor">
+                  <a:schemeClr val="tx1"/>
+                </a:fontRef>
+              </p:style>
+            </p:cxnSp>
+          </p:grpSp>
+          <p:grpSp>
+            <p:nvGrpSpPr>
+              <p:cNvPr id="64" name="Grupo 63"/>
+              <p:cNvGrpSpPr/>
+              <p:nvPr/>
+            </p:nvGrpSpPr>
+            <p:grpSpPr>
+              <a:xfrm>
+                <a:off x="3450902" y="2581222"/>
+                <a:ext cx="216024" cy="379037"/>
+                <a:chOff x="5799804" y="1673495"/>
+                <a:chExt cx="216024" cy="601469"/>
+              </a:xfrm>
+            </p:grpSpPr>
+            <p:sp>
+              <p:nvSpPr>
+                <p:cNvPr id="65" name="Elipse 64"/>
+                <p:cNvSpPr/>
+                <p:nvPr/>
+              </p:nvSpPr>
+              <p:spPr>
+                <a:xfrm>
+                  <a:off x="5799804" y="2052532"/>
+                  <a:ext cx="216024" cy="222432"/>
+                </a:xfrm>
+                <a:prstGeom prst="ellipse">
+                  <a:avLst/>
+                </a:prstGeom>
+                <a:solidFill>
+                  <a:schemeClr val="tx1"/>
+                </a:solidFill>
+                <a:ln>
+                  <a:solidFill>
+                    <a:schemeClr val="tx1"/>
+                  </a:solidFill>
+                </a:ln>
+              </p:spPr>
+              <p:style>
+                <a:lnRef idx="2">
+                  <a:schemeClr val="accent1">
+                    <a:shade val="50000"/>
+                  </a:schemeClr>
+                </a:lnRef>
+                <a:fillRef idx="1">
+                  <a:schemeClr val="accent1"/>
+                </a:fillRef>
+                <a:effectRef idx="0">
+                  <a:schemeClr val="accent1"/>
+                </a:effectRef>
+                <a:fontRef idx="minor">
+                  <a:schemeClr val="lt1"/>
+                </a:fontRef>
+              </p:style>
+              <p:txBody>
+                <a:bodyPr rtlCol="0" anchor="ctr"/>
+                <a:lstStyle/>
+                <a:p>
+                  <a:pPr algn="ctr"/>
+                  <a:endParaRPr lang="pt-BR"/>
+                </a:p>
+              </p:txBody>
+            </p:sp>
+            <p:cxnSp>
+              <p:nvCxnSpPr>
+                <p:cNvPr id="66" name="Conector reto 65"/>
+                <p:cNvCxnSpPr>
+                  <a:endCxn id="65" idx="0"/>
+                </p:cNvCxnSpPr>
+                <p:nvPr/>
+              </p:nvCxnSpPr>
+              <p:spPr>
+                <a:xfrm>
+                  <a:off x="5799804" y="1673495"/>
+                  <a:ext cx="108012" cy="379037"/>
+                </a:xfrm>
+                <a:prstGeom prst="line">
+                  <a:avLst/>
+                </a:prstGeom>
+                <a:ln w="57150">
+                  <a:solidFill>
+                    <a:schemeClr val="tx1"/>
+                  </a:solidFill>
+                </a:ln>
+              </p:spPr>
+              <p:style>
+                <a:lnRef idx="1">
+                  <a:schemeClr val="accent1"/>
+                </a:lnRef>
+                <a:fillRef idx="0">
+                  <a:schemeClr val="accent1"/>
+                </a:fillRef>
+                <a:effectRef idx="0">
+                  <a:schemeClr val="accent1"/>
+                </a:effectRef>
+                <a:fontRef idx="minor">
+                  <a:schemeClr val="tx1"/>
+                </a:fontRef>
+              </p:style>
+            </p:cxnSp>
+          </p:grpSp>
+          <p:grpSp>
+            <p:nvGrpSpPr>
+              <p:cNvPr id="67" name="Grupo 66"/>
+              <p:cNvGrpSpPr/>
+              <p:nvPr/>
+            </p:nvGrpSpPr>
+            <p:grpSpPr>
+              <a:xfrm>
+                <a:off x="3342890" y="2799360"/>
+                <a:ext cx="216024" cy="379037"/>
+                <a:chOff x="5799804" y="1673495"/>
+                <a:chExt cx="216024" cy="601469"/>
+              </a:xfrm>
+            </p:grpSpPr>
+            <p:sp>
+              <p:nvSpPr>
+                <p:cNvPr id="68" name="Elipse 67"/>
+                <p:cNvSpPr/>
+                <p:nvPr/>
+              </p:nvSpPr>
+              <p:spPr>
+                <a:xfrm>
+                  <a:off x="5799804" y="2052532"/>
+                  <a:ext cx="216024" cy="222432"/>
+                </a:xfrm>
+                <a:prstGeom prst="ellipse">
+                  <a:avLst/>
+                </a:prstGeom>
+                <a:solidFill>
+                  <a:schemeClr val="tx1"/>
+                </a:solidFill>
+                <a:ln>
+                  <a:solidFill>
+                    <a:schemeClr val="tx1"/>
+                  </a:solidFill>
+                </a:ln>
+              </p:spPr>
+              <p:style>
+                <a:lnRef idx="2">
+                  <a:schemeClr val="accent1">
+                    <a:shade val="50000"/>
+                  </a:schemeClr>
+                </a:lnRef>
+                <a:fillRef idx="1">
+                  <a:schemeClr val="accent1"/>
+                </a:fillRef>
+                <a:effectRef idx="0">
+                  <a:schemeClr val="accent1"/>
+                </a:effectRef>
+                <a:fontRef idx="minor">
+                  <a:schemeClr val="lt1"/>
+                </a:fontRef>
+              </p:style>
+              <p:txBody>
+                <a:bodyPr rtlCol="0" anchor="ctr"/>
+                <a:lstStyle/>
+                <a:p>
+                  <a:pPr algn="ctr"/>
+                  <a:endParaRPr lang="pt-BR"/>
+                </a:p>
+              </p:txBody>
+            </p:sp>
+            <p:cxnSp>
+              <p:nvCxnSpPr>
+                <p:cNvPr id="69" name="Conector reto 68"/>
+                <p:cNvCxnSpPr>
+                  <a:endCxn id="68" idx="0"/>
+                </p:cNvCxnSpPr>
+                <p:nvPr/>
+              </p:nvCxnSpPr>
+              <p:spPr>
+                <a:xfrm>
+                  <a:off x="5799804" y="1673495"/>
+                  <a:ext cx="108012" cy="379037"/>
+                </a:xfrm>
+                <a:prstGeom prst="line">
+                  <a:avLst/>
+                </a:prstGeom>
+                <a:ln w="57150">
+                  <a:solidFill>
+                    <a:schemeClr val="tx1"/>
+                  </a:solidFill>
+                </a:ln>
+              </p:spPr>
+              <p:style>
+                <a:lnRef idx="1">
+                  <a:schemeClr val="accent1"/>
+                </a:lnRef>
+                <a:fillRef idx="0">
+                  <a:schemeClr val="accent1"/>
+                </a:fillRef>
+                <a:effectRef idx="0">
+                  <a:schemeClr val="accent1"/>
+                </a:effectRef>
+                <a:fontRef idx="minor">
+                  <a:schemeClr val="tx1"/>
+                </a:fontRef>
+              </p:style>
+            </p:cxnSp>
+          </p:grpSp>
+          <p:grpSp>
+            <p:nvGrpSpPr>
+              <p:cNvPr id="70" name="Grupo 69"/>
+              <p:cNvGrpSpPr/>
+              <p:nvPr/>
+            </p:nvGrpSpPr>
+            <p:grpSpPr>
+              <a:xfrm>
+                <a:off x="3856097" y="2918791"/>
+                <a:ext cx="216024" cy="379037"/>
+                <a:chOff x="5799804" y="1673495"/>
+                <a:chExt cx="216024" cy="601469"/>
+              </a:xfrm>
+            </p:grpSpPr>
+            <p:sp>
+              <p:nvSpPr>
+                <p:cNvPr id="71" name="Elipse 70"/>
+                <p:cNvSpPr/>
+                <p:nvPr/>
+              </p:nvSpPr>
+              <p:spPr>
+                <a:xfrm>
+                  <a:off x="5799804" y="2052532"/>
+                  <a:ext cx="216024" cy="222432"/>
+                </a:xfrm>
+                <a:prstGeom prst="ellipse">
+                  <a:avLst/>
+                </a:prstGeom>
+                <a:solidFill>
+                  <a:schemeClr val="tx1"/>
+                </a:solidFill>
+                <a:ln>
+                  <a:solidFill>
+                    <a:schemeClr val="tx1"/>
+                  </a:solidFill>
+                </a:ln>
+              </p:spPr>
+              <p:style>
+                <a:lnRef idx="2">
+                  <a:schemeClr val="accent1">
+                    <a:shade val="50000"/>
+                  </a:schemeClr>
+                </a:lnRef>
+                <a:fillRef idx="1">
+                  <a:schemeClr val="accent1"/>
+                </a:fillRef>
+                <a:effectRef idx="0">
+                  <a:schemeClr val="accent1"/>
+                </a:effectRef>
+                <a:fontRef idx="minor">
+                  <a:schemeClr val="lt1"/>
+                </a:fontRef>
+              </p:style>
+              <p:txBody>
+                <a:bodyPr rtlCol="0" anchor="ctr"/>
+                <a:lstStyle/>
+                <a:p>
+                  <a:pPr algn="ctr"/>
+                  <a:endParaRPr lang="pt-BR"/>
+                </a:p>
+              </p:txBody>
+            </p:sp>
+            <p:cxnSp>
+              <p:nvCxnSpPr>
+                <p:cNvPr id="72" name="Conector reto 71"/>
+                <p:cNvCxnSpPr>
+                  <a:endCxn id="71" idx="0"/>
+                </p:cNvCxnSpPr>
+                <p:nvPr/>
+              </p:nvCxnSpPr>
+              <p:spPr>
+                <a:xfrm>
+                  <a:off x="5799804" y="1673495"/>
+                  <a:ext cx="108012" cy="379037"/>
+                </a:xfrm>
+                <a:prstGeom prst="line">
+                  <a:avLst/>
+                </a:prstGeom>
+                <a:ln w="57150">
+                  <a:solidFill>
+                    <a:schemeClr val="tx1"/>
+                  </a:solidFill>
+                </a:ln>
+              </p:spPr>
+              <p:style>
+                <a:lnRef idx="1">
+                  <a:schemeClr val="accent1"/>
+                </a:lnRef>
+                <a:fillRef idx="0">
+                  <a:schemeClr val="accent1"/>
+                </a:fillRef>
+                <a:effectRef idx="0">
+                  <a:schemeClr val="accent1"/>
+                </a:effectRef>
+                <a:fontRef idx="minor">
+                  <a:schemeClr val="tx1"/>
+                </a:fontRef>
+              </p:style>
+            </p:cxnSp>
+          </p:grpSp>
+          <p:sp>
+            <p:nvSpPr>
+              <p:cNvPr id="63" name="Elipse 62"/>
+              <p:cNvSpPr/>
+              <p:nvPr/>
+            </p:nvSpPr>
+            <p:spPr>
+              <a:xfrm>
+                <a:off x="3827687" y="4293096"/>
+                <a:ext cx="216239" cy="216024"/>
+              </a:xfrm>
+              <a:prstGeom prst="ellipse">
+                <a:avLst/>
+              </a:prstGeom>
+              <a:solidFill>
+                <a:schemeClr val="tx1"/>
+              </a:solidFill>
+              <a:ln>
+                <a:solidFill>
+                  <a:schemeClr val="tx1"/>
+                </a:solidFill>
+              </a:ln>
+            </p:spPr>
+            <p:style>
+              <a:lnRef idx="2">
+                <a:schemeClr val="accent1">
+                  <a:shade val="50000"/>
+                </a:schemeClr>
+              </a:lnRef>
+              <a:fillRef idx="1">
+                <a:schemeClr val="accent1"/>
+              </a:fillRef>
+              <a:effectRef idx="0">
+                <a:schemeClr val="accent1"/>
+              </a:effectRef>
+              <a:fontRef idx="minor">
+                <a:schemeClr val="lt1"/>
+              </a:fontRef>
+            </p:style>
+            <p:txBody>
+              <a:bodyPr rtlCol="0" anchor="ctr"/>
+              <a:lstStyle/>
+              <a:p>
+                <a:pPr algn="ctr"/>
+                <a:endParaRPr lang="pt-BR"/>
+              </a:p>
+            </p:txBody>
+          </p:sp>
+          <p:sp>
+            <p:nvSpPr>
+              <p:cNvPr id="73" name="Elipse 72"/>
+              <p:cNvSpPr/>
+              <p:nvPr/>
+            </p:nvSpPr>
+            <p:spPr>
+              <a:xfrm>
+                <a:off x="2552813" y="4269467"/>
+                <a:ext cx="216024" cy="216024"/>
+              </a:xfrm>
+              <a:prstGeom prst="ellipse">
+                <a:avLst/>
+              </a:prstGeom>
+              <a:solidFill>
+                <a:schemeClr val="tx1"/>
+              </a:solidFill>
+              <a:ln>
+                <a:solidFill>
+                  <a:schemeClr val="tx1"/>
+                </a:solidFill>
+              </a:ln>
+            </p:spPr>
+            <p:style>
+              <a:lnRef idx="2">
+                <a:schemeClr val="accent1">
+                  <a:shade val="50000"/>
+                </a:schemeClr>
+              </a:lnRef>
+              <a:fillRef idx="1">
+                <a:schemeClr val="accent1"/>
+              </a:fillRef>
+              <a:effectRef idx="0">
+                <a:schemeClr val="accent1"/>
+              </a:effectRef>
+              <a:fontRef idx="minor">
+                <a:schemeClr val="lt1"/>
+              </a:fontRef>
+            </p:style>
+            <p:txBody>
+              <a:bodyPr rtlCol="0" anchor="ctr"/>
+              <a:lstStyle/>
+              <a:p>
+                <a:pPr algn="ctr"/>
+                <a:endParaRPr lang="pt-BR"/>
+              </a:p>
+            </p:txBody>
+          </p:sp>
+        </p:grpSp>
+        <p:sp>
+          <p:nvSpPr>
+            <p:cNvPr id="77" name="Elipse 76"/>
+            <p:cNvSpPr/>
+            <p:nvPr/>
+          </p:nvSpPr>
+          <p:spPr>
+            <a:xfrm>
+              <a:off x="3887924" y="2204864"/>
+              <a:ext cx="108012" cy="108012"/>
+            </a:xfrm>
+            <a:prstGeom prst="ellipse">
+              <a:avLst/>
+            </a:prstGeom>
+            <a:solidFill>
+              <a:schemeClr val="tx1"/>
+            </a:solidFill>
+            <a:ln>
+              <a:solidFill>
+                <a:schemeClr val="tx1"/>
+              </a:solidFill>
+            </a:ln>
+          </p:spPr>
+          <p:style>
+            <a:lnRef idx="2">
+              <a:schemeClr val="accent1">
+                <a:shade val="50000"/>
+              </a:schemeClr>
+            </a:lnRef>
+            <a:fillRef idx="1">
+              <a:schemeClr val="accent1"/>
+            </a:fillRef>
+            <a:effectRef idx="0">
+              <a:schemeClr val="accent1"/>
+            </a:effectRef>
+            <a:fontRef idx="minor">
+              <a:schemeClr val="lt1"/>
+            </a:fontRef>
+          </p:style>
+          <p:txBody>
+            <a:bodyPr rtlCol="0" anchor="ctr"/>
+            <a:lstStyle/>
+            <a:p>
+              <a:pPr algn="ctr"/>
+              <a:endParaRPr lang="pt-BR"/>
+            </a:p>
+          </p:txBody>
+        </p:sp>
+        <p:sp>
+          <p:nvSpPr>
+            <p:cNvPr id="83" name="Elipse 82"/>
+            <p:cNvSpPr/>
+            <p:nvPr/>
+          </p:nvSpPr>
+          <p:spPr>
+            <a:xfrm>
+              <a:off x="3383868" y="1340768"/>
+              <a:ext cx="108012" cy="144016"/>
+            </a:xfrm>
+            <a:prstGeom prst="ellipse">
+              <a:avLst/>
+            </a:prstGeom>
+            <a:solidFill>
+              <a:schemeClr val="tx1"/>
+            </a:solidFill>
+            <a:ln>
+              <a:solidFill>
+                <a:schemeClr val="tx1"/>
+              </a:solidFill>
+            </a:ln>
+          </p:spPr>
+          <p:style>
+            <a:lnRef idx="2">
+              <a:schemeClr val="accent1">
+                <a:shade val="50000"/>
+              </a:schemeClr>
+            </a:lnRef>
+            <a:fillRef idx="1">
+              <a:schemeClr val="accent1"/>
+            </a:fillRef>
+            <a:effectRef idx="0">
+              <a:schemeClr val="accent1"/>
+            </a:effectRef>
+            <a:fontRef idx="minor">
+              <a:schemeClr val="lt1"/>
+            </a:fontRef>
+          </p:style>
+          <p:txBody>
+            <a:bodyPr rtlCol="0" anchor="ctr"/>
+            <a:lstStyle/>
+            <a:p>
+              <a:pPr algn="ctr"/>
+              <a:endParaRPr lang="pt-BR"/>
+            </a:p>
+          </p:txBody>
+        </p:sp>
+        <p:sp>
+          <p:nvSpPr>
+            <p:cNvPr id="85" name="Elipse 84"/>
+            <p:cNvSpPr/>
+            <p:nvPr/>
+          </p:nvSpPr>
+          <p:spPr>
+            <a:xfrm>
+              <a:off x="4449964" y="1449640"/>
+              <a:ext cx="108012" cy="144016"/>
+            </a:xfrm>
+            <a:prstGeom prst="ellipse">
+              <a:avLst/>
+            </a:prstGeom>
+            <a:solidFill>
+              <a:schemeClr val="tx1"/>
+            </a:solidFill>
+            <a:ln>
+              <a:solidFill>
+                <a:schemeClr val="tx1"/>
+              </a:solidFill>
+            </a:ln>
+          </p:spPr>
+          <p:style>
+            <a:lnRef idx="2">
+              <a:schemeClr val="accent1">
+                <a:shade val="50000"/>
+              </a:schemeClr>
+            </a:lnRef>
+            <a:fillRef idx="1">
+              <a:schemeClr val="accent1"/>
+            </a:fillRef>
+            <a:effectRef idx="0">
+              <a:schemeClr val="accent1"/>
+            </a:effectRef>
+            <a:fontRef idx="minor">
+              <a:schemeClr val="lt1"/>
+            </a:fontRef>
+          </p:style>
+          <p:txBody>
+            <a:bodyPr rtlCol="0" anchor="ctr"/>
+            <a:lstStyle/>
+            <a:p>
+              <a:pPr algn="ctr"/>
+              <a:endParaRPr lang="pt-BR"/>
+            </a:p>
+          </p:txBody>
+        </p:sp>
+        <p:pic>
+          <p:nvPicPr>
+            <p:cNvPr id="1027" name="Picture 3"/>
+            <p:cNvPicPr>
+              <a:picLocks noChangeAspect="1" noChangeArrowheads="1"/>
+            </p:cNvPicPr>
+            <p:nvPr/>
+          </p:nvPicPr>
+          <p:blipFill>
+            <a:blip r:embed="rId2">
+              <a:extLst>
+                <a:ext uri="{BEBA8EAE-BF5A-486C-A8C5-ECC9F3942E4B}">
+                  <a14:imgProps xmlns:a14="http://schemas.microsoft.com/office/drawing/2010/main">
+                    <a14:imgLayer r:embed="rId3">
+                      <a14:imgEffect>
+                        <a14:backgroundRemoval t="10000" b="90000" l="10000" r="90000"/>
+                      </a14:imgEffect>
+                    </a14:imgLayer>
+                  </a14:imgProps>
+                </a:ext>
+                <a:ext uri="{28A0092B-C50C-407E-A947-70E740481C1C}">
+                  <a14:useLocalDpi xmlns:a14="http://schemas.microsoft.com/office/drawing/2010/main" val="0"/>
+                </a:ext>
+              </a:extLst>
+            </a:blip>
+            <a:srcRect/>
+            <a:stretch>
+              <a:fillRect/>
+            </a:stretch>
+          </p:blipFill>
+          <p:spPr bwMode="auto">
+            <a:xfrm>
+              <a:off x="3679476" y="2204864"/>
+              <a:ext cx="532484" cy="352995"/>
+            </a:xfrm>
+            <a:prstGeom prst="rect">
+              <a:avLst/>
+            </a:prstGeom>
+            <a:noFill/>
+            <a:ln w="9525">
+              <a:noFill/>
+              <a:miter lim="800000"/>
+              <a:headEnd/>
+              <a:tailEnd/>
+            </a:ln>
+            <a:extLst>
+              <a:ext uri="{909E8E84-426E-40DD-AFC4-6F175D3DCCD1}">
+                <a14:hiddenFill xmlns:a14="http://schemas.microsoft.com/office/drawing/2010/main">
+                  <a:solidFill>
+                    <a:schemeClr val="accent1"/>
+                  </a:solidFill>
+                </a14:hiddenFill>
+              </a:ext>
+            </a:extLst>
+          </p:spPr>
+        </p:pic>
+      </p:grpSp>
+    </p:spTree>
+    <p:extLst>
+      <p:ext uri="{BB962C8B-B14F-4D97-AF65-F5344CB8AC3E}">
+        <p14:creationId xmlns:p14="http://schemas.microsoft.com/office/powerpoint/2010/main" val="1090901804"/>
+      </p:ext>
+    </p:extLst>
+  </p:cSld>
+  <p:clrMapOvr>
+    <a:masterClrMapping/>
+  </p:clrMapOvr>
+</p:sld>
+</file>
+
+<file path=ppt/slides/slide3.xml><?xml version="1.0" encoding="utf-8"?>
+<p:sld xmlns:a="http://schemas.openxmlformats.org/drawingml/2006/main" xmlns:r="http://schemas.openxmlformats.org/officeDocument/2006/relationships" xmlns:p="http://schemas.openxmlformats.org/presentationml/2006/main">
+  <p:cSld>
+    <p:spTree>
+      <p:nvGrpSpPr>
+        <p:cNvPr id="1" name=""/>
+        <p:cNvGrpSpPr/>
+        <p:nvPr/>
+      </p:nvGrpSpPr>
+      <p:grpSpPr>
+        <a:xfrm>
+          <a:off x="0" y="0"/>
+          <a:ext cx="0" cy="0"/>
+          <a:chOff x="0" y="0"/>
+          <a:chExt cx="0" cy="0"/>
+        </a:xfrm>
+      </p:grpSpPr>
       <p:sp>
         <p:nvSpPr>
           <p:cNvPr id="2" name="Título 1"/>
@@ -4514,7 +6462,7 @@
     </p:spTree>
     <p:extLst>
       <p:ext uri="{BB962C8B-B14F-4D97-AF65-F5344CB8AC3E}">
-        <p14:creationId xmlns:p14="http://schemas.microsoft.com/office/powerpoint/2010/main" val="1090901804"/>
+        <p14:creationId xmlns:p14="http://schemas.microsoft.com/office/powerpoint/2010/main" val="997360515"/>
       </p:ext>
     </p:extLst>
   </p:cSld>

--- a/Imagens/A melhor formigaaaa.pptx
+++ b/Imagens/A melhor formigaaaa.pptx
@@ -12,6 +12,7 @@
     <p:sldId id="260" r:id="rId6"/>
     <p:sldId id="261" r:id="rId7"/>
     <p:sldId id="262" r:id="rId8"/>
+    <p:sldId id="263" r:id="rId9"/>
   </p:sldIdLst>
   <p:sldSz cx="9144000" cy="6858000" type="screen4x3"/>
   <p:notesSz cx="6858000" cy="9144000"/>
@@ -294,7 +295,7 @@
           <a:p>
             <a:fld id="{99909925-07D1-4611-96E6-693E370BDE9A}" type="datetimeFigureOut">
               <a:rPr lang="pt-BR" smtClean="0"/>
-              <a:t>21/02/2019</a:t>
+              <a:t>22/03/2019</a:t>
             </a:fld>
             <a:endParaRPr lang="pt-BR"/>
           </a:p>
@@ -464,7 +465,7 @@
           <a:p>
             <a:fld id="{99909925-07D1-4611-96E6-693E370BDE9A}" type="datetimeFigureOut">
               <a:rPr lang="pt-BR" smtClean="0"/>
-              <a:t>21/02/2019</a:t>
+              <a:t>22/03/2019</a:t>
             </a:fld>
             <a:endParaRPr lang="pt-BR"/>
           </a:p>
@@ -644,7 +645,7 @@
           <a:p>
             <a:fld id="{99909925-07D1-4611-96E6-693E370BDE9A}" type="datetimeFigureOut">
               <a:rPr lang="pt-BR" smtClean="0"/>
-              <a:t>21/02/2019</a:t>
+              <a:t>22/03/2019</a:t>
             </a:fld>
             <a:endParaRPr lang="pt-BR"/>
           </a:p>
@@ -814,7 +815,7 @@
           <a:p>
             <a:fld id="{99909925-07D1-4611-96E6-693E370BDE9A}" type="datetimeFigureOut">
               <a:rPr lang="pt-BR" smtClean="0"/>
-              <a:t>21/02/2019</a:t>
+              <a:t>22/03/2019</a:t>
             </a:fld>
             <a:endParaRPr lang="pt-BR"/>
           </a:p>
@@ -1060,7 +1061,7 @@
           <a:p>
             <a:fld id="{99909925-07D1-4611-96E6-693E370BDE9A}" type="datetimeFigureOut">
               <a:rPr lang="pt-BR" smtClean="0"/>
-              <a:t>21/02/2019</a:t>
+              <a:t>22/03/2019</a:t>
             </a:fld>
             <a:endParaRPr lang="pt-BR"/>
           </a:p>
@@ -1348,7 +1349,7 @@
           <a:p>
             <a:fld id="{99909925-07D1-4611-96E6-693E370BDE9A}" type="datetimeFigureOut">
               <a:rPr lang="pt-BR" smtClean="0"/>
-              <a:t>21/02/2019</a:t>
+              <a:t>22/03/2019</a:t>
             </a:fld>
             <a:endParaRPr lang="pt-BR"/>
           </a:p>
@@ -1770,7 +1771,7 @@
           <a:p>
             <a:fld id="{99909925-07D1-4611-96E6-693E370BDE9A}" type="datetimeFigureOut">
               <a:rPr lang="pt-BR" smtClean="0"/>
-              <a:t>21/02/2019</a:t>
+              <a:t>22/03/2019</a:t>
             </a:fld>
             <a:endParaRPr lang="pt-BR"/>
           </a:p>
@@ -1888,7 +1889,7 @@
           <a:p>
             <a:fld id="{99909925-07D1-4611-96E6-693E370BDE9A}" type="datetimeFigureOut">
               <a:rPr lang="pt-BR" smtClean="0"/>
-              <a:t>21/02/2019</a:t>
+              <a:t>22/03/2019</a:t>
             </a:fld>
             <a:endParaRPr lang="pt-BR"/>
           </a:p>
@@ -1983,7 +1984,7 @@
           <a:p>
             <a:fld id="{99909925-07D1-4611-96E6-693E370BDE9A}" type="datetimeFigureOut">
               <a:rPr lang="pt-BR" smtClean="0"/>
-              <a:t>21/02/2019</a:t>
+              <a:t>22/03/2019</a:t>
             </a:fld>
             <a:endParaRPr lang="pt-BR"/>
           </a:p>
@@ -2260,7 +2261,7 @@
           <a:p>
             <a:fld id="{99909925-07D1-4611-96E6-693E370BDE9A}" type="datetimeFigureOut">
               <a:rPr lang="pt-BR" smtClean="0"/>
-              <a:t>21/02/2019</a:t>
+              <a:t>22/03/2019</a:t>
             </a:fld>
             <a:endParaRPr lang="pt-BR"/>
           </a:p>
@@ -2513,7 +2514,7 @@
           <a:p>
             <a:fld id="{99909925-07D1-4611-96E6-693E370BDE9A}" type="datetimeFigureOut">
               <a:rPr lang="pt-BR" smtClean="0"/>
-              <a:t>21/02/2019</a:t>
+              <a:t>22/03/2019</a:t>
             </a:fld>
             <a:endParaRPr lang="pt-BR"/>
           </a:p>
@@ -2726,7 +2727,7 @@
           <a:p>
             <a:fld id="{99909925-07D1-4611-96E6-693E370BDE9A}" type="datetimeFigureOut">
               <a:rPr lang="pt-BR" smtClean="0"/>
-              <a:t>21/02/2019</a:t>
+              <a:t>22/03/2019</a:t>
             </a:fld>
             <a:endParaRPr lang="pt-BR"/>
           </a:p>
@@ -6433,7 +6434,7 @@
         </p:nvGrpSpPr>
         <p:grpSpPr>
           <a:xfrm>
-            <a:off x="2164630" y="1340768"/>
+            <a:off x="-113323" y="2453742"/>
             <a:ext cx="2603780" cy="3176835"/>
             <a:chOff x="2164630" y="1340768"/>
             <a:chExt cx="2603780" cy="3176835"/>
@@ -6563,7 +6564,7 @@
               <a:lstStyle/>
               <a:p>
                 <a:pPr algn="ctr"/>
-                <a:endParaRPr lang="pt-BR"/>
+                <a:endParaRPr lang="pt-BR" u="sng"/>
               </a:p>
             </p:txBody>
           </p:sp>
@@ -6677,7 +6678,7 @@
               <a:lstStyle/>
               <a:p>
                 <a:pPr algn="ctr"/>
-                <a:endParaRPr lang="pt-BR"/>
+                <a:endParaRPr lang="pt-BR" u="sng"/>
               </a:p>
             </p:txBody>
           </p:sp>
@@ -6784,7 +6785,7 @@
                       <a:lstStyle/>
                       <a:p>
                         <a:pPr algn="ctr"/>
-                        <a:endParaRPr lang="pt-BR"/>
+                        <a:endParaRPr lang="pt-BR" u="sng"/>
                       </a:p>
                     </p:txBody>
                   </p:sp>
@@ -6833,7 +6834,7 @@
                       <a:lstStyle/>
                       <a:p>
                         <a:pPr algn="ctr"/>
-                        <a:endParaRPr lang="pt-BR"/>
+                        <a:endParaRPr lang="pt-BR" u="sng"/>
                       </a:p>
                     </p:txBody>
                   </p:sp>
@@ -6882,7 +6883,7 @@
                       <a:lstStyle/>
                       <a:p>
                         <a:pPr algn="ctr"/>
-                        <a:endParaRPr lang="pt-BR"/>
+                        <a:endParaRPr lang="pt-BR" u="sng"/>
                       </a:p>
                     </p:txBody>
                   </p:sp>
@@ -6931,7 +6932,7 @@
                       <a:lstStyle/>
                       <a:p>
                         <a:pPr algn="ctr"/>
-                        <a:endParaRPr lang="pt-BR"/>
+                        <a:endParaRPr lang="pt-BR" u="sng"/>
                       </a:p>
                     </p:txBody>
                   </p:sp>
@@ -6980,7 +6981,7 @@
                       <a:lstStyle/>
                       <a:p>
                         <a:pPr algn="ctr"/>
-                        <a:endParaRPr lang="pt-BR"/>
+                        <a:endParaRPr lang="pt-BR" u="sng"/>
                       </a:p>
                     </p:txBody>
                   </p:sp>
@@ -7026,7 +7027,7 @@
                       <a:lstStyle/>
                       <a:p>
                         <a:pPr algn="ctr"/>
-                        <a:endParaRPr lang="pt-BR"/>
+                        <a:endParaRPr lang="pt-BR" u="sng"/>
                       </a:p>
                     </p:txBody>
                   </p:sp>
@@ -7076,7 +7077,7 @@
                     <a:lstStyle/>
                     <a:p>
                       <a:pPr algn="ctr"/>
-                      <a:endParaRPr lang="pt-BR"/>
+                      <a:endParaRPr lang="pt-BR" u="sng"/>
                     </a:p>
                   </p:txBody>
                 </p:sp>
@@ -7126,7 +7127,7 @@
                   <a:lstStyle/>
                   <a:p>
                     <a:pPr algn="ctr"/>
-                    <a:endParaRPr lang="pt-BR"/>
+                    <a:endParaRPr lang="pt-BR" u="sng"/>
                   </a:p>
                 </p:txBody>
               </p:sp>
@@ -7173,7 +7174,7 @@
                 <a:lstStyle/>
                 <a:p>
                   <a:pPr algn="ctr"/>
-                  <a:endParaRPr lang="pt-BR"/>
+                  <a:endParaRPr lang="pt-BR" u="sng"/>
                 </a:p>
               </p:txBody>
             </p:sp>
@@ -7219,7 +7220,7 @@
                 <a:lstStyle/>
                 <a:p>
                   <a:pPr algn="ctr"/>
-                  <a:endParaRPr lang="pt-BR"/>
+                  <a:endParaRPr lang="pt-BR" u="sng"/>
                 </a:p>
               </p:txBody>
             </p:sp>
@@ -7272,7 +7273,7 @@
                 <a:lstStyle/>
                 <a:p>
                   <a:pPr algn="ctr"/>
-                  <a:endParaRPr lang="pt-BR">
+                  <a:endParaRPr lang="pt-BR" u="sng">
                     <a:solidFill>
                       <a:schemeClr val="accent6">
                         <a:lumMod val="50000"/>
@@ -7331,7 +7332,7 @@
                 <a:lstStyle/>
                 <a:p>
                   <a:pPr algn="ctr"/>
-                  <a:endParaRPr lang="pt-BR"/>
+                  <a:endParaRPr lang="pt-BR" u="sng"/>
                 </a:p>
               </p:txBody>
             </p:sp>
@@ -7396,7 +7397,7 @@
                   <a:lstStyle/>
                   <a:p>
                     <a:pPr algn="ctr"/>
-                    <a:endParaRPr lang="pt-BR"/>
+                    <a:endParaRPr lang="pt-BR" u="sng"/>
                   </a:p>
                 </p:txBody>
               </p:sp>
@@ -7450,7 +7451,7 @@
                   <a:lstStyle/>
                   <a:p>
                     <a:pPr algn="ctr"/>
-                    <a:endParaRPr lang="pt-BR"/>
+                    <a:endParaRPr lang="pt-BR" u="sng"/>
                   </a:p>
                 </p:txBody>
               </p:sp>
@@ -7493,7 +7494,7 @@
                   <a:lstStyle/>
                   <a:p>
                     <a:pPr algn="ctr"/>
-                    <a:endParaRPr lang="pt-BR"/>
+                    <a:endParaRPr lang="pt-BR" u="sng"/>
                   </a:p>
                 </p:txBody>
               </p:sp>
@@ -7559,7 +7560,7 @@
                   <a:lstStyle/>
                   <a:p>
                     <a:pPr algn="ctr"/>
-                    <a:endParaRPr lang="pt-BR"/>
+                    <a:endParaRPr lang="pt-BR" u="sng"/>
                   </a:p>
                 </p:txBody>
               </p:sp>
@@ -7613,7 +7614,7 @@
                   <a:lstStyle/>
                   <a:p>
                     <a:pPr algn="ctr"/>
-                    <a:endParaRPr lang="pt-BR"/>
+                    <a:endParaRPr lang="pt-BR" u="sng"/>
                   </a:p>
                 </p:txBody>
               </p:sp>
@@ -7656,7 +7657,7 @@
                   <a:lstStyle/>
                   <a:p>
                     <a:pPr algn="ctr"/>
-                    <a:endParaRPr lang="pt-BR"/>
+                    <a:endParaRPr lang="pt-BR" u="sng"/>
                   </a:p>
                 </p:txBody>
               </p:sp>
@@ -7720,7 +7721,7 @@
                 <a:lstStyle/>
                 <a:p>
                   <a:pPr algn="ctr"/>
-                  <a:endParaRPr lang="pt-BR"/>
+                  <a:endParaRPr lang="pt-BR" u="sng"/>
                 </a:p>
               </p:txBody>
             </p:sp>
@@ -7818,7 +7819,7 @@
                 <a:lstStyle/>
                 <a:p>
                   <a:pPr algn="ctr"/>
-                  <a:endParaRPr lang="pt-BR"/>
+                  <a:endParaRPr lang="pt-BR" u="sng"/>
                 </a:p>
               </p:txBody>
             </p:sp>
@@ -7916,7 +7917,7 @@
                 <a:lstStyle/>
                 <a:p>
                   <a:pPr algn="ctr"/>
-                  <a:endParaRPr lang="pt-BR"/>
+                  <a:endParaRPr lang="pt-BR" u="sng"/>
                 </a:p>
               </p:txBody>
             </p:sp>
@@ -8014,7 +8015,7 @@
                 <a:lstStyle/>
                 <a:p>
                   <a:pPr algn="ctr"/>
-                  <a:endParaRPr lang="pt-BR"/>
+                  <a:endParaRPr lang="pt-BR" u="sng"/>
                 </a:p>
               </p:txBody>
             </p:sp>
@@ -8098,7 +8099,7 @@
               <a:lstStyle/>
               <a:p>
                 <a:pPr algn="ctr"/>
-                <a:endParaRPr lang="pt-BR"/>
+                <a:endParaRPr lang="pt-BR" u="sng"/>
               </a:p>
             </p:txBody>
           </p:sp>
@@ -8146,7 +8147,7 @@
               <a:lstStyle/>
               <a:p>
                 <a:pPr algn="ctr"/>
-                <a:endParaRPr lang="pt-BR"/>
+                <a:endParaRPr lang="pt-BR" u="sng"/>
               </a:p>
             </p:txBody>
           </p:sp>
@@ -8195,7 +8196,7 @@
             <a:lstStyle/>
             <a:p>
               <a:pPr algn="ctr"/>
-              <a:endParaRPr lang="pt-BR"/>
+              <a:endParaRPr lang="pt-BR" u="sng"/>
             </a:p>
           </p:txBody>
         </p:sp>
@@ -8243,7 +8244,7 @@
             <a:lstStyle/>
             <a:p>
               <a:pPr algn="ctr"/>
-              <a:endParaRPr lang="pt-BR"/>
+              <a:endParaRPr lang="pt-BR" u="sng"/>
             </a:p>
           </p:txBody>
         </p:sp>
@@ -8291,7 +8292,7 @@
             <a:lstStyle/>
             <a:p>
               <a:pPr algn="ctr"/>
-              <a:endParaRPr lang="pt-BR"/>
+              <a:endParaRPr lang="pt-BR" u="sng"/>
             </a:p>
           </p:txBody>
         </p:sp>
@@ -8351,6 +8352,170 @@
             </a:extLst>
           </p:spPr>
         </p:pic>
+      </p:grpSp>
+      <p:sp>
+        <p:nvSpPr>
+          <p:cNvPr id="50" name="CaixaDeTexto 49"/>
+          <p:cNvSpPr txBox="1"/>
+          <p:nvPr/>
+        </p:nvSpPr>
+        <p:spPr>
+          <a:xfrm>
+            <a:off x="2567679" y="1052736"/>
+            <a:ext cx="2856515" cy="3693319"/>
+          </a:xfrm>
+          <a:prstGeom prst="rect">
+            <a:avLst/>
+          </a:prstGeom>
+          <a:solidFill>
+            <a:schemeClr val="tx2">
+              <a:lumMod val="20000"/>
+              <a:lumOff val="80000"/>
+            </a:schemeClr>
+          </a:solidFill>
+          <a:ln>
+            <a:solidFill>
+              <a:schemeClr val="bg1"/>
+            </a:solidFill>
+          </a:ln>
+        </p:spPr>
+        <p:txBody>
+          <a:bodyPr wrap="square" rtlCol="0">
+            <a:spAutoFit/>
+          </a:bodyPr>
+          <a:lstStyle/>
+          <a:p>
+            <a:r>
+              <a:rPr lang="pt-BR" dirty="0" err="1" smtClean="0"/>
+              <a:t>aaaaaaaaavcvcvcvcvcvcvca</a:t>
+            </a:r>
+            <a:endParaRPr lang="pt-BR" dirty="0"/>
+          </a:p>
+          <a:p>
+            <a:r>
+              <a:rPr lang="pt-BR" dirty="0" smtClean="0"/>
+              <a:t>aaaaaaaacvvvvvvvvvvvvvvvvvvvvvvvvvvvvvvvvvvvvvvvvvvvvvvvvvvvvvvvvvvvvccccccccccccccccccccccccccccccccaaaaaaaaaaaaaaaaaaaaaaaaaaaaaaaaaaaaaaaaaaaaaaaaaaaaaaaaaaaaaaaaaaaaaaaaaaaaaaaaaaaaaaaaaaaaaaaaaaaaaaaaaaaaaaaaaaaaaaaaaaaaaaaaaaaaaaaaaaaaaaaaaaaaaaaaaaaaaaaaaaaaaaaaaaaaaaaaa</a:t>
+            </a:r>
+            <a:endParaRPr lang="pt-BR" dirty="0"/>
+          </a:p>
+        </p:txBody>
+      </p:sp>
+      <p:grpSp>
+        <p:nvGrpSpPr>
+          <p:cNvPr id="51" name="Grupo 50"/>
+          <p:cNvGrpSpPr/>
+          <p:nvPr/>
+        </p:nvGrpSpPr>
+        <p:grpSpPr>
+          <a:xfrm>
+            <a:off x="1115616" y="476672"/>
+            <a:ext cx="5904656" cy="4896544"/>
+            <a:chOff x="1115616" y="476672"/>
+            <a:chExt cx="5904656" cy="4896544"/>
+          </a:xfrm>
+          <a:solidFill>
+            <a:schemeClr val="tx2">
+              <a:lumMod val="20000"/>
+              <a:lumOff val="80000"/>
+            </a:schemeClr>
+          </a:solidFill>
+          <a:effectLst>
+            <a:glow rad="139700">
+              <a:schemeClr val="accent1">
+                <a:satMod val="175000"/>
+                <a:alpha val="40000"/>
+              </a:schemeClr>
+            </a:glow>
+          </a:effectLst>
+        </p:grpSpPr>
+        <p:sp>
+          <p:nvSpPr>
+            <p:cNvPr id="52" name="Texto explicativo em elipse 51"/>
+            <p:cNvSpPr/>
+            <p:nvPr/>
+          </p:nvSpPr>
+          <p:spPr>
+            <a:xfrm>
+              <a:off x="1115616" y="476672"/>
+              <a:ext cx="5904656" cy="4896544"/>
+            </a:xfrm>
+            <a:prstGeom prst="wedgeEllipseCallout">
+              <a:avLst/>
+            </a:prstGeom>
+            <a:grpFill/>
+            <a:ln>
+              <a:solidFill>
+                <a:schemeClr val="bg1"/>
+              </a:solidFill>
+            </a:ln>
+          </p:spPr>
+          <p:style>
+            <a:lnRef idx="2">
+              <a:schemeClr val="accent1">
+                <a:shade val="50000"/>
+              </a:schemeClr>
+            </a:lnRef>
+            <a:fillRef idx="1">
+              <a:schemeClr val="accent1"/>
+            </a:fillRef>
+            <a:effectRef idx="0">
+              <a:schemeClr val="accent1"/>
+            </a:effectRef>
+            <a:fontRef idx="minor">
+              <a:schemeClr val="lt1"/>
+            </a:fontRef>
+          </p:style>
+          <p:txBody>
+            <a:bodyPr rtlCol="0" anchor="ctr"/>
+            <a:lstStyle/>
+            <a:p>
+              <a:pPr algn="ctr"/>
+              <a:endParaRPr lang="pt-BR" dirty="0"/>
+            </a:p>
+          </p:txBody>
+        </p:sp>
+        <p:sp>
+          <p:nvSpPr>
+            <p:cNvPr id="53" name="CaixaDeTexto 52"/>
+            <p:cNvSpPr txBox="1"/>
+            <p:nvPr/>
+          </p:nvSpPr>
+          <p:spPr>
+            <a:xfrm>
+              <a:off x="2567679" y="1052736"/>
+              <a:ext cx="2856515" cy="3693319"/>
+            </a:xfrm>
+            <a:prstGeom prst="rect">
+              <a:avLst/>
+            </a:prstGeom>
+            <a:grpFill/>
+            <a:ln>
+              <a:solidFill>
+                <a:schemeClr val="bg1"/>
+              </a:solidFill>
+            </a:ln>
+          </p:spPr>
+          <p:txBody>
+            <a:bodyPr wrap="square" rtlCol="0">
+              <a:spAutoFit/>
+            </a:bodyPr>
+            <a:lstStyle/>
+            <a:p>
+              <a:r>
+                <a:rPr lang="pt-BR" dirty="0" err="1" smtClean="0"/>
+                <a:t>aaaaaaaaavcvcvcvcvcvcvca</a:t>
+              </a:r>
+              <a:endParaRPr lang="pt-BR" dirty="0"/>
+            </a:p>
+            <a:p>
+              <a:r>
+                <a:rPr lang="pt-BR" dirty="0" smtClean="0"/>
+                <a:t>aaaaaaaacvvvvvvvvvvvvvvvvvvvvvvvvvvvvvvvvvvvvvvvvvvvvvvvvvvvvvvvvvvvvccccccccccccccccccccccccccccccccaaaaaaaaaaaaaaaaaaaaaaaaaaaaaaaaaaaaaaaaaaaaaaaaaaaaaaaaaaaaaaaaaaaaaaaaaaaaaaaaaaaaaaaaaaaaaaaaaaaaaaaaaaaaaaaaaaaaaaaaaaaaaaaaaaaaaaaaaaaaaaaaaaaaaaaaaaaaaaaaaaaaaaaaaaaaaaaaa</a:t>
+              </a:r>
+              <a:endParaRPr lang="pt-BR" dirty="0"/>
+            </a:p>
+          </p:txBody>
+        </p:sp>
       </p:grpSp>
     </p:spTree>
     <p:extLst>
@@ -13474,6 +13639,57 @@
           <a:chExt cx="0" cy="0"/>
         </a:xfrm>
       </p:grpSpPr>
+      <p:sp>
+        <p:nvSpPr>
+          <p:cNvPr id="79" name="Texto explicativo em elipse 78"/>
+          <p:cNvSpPr/>
+          <p:nvPr/>
+        </p:nvSpPr>
+        <p:spPr>
+          <a:xfrm rot="20280284" flipH="1">
+            <a:off x="1039781" y="-100104"/>
+            <a:ext cx="3626445" cy="3472667"/>
+          </a:xfrm>
+          <a:prstGeom prst="wedgeEllipseCallout">
+            <a:avLst/>
+          </a:prstGeom>
+          <a:solidFill>
+            <a:schemeClr val="tx2">
+              <a:lumMod val="20000"/>
+              <a:lumOff val="80000"/>
+            </a:schemeClr>
+          </a:solidFill>
+          <a:ln>
+            <a:solidFill>
+              <a:schemeClr val="bg1"/>
+            </a:solidFill>
+          </a:ln>
+        </p:spPr>
+        <p:style>
+          <a:lnRef idx="2">
+            <a:schemeClr val="accent1">
+              <a:shade val="50000"/>
+            </a:schemeClr>
+          </a:lnRef>
+          <a:fillRef idx="1">
+            <a:schemeClr val="accent1"/>
+          </a:fillRef>
+          <a:effectRef idx="0">
+            <a:schemeClr val="accent1"/>
+          </a:effectRef>
+          <a:fontRef idx="minor">
+            <a:schemeClr val="lt1"/>
+          </a:fontRef>
+        </p:style>
+        <p:txBody>
+          <a:bodyPr rtlCol="0" anchor="ctr"/>
+          <a:lstStyle/>
+          <a:p>
+            <a:pPr algn="ctr"/>
+            <a:endParaRPr lang="pt-BR" dirty="0"/>
+          </a:p>
+        </p:txBody>
+      </p:sp>
       <p:grpSp>
         <p:nvGrpSpPr>
           <p:cNvPr id="78" name="Grupo 77"/>
@@ -13482,7 +13698,7 @@
         </p:nvGrpSpPr>
         <p:grpSpPr>
           <a:xfrm>
-            <a:off x="2028265" y="971049"/>
+            <a:off x="3762121" y="2402655"/>
             <a:ext cx="2066504" cy="3283988"/>
             <a:chOff x="2028265" y="971049"/>
             <a:chExt cx="2066504" cy="3283988"/>
@@ -14285,10 +14501,7 @@
                           </a:solidFill>
                           <a:ln>
                             <a:solidFill>
-                              <a:schemeClr val="tx1">
-                                <a:lumMod val="95000"/>
-                                <a:lumOff val="5000"/>
-                              </a:schemeClr>
+                              <a:srgbClr val="3F2121"/>
                             </a:solidFill>
                           </a:ln>
                         </p:spPr>
@@ -14776,9 +14989,8 @@
                     </a:solidFill>
                     <a:ln>
                       <a:solidFill>
-                        <a:schemeClr val="tx1">
-                          <a:lumMod val="95000"/>
-                          <a:lumOff val="5000"/>
+                        <a:schemeClr val="accent2">
+                          <a:lumMod val="50000"/>
                         </a:schemeClr>
                       </a:solidFill>
                     </a:ln>
@@ -14835,9 +15047,8 @@
                     </a:solidFill>
                     <a:ln>
                       <a:solidFill>
-                        <a:schemeClr val="tx1">
-                          <a:lumMod val="95000"/>
-                          <a:lumOff val="5000"/>
+                        <a:schemeClr val="accent2">
+                          <a:lumMod val="50000"/>
                         </a:schemeClr>
                       </a:solidFill>
                     </a:ln>
@@ -14900,10 +15111,7 @@
                       </a:solidFill>
                       <a:ln>
                         <a:solidFill>
-                          <a:schemeClr val="tx1">
-                            <a:lumMod val="95000"/>
-                            <a:lumOff val="5000"/>
-                          </a:schemeClr>
+                          <a:schemeClr val="bg1"/>
                         </a:solidFill>
                       </a:ln>
                     </p:spPr>
@@ -15063,10 +15271,7 @@
                       </a:solidFill>
                       <a:ln>
                         <a:solidFill>
-                          <a:schemeClr val="tx1">
-                            <a:lumMod val="95000"/>
-                            <a:lumOff val="5000"/>
-                          </a:schemeClr>
+                          <a:schemeClr val="bg1"/>
                         </a:solidFill>
                       </a:ln>
                     </p:spPr>
@@ -18006,6 +18211,153 @@
 </p:sld>
 </file>
 
+<file path=ppt/slides/slide8.xml><?xml version="1.0" encoding="utf-8"?>
+<p:sld xmlns:a="http://schemas.openxmlformats.org/drawingml/2006/main" xmlns:r="http://schemas.openxmlformats.org/officeDocument/2006/relationships" xmlns:p="http://schemas.openxmlformats.org/presentationml/2006/main">
+  <p:cSld>
+    <p:spTree>
+      <p:nvGrpSpPr>
+        <p:cNvPr id="1" name=""/>
+        <p:cNvGrpSpPr/>
+        <p:nvPr/>
+      </p:nvGrpSpPr>
+      <p:grpSpPr>
+        <a:xfrm>
+          <a:off x="0" y="0"/>
+          <a:ext cx="0" cy="0"/>
+          <a:chOff x="0" y="0"/>
+          <a:chExt cx="0" cy="0"/>
+        </a:xfrm>
+      </p:grpSpPr>
+      <p:grpSp>
+        <p:nvGrpSpPr>
+          <p:cNvPr id="8" name="Grupo 7"/>
+          <p:cNvGrpSpPr/>
+          <p:nvPr/>
+        </p:nvGrpSpPr>
+        <p:grpSpPr>
+          <a:xfrm>
+            <a:off x="1115616" y="476672"/>
+            <a:ext cx="5904656" cy="4896544"/>
+            <a:chOff x="1115616" y="476672"/>
+            <a:chExt cx="5904656" cy="4896544"/>
+          </a:xfrm>
+          <a:solidFill>
+            <a:schemeClr val="tx2">
+              <a:lumMod val="20000"/>
+              <a:lumOff val="80000"/>
+            </a:schemeClr>
+          </a:solidFill>
+          <a:effectLst>
+            <a:glow rad="139700">
+              <a:schemeClr val="accent1">
+                <a:satMod val="175000"/>
+                <a:alpha val="40000"/>
+              </a:schemeClr>
+            </a:glow>
+          </a:effectLst>
+        </p:grpSpPr>
+        <p:sp>
+          <p:nvSpPr>
+            <p:cNvPr id="6" name="Texto explicativo em elipse 5"/>
+            <p:cNvSpPr/>
+            <p:nvPr/>
+          </p:nvSpPr>
+          <p:spPr>
+            <a:xfrm>
+              <a:off x="1115616" y="476672"/>
+              <a:ext cx="5904656" cy="4896544"/>
+            </a:xfrm>
+            <a:prstGeom prst="wedgeEllipseCallout">
+              <a:avLst/>
+            </a:prstGeom>
+            <a:grpFill/>
+            <a:ln>
+              <a:solidFill>
+                <a:schemeClr val="bg1"/>
+              </a:solidFill>
+            </a:ln>
+          </p:spPr>
+          <p:style>
+            <a:lnRef idx="2">
+              <a:schemeClr val="accent1">
+                <a:shade val="50000"/>
+              </a:schemeClr>
+            </a:lnRef>
+            <a:fillRef idx="1">
+              <a:schemeClr val="accent1"/>
+            </a:fillRef>
+            <a:effectRef idx="0">
+              <a:schemeClr val="accent1"/>
+            </a:effectRef>
+            <a:fontRef idx="minor">
+              <a:schemeClr val="lt1"/>
+            </a:fontRef>
+          </p:style>
+          <p:txBody>
+            <a:bodyPr rtlCol="0" anchor="ctr"/>
+            <a:lstStyle/>
+            <a:p>
+              <a:pPr algn="ctr"/>
+              <a:endParaRPr lang="pt-BR" dirty="0"/>
+            </a:p>
+          </p:txBody>
+        </p:sp>
+        <p:sp>
+          <p:nvSpPr>
+            <p:cNvPr id="7" name="CaixaDeTexto 6"/>
+            <p:cNvSpPr txBox="1"/>
+            <p:nvPr/>
+          </p:nvSpPr>
+          <p:spPr>
+            <a:xfrm>
+              <a:off x="2567679" y="1052736"/>
+              <a:ext cx="2856515" cy="3693319"/>
+            </a:xfrm>
+            <a:prstGeom prst="rect">
+              <a:avLst/>
+            </a:prstGeom>
+            <a:grpFill/>
+            <a:ln>
+              <a:solidFill>
+                <a:schemeClr val="bg1"/>
+              </a:solidFill>
+            </a:ln>
+          </p:spPr>
+          <p:txBody>
+            <a:bodyPr wrap="square" rtlCol="0">
+              <a:spAutoFit/>
+            </a:bodyPr>
+            <a:lstStyle/>
+            <a:p>
+              <a:r>
+                <a:rPr lang="pt-BR" dirty="0" err="1" smtClean="0"/>
+                <a:t>aaaaaaaaavcvcvcvcvcvcvca</a:t>
+              </a:r>
+              <a:endParaRPr lang="pt-BR" dirty="0"/>
+            </a:p>
+            <a:p>
+              <a:r>
+                <a:rPr lang="pt-BR" dirty="0" smtClean="0"/>
+                <a:t>aaaaaaaacvvvvvvvvvvvvvvvvvvvvvvvvvvvvvvvvvvvvvvvvvvvvvvvvvvvvvvvvvvvvccccccccccccccccccccccccccccccccaaaaaaaaaaaaaaaaaaaaaaaaaaaaaaaaaaaaaaaaaaaaaaaaaaaaaaaaaaaaaaaaaaaaaaaaaaaaaaaaaaaaaaaaaaaaaaaaaaaaaaaaaaaaaaaaaaaaaaaaaaaaaaaaaaaaaaaaaaaaaaaaaaaaaaaaaaaaaaaaaaaaaaaaaaaaaaaaa</a:t>
+              </a:r>
+              <a:endParaRPr lang="pt-BR" dirty="0"/>
+            </a:p>
+          </p:txBody>
+        </p:sp>
+      </p:grpSp>
+    </p:spTree>
+    <p:extLst>
+      <p:ext uri="{BB962C8B-B14F-4D97-AF65-F5344CB8AC3E}">
+        <p14:creationId xmlns:p14="http://schemas.microsoft.com/office/powerpoint/2010/main" val="3631271807"/>
+      </p:ext>
+    </p:extLst>
+  </p:cSld>
+  <p:clrMapOvr>
+    <a:masterClrMapping/>
+  </p:clrMapOvr>
+</p:sld>
+</file>
+
 <file path=ppt/theme/theme1.xml><?xml version="1.0" encoding="utf-8"?>
 <a:theme xmlns:a="http://schemas.openxmlformats.org/drawingml/2006/main" name="Tema do Office">
   <a:themeElements>

--- a/Imagens/A melhor formigaaaa.pptx
+++ b/Imagens/A melhor formigaaaa.pptx
@@ -295,7 +295,7 @@
           <a:p>
             <a:fld id="{99909925-07D1-4611-96E6-693E370BDE9A}" type="datetimeFigureOut">
               <a:rPr lang="pt-BR" smtClean="0"/>
-              <a:t>22/03/2019</a:t>
+              <a:t>25/03/2019</a:t>
             </a:fld>
             <a:endParaRPr lang="pt-BR"/>
           </a:p>
@@ -465,7 +465,7 @@
           <a:p>
             <a:fld id="{99909925-07D1-4611-96E6-693E370BDE9A}" type="datetimeFigureOut">
               <a:rPr lang="pt-BR" smtClean="0"/>
-              <a:t>22/03/2019</a:t>
+              <a:t>25/03/2019</a:t>
             </a:fld>
             <a:endParaRPr lang="pt-BR"/>
           </a:p>
@@ -645,7 +645,7 @@
           <a:p>
             <a:fld id="{99909925-07D1-4611-96E6-693E370BDE9A}" type="datetimeFigureOut">
               <a:rPr lang="pt-BR" smtClean="0"/>
-              <a:t>22/03/2019</a:t>
+              <a:t>25/03/2019</a:t>
             </a:fld>
             <a:endParaRPr lang="pt-BR"/>
           </a:p>
@@ -815,7 +815,7 @@
           <a:p>
             <a:fld id="{99909925-07D1-4611-96E6-693E370BDE9A}" type="datetimeFigureOut">
               <a:rPr lang="pt-BR" smtClean="0"/>
-              <a:t>22/03/2019</a:t>
+              <a:t>25/03/2019</a:t>
             </a:fld>
             <a:endParaRPr lang="pt-BR"/>
           </a:p>
@@ -1061,7 +1061,7 @@
           <a:p>
             <a:fld id="{99909925-07D1-4611-96E6-693E370BDE9A}" type="datetimeFigureOut">
               <a:rPr lang="pt-BR" smtClean="0"/>
-              <a:t>22/03/2019</a:t>
+              <a:t>25/03/2019</a:t>
             </a:fld>
             <a:endParaRPr lang="pt-BR"/>
           </a:p>
@@ -1349,7 +1349,7 @@
           <a:p>
             <a:fld id="{99909925-07D1-4611-96E6-693E370BDE9A}" type="datetimeFigureOut">
               <a:rPr lang="pt-BR" smtClean="0"/>
-              <a:t>22/03/2019</a:t>
+              <a:t>25/03/2019</a:t>
             </a:fld>
             <a:endParaRPr lang="pt-BR"/>
           </a:p>
@@ -1771,7 +1771,7 @@
           <a:p>
             <a:fld id="{99909925-07D1-4611-96E6-693E370BDE9A}" type="datetimeFigureOut">
               <a:rPr lang="pt-BR" smtClean="0"/>
-              <a:t>22/03/2019</a:t>
+              <a:t>25/03/2019</a:t>
             </a:fld>
             <a:endParaRPr lang="pt-BR"/>
           </a:p>
@@ -1889,7 +1889,7 @@
           <a:p>
             <a:fld id="{99909925-07D1-4611-96E6-693E370BDE9A}" type="datetimeFigureOut">
               <a:rPr lang="pt-BR" smtClean="0"/>
-              <a:t>22/03/2019</a:t>
+              <a:t>25/03/2019</a:t>
             </a:fld>
             <a:endParaRPr lang="pt-BR"/>
           </a:p>
@@ -1984,7 +1984,7 @@
           <a:p>
             <a:fld id="{99909925-07D1-4611-96E6-693E370BDE9A}" type="datetimeFigureOut">
               <a:rPr lang="pt-BR" smtClean="0"/>
-              <a:t>22/03/2019</a:t>
+              <a:t>25/03/2019</a:t>
             </a:fld>
             <a:endParaRPr lang="pt-BR"/>
           </a:p>
@@ -2261,7 +2261,7 @@
           <a:p>
             <a:fld id="{99909925-07D1-4611-96E6-693E370BDE9A}" type="datetimeFigureOut">
               <a:rPr lang="pt-BR" smtClean="0"/>
-              <a:t>22/03/2019</a:t>
+              <a:t>25/03/2019</a:t>
             </a:fld>
             <a:endParaRPr lang="pt-BR"/>
           </a:p>
@@ -2514,7 +2514,7 @@
           <a:p>
             <a:fld id="{99909925-07D1-4611-96E6-693E370BDE9A}" type="datetimeFigureOut">
               <a:rPr lang="pt-BR" smtClean="0"/>
-              <a:t>22/03/2019</a:t>
+              <a:t>25/03/2019</a:t>
             </a:fld>
             <a:endParaRPr lang="pt-BR"/>
           </a:p>
@@ -2727,7 +2727,7 @@
           <a:p>
             <a:fld id="{99909925-07D1-4611-96E6-693E370BDE9A}" type="datetimeFigureOut">
               <a:rPr lang="pt-BR" smtClean="0"/>
-              <a:t>22/03/2019</a:t>
+              <a:t>25/03/2019</a:t>
             </a:fld>
             <a:endParaRPr lang="pt-BR"/>
           </a:p>
@@ -13639,156 +13639,43 @@
           <a:chExt cx="0" cy="0"/>
         </a:xfrm>
       </p:grpSpPr>
-      <p:sp>
-        <p:nvSpPr>
-          <p:cNvPr id="79" name="Texto explicativo em elipse 78"/>
-          <p:cNvSpPr/>
-          <p:nvPr/>
-        </p:nvSpPr>
-        <p:spPr>
-          <a:xfrm rot="20280284" flipH="1">
-            <a:off x="1039781" y="-100104"/>
-            <a:ext cx="3626445" cy="3472667"/>
-          </a:xfrm>
-          <a:prstGeom prst="wedgeEllipseCallout">
-            <a:avLst/>
-          </a:prstGeom>
-          <a:solidFill>
-            <a:schemeClr val="tx2">
-              <a:lumMod val="20000"/>
-              <a:lumOff val="80000"/>
-            </a:schemeClr>
-          </a:solidFill>
-          <a:ln>
-            <a:solidFill>
-              <a:schemeClr val="bg1"/>
-            </a:solidFill>
-          </a:ln>
-        </p:spPr>
-        <p:style>
-          <a:lnRef idx="2">
-            <a:schemeClr val="accent1">
-              <a:shade val="50000"/>
-            </a:schemeClr>
-          </a:lnRef>
-          <a:fillRef idx="1">
-            <a:schemeClr val="accent1"/>
-          </a:fillRef>
-          <a:effectRef idx="0">
-            <a:schemeClr val="accent1"/>
-          </a:effectRef>
-          <a:fontRef idx="minor">
-            <a:schemeClr val="lt1"/>
-          </a:fontRef>
-        </p:style>
-        <p:txBody>
-          <a:bodyPr rtlCol="0" anchor="ctr"/>
-          <a:lstStyle/>
-          <a:p>
-            <a:pPr algn="ctr"/>
-            <a:endParaRPr lang="pt-BR" dirty="0"/>
-          </a:p>
-        </p:txBody>
-      </p:sp>
       <p:grpSp>
         <p:nvGrpSpPr>
-          <p:cNvPr id="78" name="Grupo 77"/>
+          <p:cNvPr id="2" name="Grupo 1"/>
           <p:cNvGrpSpPr/>
           <p:nvPr/>
         </p:nvGrpSpPr>
         <p:grpSpPr>
           <a:xfrm>
-            <a:off x="3762121" y="2402655"/>
-            <a:ext cx="2066504" cy="3283988"/>
-            <a:chOff x="2028265" y="971049"/>
-            <a:chExt cx="2066504" cy="3283988"/>
+            <a:off x="-985339" y="-1864580"/>
+            <a:ext cx="7501555" cy="8649576"/>
+            <a:chOff x="-985339" y="-1864580"/>
+            <a:chExt cx="7501555" cy="8649576"/>
           </a:xfrm>
         </p:grpSpPr>
         <p:sp>
           <p:nvSpPr>
-            <p:cNvPr id="77" name="Forma livre 76"/>
+            <p:cNvPr id="79" name="Texto explicativo em elipse 78"/>
             <p:cNvSpPr/>
             <p:nvPr/>
           </p:nvSpPr>
           <p:spPr>
-            <a:xfrm rot="1115826" flipV="1">
-              <a:off x="2246029" y="2223540"/>
-              <a:ext cx="639704" cy="115644"/>
+            <a:xfrm rot="20280284" flipH="1">
+              <a:off x="-985339" y="-1864580"/>
+              <a:ext cx="6638633" cy="6221011"/>
             </a:xfrm>
-            <a:custGeom>
+            <a:prstGeom prst="wedgeEllipseCallout">
               <a:avLst/>
-              <a:gdLst>
-                <a:gd name="connsiteX0" fmla="*/ 0 w 490473"/>
-                <a:gd name="connsiteY0" fmla="*/ 217382 h 217382"/>
-                <a:gd name="connsiteX1" fmla="*/ 165100 w 490473"/>
-                <a:gd name="connsiteY1" fmla="*/ 1482 h 217382"/>
-                <a:gd name="connsiteX2" fmla="*/ 469900 w 490473"/>
-                <a:gd name="connsiteY2" fmla="*/ 122132 h 217382"/>
-                <a:gd name="connsiteX3" fmla="*/ 463550 w 490473"/>
-                <a:gd name="connsiteY3" fmla="*/ 122132 h 217382"/>
-                <a:gd name="connsiteX4" fmla="*/ 463550 w 490473"/>
-                <a:gd name="connsiteY4" fmla="*/ 122132 h 217382"/>
-                <a:gd name="connsiteX5" fmla="*/ 463550 w 490473"/>
-                <a:gd name="connsiteY5" fmla="*/ 122132 h 217382"/>
-              </a:gdLst>
-              <a:ahLst/>
-              <a:cxnLst>
-                <a:cxn ang="0">
-                  <a:pos x="connsiteX0" y="connsiteY0"/>
-                </a:cxn>
-                <a:cxn ang="0">
-                  <a:pos x="connsiteX1" y="connsiteY1"/>
-                </a:cxn>
-                <a:cxn ang="0">
-                  <a:pos x="connsiteX2" y="connsiteY2"/>
-                </a:cxn>
-                <a:cxn ang="0">
-                  <a:pos x="connsiteX3" y="connsiteY3"/>
-                </a:cxn>
-                <a:cxn ang="0">
-                  <a:pos x="connsiteX4" y="connsiteY4"/>
-                </a:cxn>
-                <a:cxn ang="0">
-                  <a:pos x="connsiteX5" y="connsiteY5"/>
-                </a:cxn>
-              </a:cxnLst>
-              <a:rect l="l" t="t" r="r" b="b"/>
-              <a:pathLst>
-                <a:path w="490473" h="217382">
-                  <a:moveTo>
-                    <a:pt x="0" y="217382"/>
-                  </a:moveTo>
-                  <a:cubicBezTo>
-                    <a:pt x="43392" y="117369"/>
-                    <a:pt x="86784" y="17357"/>
-                    <a:pt x="165100" y="1482"/>
-                  </a:cubicBezTo>
-                  <a:cubicBezTo>
-                    <a:pt x="243416" y="-14393"/>
-                    <a:pt x="420158" y="102024"/>
-                    <a:pt x="469900" y="122132"/>
-                  </a:cubicBezTo>
-                  <a:cubicBezTo>
-                    <a:pt x="519642" y="142240"/>
-                    <a:pt x="463550" y="122132"/>
-                    <a:pt x="463550" y="122132"/>
-                  </a:cubicBezTo>
-                  <a:lnTo>
-                    <a:pt x="463550" y="122132"/>
-                  </a:lnTo>
-                  <a:lnTo>
-                    <a:pt x="463550" y="122132"/>
-                  </a:lnTo>
-                </a:path>
-              </a:pathLst>
-            </a:custGeom>
-            <a:noFill/>
-            <a:ln w="57150">
+            </a:prstGeom>
+            <a:solidFill>
+              <a:schemeClr val="tx2">
+                <a:lumMod val="20000"/>
+                <a:lumOff val="80000"/>
+              </a:schemeClr>
+            </a:solidFill>
+            <a:ln>
               <a:solidFill>
-                <a:schemeClr val="tx1">
-                  <a:lumMod val="95000"/>
-                  <a:lumOff val="5000"/>
-                </a:schemeClr>
+                <a:schemeClr val="bg1"/>
               </a:solidFill>
             </a:ln>
           </p:spPr>
@@ -13813,260 +13700,260 @@
             <a:lstStyle/>
             <a:p>
               <a:pPr algn="ctr"/>
-              <a:endParaRPr lang="pt-BR"/>
-            </a:p>
-          </p:txBody>
-        </p:sp>
-        <p:sp>
-          <p:nvSpPr>
-            <p:cNvPr id="76" name="Forma livre 75"/>
-            <p:cNvSpPr/>
-            <p:nvPr/>
-          </p:nvSpPr>
-          <p:spPr>
-            <a:xfrm rot="12944999" flipV="1">
-              <a:off x="3528865" y="2588110"/>
-              <a:ext cx="350403" cy="265890"/>
-            </a:xfrm>
-            <a:custGeom>
-              <a:avLst/>
-              <a:gdLst>
-                <a:gd name="connsiteX0" fmla="*/ 0 w 490473"/>
-                <a:gd name="connsiteY0" fmla="*/ 217382 h 217382"/>
-                <a:gd name="connsiteX1" fmla="*/ 165100 w 490473"/>
-                <a:gd name="connsiteY1" fmla="*/ 1482 h 217382"/>
-                <a:gd name="connsiteX2" fmla="*/ 469900 w 490473"/>
-                <a:gd name="connsiteY2" fmla="*/ 122132 h 217382"/>
-                <a:gd name="connsiteX3" fmla="*/ 463550 w 490473"/>
-                <a:gd name="connsiteY3" fmla="*/ 122132 h 217382"/>
-                <a:gd name="connsiteX4" fmla="*/ 463550 w 490473"/>
-                <a:gd name="connsiteY4" fmla="*/ 122132 h 217382"/>
-                <a:gd name="connsiteX5" fmla="*/ 463550 w 490473"/>
-                <a:gd name="connsiteY5" fmla="*/ 122132 h 217382"/>
-              </a:gdLst>
-              <a:ahLst/>
-              <a:cxnLst>
-                <a:cxn ang="0">
-                  <a:pos x="connsiteX0" y="connsiteY0"/>
-                </a:cxn>
-                <a:cxn ang="0">
-                  <a:pos x="connsiteX1" y="connsiteY1"/>
-                </a:cxn>
-                <a:cxn ang="0">
-                  <a:pos x="connsiteX2" y="connsiteY2"/>
-                </a:cxn>
-                <a:cxn ang="0">
-                  <a:pos x="connsiteX3" y="connsiteY3"/>
-                </a:cxn>
-                <a:cxn ang="0">
-                  <a:pos x="connsiteX4" y="connsiteY4"/>
-                </a:cxn>
-                <a:cxn ang="0">
-                  <a:pos x="connsiteX5" y="connsiteY5"/>
-                </a:cxn>
-              </a:cxnLst>
-              <a:rect l="l" t="t" r="r" b="b"/>
-              <a:pathLst>
-                <a:path w="490473" h="217382">
-                  <a:moveTo>
-                    <a:pt x="0" y="217382"/>
-                  </a:moveTo>
-                  <a:cubicBezTo>
-                    <a:pt x="43392" y="117369"/>
-                    <a:pt x="86784" y="17357"/>
-                    <a:pt x="165100" y="1482"/>
-                  </a:cubicBezTo>
-                  <a:cubicBezTo>
-                    <a:pt x="243416" y="-14393"/>
-                    <a:pt x="420158" y="102024"/>
-                    <a:pt x="469900" y="122132"/>
-                  </a:cubicBezTo>
-                  <a:cubicBezTo>
-                    <a:pt x="519642" y="142240"/>
-                    <a:pt x="463550" y="122132"/>
-                    <a:pt x="463550" y="122132"/>
-                  </a:cubicBezTo>
-                  <a:lnTo>
-                    <a:pt x="463550" y="122132"/>
-                  </a:lnTo>
-                  <a:lnTo>
-                    <a:pt x="463550" y="122132"/>
-                  </a:lnTo>
-                </a:path>
-              </a:pathLst>
-            </a:custGeom>
-            <a:noFill/>
-            <a:ln w="57150">
-              <a:solidFill>
-                <a:schemeClr val="tx1">
-                  <a:lumMod val="95000"/>
-                  <a:lumOff val="5000"/>
-                </a:schemeClr>
-              </a:solidFill>
-            </a:ln>
-          </p:spPr>
-          <p:style>
-            <a:lnRef idx="2">
-              <a:schemeClr val="accent1">
-                <a:shade val="50000"/>
-              </a:schemeClr>
-            </a:lnRef>
-            <a:fillRef idx="1">
-              <a:schemeClr val="accent1"/>
-            </a:fillRef>
-            <a:effectRef idx="0">
-              <a:schemeClr val="accent1"/>
-            </a:effectRef>
-            <a:fontRef idx="minor">
-              <a:schemeClr val="lt1"/>
-            </a:fontRef>
-          </p:style>
-          <p:txBody>
-            <a:bodyPr rtlCol="0" anchor="ctr"/>
-            <a:lstStyle/>
-            <a:p>
-              <a:pPr algn="ctr"/>
-              <a:endParaRPr lang="pt-BR"/>
-            </a:p>
-          </p:txBody>
-        </p:sp>
-        <p:sp>
-          <p:nvSpPr>
-            <p:cNvPr id="74" name="Forma livre 73"/>
-            <p:cNvSpPr/>
-            <p:nvPr/>
-          </p:nvSpPr>
-          <p:spPr>
-            <a:xfrm rot="1115826" flipV="1">
-              <a:off x="2138016" y="2481398"/>
-              <a:ext cx="639704" cy="115644"/>
-            </a:xfrm>
-            <a:custGeom>
-              <a:avLst/>
-              <a:gdLst>
-                <a:gd name="connsiteX0" fmla="*/ 0 w 490473"/>
-                <a:gd name="connsiteY0" fmla="*/ 217382 h 217382"/>
-                <a:gd name="connsiteX1" fmla="*/ 165100 w 490473"/>
-                <a:gd name="connsiteY1" fmla="*/ 1482 h 217382"/>
-                <a:gd name="connsiteX2" fmla="*/ 469900 w 490473"/>
-                <a:gd name="connsiteY2" fmla="*/ 122132 h 217382"/>
-                <a:gd name="connsiteX3" fmla="*/ 463550 w 490473"/>
-                <a:gd name="connsiteY3" fmla="*/ 122132 h 217382"/>
-                <a:gd name="connsiteX4" fmla="*/ 463550 w 490473"/>
-                <a:gd name="connsiteY4" fmla="*/ 122132 h 217382"/>
-                <a:gd name="connsiteX5" fmla="*/ 463550 w 490473"/>
-                <a:gd name="connsiteY5" fmla="*/ 122132 h 217382"/>
-              </a:gdLst>
-              <a:ahLst/>
-              <a:cxnLst>
-                <a:cxn ang="0">
-                  <a:pos x="connsiteX0" y="connsiteY0"/>
-                </a:cxn>
-                <a:cxn ang="0">
-                  <a:pos x="connsiteX1" y="connsiteY1"/>
-                </a:cxn>
-                <a:cxn ang="0">
-                  <a:pos x="connsiteX2" y="connsiteY2"/>
-                </a:cxn>
-                <a:cxn ang="0">
-                  <a:pos x="connsiteX3" y="connsiteY3"/>
-                </a:cxn>
-                <a:cxn ang="0">
-                  <a:pos x="connsiteX4" y="connsiteY4"/>
-                </a:cxn>
-                <a:cxn ang="0">
-                  <a:pos x="connsiteX5" y="connsiteY5"/>
-                </a:cxn>
-              </a:cxnLst>
-              <a:rect l="l" t="t" r="r" b="b"/>
-              <a:pathLst>
-                <a:path w="490473" h="217382">
-                  <a:moveTo>
-                    <a:pt x="0" y="217382"/>
-                  </a:moveTo>
-                  <a:cubicBezTo>
-                    <a:pt x="43392" y="117369"/>
-                    <a:pt x="86784" y="17357"/>
-                    <a:pt x="165100" y="1482"/>
-                  </a:cubicBezTo>
-                  <a:cubicBezTo>
-                    <a:pt x="243416" y="-14393"/>
-                    <a:pt x="420158" y="102024"/>
-                    <a:pt x="469900" y="122132"/>
-                  </a:cubicBezTo>
-                  <a:cubicBezTo>
-                    <a:pt x="519642" y="142240"/>
-                    <a:pt x="463550" y="122132"/>
-                    <a:pt x="463550" y="122132"/>
-                  </a:cubicBezTo>
-                  <a:lnTo>
-                    <a:pt x="463550" y="122132"/>
-                  </a:lnTo>
-                  <a:lnTo>
-                    <a:pt x="463550" y="122132"/>
-                  </a:lnTo>
-                </a:path>
-              </a:pathLst>
-            </a:custGeom>
-            <a:noFill/>
-            <a:ln w="57150">
-              <a:solidFill>
-                <a:schemeClr val="tx1">
-                  <a:lumMod val="95000"/>
-                  <a:lumOff val="5000"/>
-                </a:schemeClr>
-              </a:solidFill>
-            </a:ln>
-          </p:spPr>
-          <p:style>
-            <a:lnRef idx="2">
-              <a:schemeClr val="accent1">
-                <a:shade val="50000"/>
-              </a:schemeClr>
-            </a:lnRef>
-            <a:fillRef idx="1">
-              <a:schemeClr val="accent1"/>
-            </a:fillRef>
-            <a:effectRef idx="0">
-              <a:schemeClr val="accent1"/>
-            </a:effectRef>
-            <a:fontRef idx="minor">
-              <a:schemeClr val="lt1"/>
-            </a:fontRef>
-          </p:style>
-          <p:txBody>
-            <a:bodyPr rtlCol="0" anchor="ctr"/>
-            <a:lstStyle/>
-            <a:p>
-              <a:pPr algn="ctr"/>
-              <a:endParaRPr lang="pt-BR"/>
+              <a:endParaRPr lang="pt-BR" dirty="0"/>
             </a:p>
           </p:txBody>
         </p:sp>
         <p:grpSp>
           <p:nvGrpSpPr>
-            <p:cNvPr id="11" name="Grupo 10"/>
+            <p:cNvPr id="78" name="Grupo 77"/>
             <p:cNvGrpSpPr/>
             <p:nvPr/>
           </p:nvGrpSpPr>
           <p:grpSpPr>
             <a:xfrm>
-              <a:off x="2082775" y="971049"/>
-              <a:ext cx="2011994" cy="3283988"/>
-              <a:chOff x="2108809" y="937100"/>
-              <a:chExt cx="2011994" cy="3283988"/>
+              <a:off x="4449712" y="3501008"/>
+              <a:ext cx="2066504" cy="3283988"/>
+              <a:chOff x="2028265" y="971049"/>
+              <a:chExt cx="2066504" cy="3283988"/>
             </a:xfrm>
           </p:grpSpPr>
           <p:sp>
             <p:nvSpPr>
-              <p:cNvPr id="19" name="Forma livre 18"/>
+              <p:cNvPr id="77" name="Forma livre 76"/>
+              <p:cNvSpPr/>
+              <p:nvPr/>
+            </p:nvSpPr>
+            <p:spPr>
+              <a:xfrm rot="1115826" flipV="1">
+                <a:off x="2246029" y="2223540"/>
+                <a:ext cx="639704" cy="115644"/>
+              </a:xfrm>
+              <a:custGeom>
+                <a:avLst/>
+                <a:gdLst>
+                  <a:gd name="connsiteX0" fmla="*/ 0 w 490473"/>
+                  <a:gd name="connsiteY0" fmla="*/ 217382 h 217382"/>
+                  <a:gd name="connsiteX1" fmla="*/ 165100 w 490473"/>
+                  <a:gd name="connsiteY1" fmla="*/ 1482 h 217382"/>
+                  <a:gd name="connsiteX2" fmla="*/ 469900 w 490473"/>
+                  <a:gd name="connsiteY2" fmla="*/ 122132 h 217382"/>
+                  <a:gd name="connsiteX3" fmla="*/ 463550 w 490473"/>
+                  <a:gd name="connsiteY3" fmla="*/ 122132 h 217382"/>
+                  <a:gd name="connsiteX4" fmla="*/ 463550 w 490473"/>
+                  <a:gd name="connsiteY4" fmla="*/ 122132 h 217382"/>
+                  <a:gd name="connsiteX5" fmla="*/ 463550 w 490473"/>
+                  <a:gd name="connsiteY5" fmla="*/ 122132 h 217382"/>
+                </a:gdLst>
+                <a:ahLst/>
+                <a:cxnLst>
+                  <a:cxn ang="0">
+                    <a:pos x="connsiteX0" y="connsiteY0"/>
+                  </a:cxn>
+                  <a:cxn ang="0">
+                    <a:pos x="connsiteX1" y="connsiteY1"/>
+                  </a:cxn>
+                  <a:cxn ang="0">
+                    <a:pos x="connsiteX2" y="connsiteY2"/>
+                  </a:cxn>
+                  <a:cxn ang="0">
+                    <a:pos x="connsiteX3" y="connsiteY3"/>
+                  </a:cxn>
+                  <a:cxn ang="0">
+                    <a:pos x="connsiteX4" y="connsiteY4"/>
+                  </a:cxn>
+                  <a:cxn ang="0">
+                    <a:pos x="connsiteX5" y="connsiteY5"/>
+                  </a:cxn>
+                </a:cxnLst>
+                <a:rect l="l" t="t" r="r" b="b"/>
+                <a:pathLst>
+                  <a:path w="490473" h="217382">
+                    <a:moveTo>
+                      <a:pt x="0" y="217382"/>
+                    </a:moveTo>
+                    <a:cubicBezTo>
+                      <a:pt x="43392" y="117369"/>
+                      <a:pt x="86784" y="17357"/>
+                      <a:pt x="165100" y="1482"/>
+                    </a:cubicBezTo>
+                    <a:cubicBezTo>
+                      <a:pt x="243416" y="-14393"/>
+                      <a:pt x="420158" y="102024"/>
+                      <a:pt x="469900" y="122132"/>
+                    </a:cubicBezTo>
+                    <a:cubicBezTo>
+                      <a:pt x="519642" y="142240"/>
+                      <a:pt x="463550" y="122132"/>
+                      <a:pt x="463550" y="122132"/>
+                    </a:cubicBezTo>
+                    <a:lnTo>
+                      <a:pt x="463550" y="122132"/>
+                    </a:lnTo>
+                    <a:lnTo>
+                      <a:pt x="463550" y="122132"/>
+                    </a:lnTo>
+                  </a:path>
+                </a:pathLst>
+              </a:custGeom>
+              <a:noFill/>
+              <a:ln w="57150">
+                <a:solidFill>
+                  <a:schemeClr val="tx1">
+                    <a:lumMod val="95000"/>
+                    <a:lumOff val="5000"/>
+                  </a:schemeClr>
+                </a:solidFill>
+              </a:ln>
+            </p:spPr>
+            <p:style>
+              <a:lnRef idx="2">
+                <a:schemeClr val="accent1">
+                  <a:shade val="50000"/>
+                </a:schemeClr>
+              </a:lnRef>
+              <a:fillRef idx="1">
+                <a:schemeClr val="accent1"/>
+              </a:fillRef>
+              <a:effectRef idx="0">
+                <a:schemeClr val="accent1"/>
+              </a:effectRef>
+              <a:fontRef idx="minor">
+                <a:schemeClr val="lt1"/>
+              </a:fontRef>
+            </p:style>
+            <p:txBody>
+              <a:bodyPr rtlCol="0" anchor="ctr"/>
+              <a:lstStyle/>
+              <a:p>
+                <a:pPr algn="ctr"/>
+                <a:endParaRPr lang="pt-BR"/>
+              </a:p>
+            </p:txBody>
+          </p:sp>
+          <p:sp>
+            <p:nvSpPr>
+              <p:cNvPr id="76" name="Forma livre 75"/>
               <p:cNvSpPr/>
               <p:nvPr/>
             </p:nvSpPr>
             <p:spPr>
               <a:xfrm rot="12944999" flipV="1">
-                <a:off x="3560991" y="2152691"/>
-                <a:ext cx="380743" cy="301368"/>
+                <a:off x="3528865" y="2588110"/>
+                <a:ext cx="350403" cy="265890"/>
+              </a:xfrm>
+              <a:custGeom>
+                <a:avLst/>
+                <a:gdLst>
+                  <a:gd name="connsiteX0" fmla="*/ 0 w 490473"/>
+                  <a:gd name="connsiteY0" fmla="*/ 217382 h 217382"/>
+                  <a:gd name="connsiteX1" fmla="*/ 165100 w 490473"/>
+                  <a:gd name="connsiteY1" fmla="*/ 1482 h 217382"/>
+                  <a:gd name="connsiteX2" fmla="*/ 469900 w 490473"/>
+                  <a:gd name="connsiteY2" fmla="*/ 122132 h 217382"/>
+                  <a:gd name="connsiteX3" fmla="*/ 463550 w 490473"/>
+                  <a:gd name="connsiteY3" fmla="*/ 122132 h 217382"/>
+                  <a:gd name="connsiteX4" fmla="*/ 463550 w 490473"/>
+                  <a:gd name="connsiteY4" fmla="*/ 122132 h 217382"/>
+                  <a:gd name="connsiteX5" fmla="*/ 463550 w 490473"/>
+                  <a:gd name="connsiteY5" fmla="*/ 122132 h 217382"/>
+                </a:gdLst>
+                <a:ahLst/>
+                <a:cxnLst>
+                  <a:cxn ang="0">
+                    <a:pos x="connsiteX0" y="connsiteY0"/>
+                  </a:cxn>
+                  <a:cxn ang="0">
+                    <a:pos x="connsiteX1" y="connsiteY1"/>
+                  </a:cxn>
+                  <a:cxn ang="0">
+                    <a:pos x="connsiteX2" y="connsiteY2"/>
+                  </a:cxn>
+                  <a:cxn ang="0">
+                    <a:pos x="connsiteX3" y="connsiteY3"/>
+                  </a:cxn>
+                  <a:cxn ang="0">
+                    <a:pos x="connsiteX4" y="connsiteY4"/>
+                  </a:cxn>
+                  <a:cxn ang="0">
+                    <a:pos x="connsiteX5" y="connsiteY5"/>
+                  </a:cxn>
+                </a:cxnLst>
+                <a:rect l="l" t="t" r="r" b="b"/>
+                <a:pathLst>
+                  <a:path w="490473" h="217382">
+                    <a:moveTo>
+                      <a:pt x="0" y="217382"/>
+                    </a:moveTo>
+                    <a:cubicBezTo>
+                      <a:pt x="43392" y="117369"/>
+                      <a:pt x="86784" y="17357"/>
+                      <a:pt x="165100" y="1482"/>
+                    </a:cubicBezTo>
+                    <a:cubicBezTo>
+                      <a:pt x="243416" y="-14393"/>
+                      <a:pt x="420158" y="102024"/>
+                      <a:pt x="469900" y="122132"/>
+                    </a:cubicBezTo>
+                    <a:cubicBezTo>
+                      <a:pt x="519642" y="142240"/>
+                      <a:pt x="463550" y="122132"/>
+                      <a:pt x="463550" y="122132"/>
+                    </a:cubicBezTo>
+                    <a:lnTo>
+                      <a:pt x="463550" y="122132"/>
+                    </a:lnTo>
+                    <a:lnTo>
+                      <a:pt x="463550" y="122132"/>
+                    </a:lnTo>
+                  </a:path>
+                </a:pathLst>
+              </a:custGeom>
+              <a:noFill/>
+              <a:ln w="57150">
+                <a:solidFill>
+                  <a:schemeClr val="tx1">
+                    <a:lumMod val="95000"/>
+                    <a:lumOff val="5000"/>
+                  </a:schemeClr>
+                </a:solidFill>
+              </a:ln>
+            </p:spPr>
+            <p:style>
+              <a:lnRef idx="2">
+                <a:schemeClr val="accent1">
+                  <a:shade val="50000"/>
+                </a:schemeClr>
+              </a:lnRef>
+              <a:fillRef idx="1">
+                <a:schemeClr val="accent1"/>
+              </a:fillRef>
+              <a:effectRef idx="0">
+                <a:schemeClr val="accent1"/>
+              </a:effectRef>
+              <a:fontRef idx="minor">
+                <a:schemeClr val="lt1"/>
+              </a:fontRef>
+            </p:style>
+            <p:txBody>
+              <a:bodyPr rtlCol="0" anchor="ctr"/>
+              <a:lstStyle/>
+              <a:p>
+                <a:pPr algn="ctr"/>
+                <a:endParaRPr lang="pt-BR"/>
+              </a:p>
+            </p:txBody>
+          </p:sp>
+          <p:sp>
+            <p:nvSpPr>
+              <p:cNvPr id="74" name="Forma livre 73"/>
+              <p:cNvSpPr/>
+              <p:nvPr/>
+            </p:nvSpPr>
+            <p:spPr>
+              <a:xfrm rot="1115826" flipV="1">
+                <a:off x="2138016" y="2481398"/>
+                <a:ext cx="639704" cy="115644"/>
               </a:xfrm>
               <a:custGeom>
                 <a:avLst/>
@@ -14172,263 +14059,148 @@
           </p:sp>
           <p:grpSp>
             <p:nvGrpSpPr>
-              <p:cNvPr id="21" name="Grupo 20"/>
+              <p:cNvPr id="11" name="Grupo 10"/>
               <p:cNvGrpSpPr/>
               <p:nvPr/>
             </p:nvGrpSpPr>
             <p:grpSpPr>
               <a:xfrm>
-                <a:off x="2108809" y="937100"/>
+                <a:off x="2082775" y="971049"/>
                 <a:ext cx="2011994" cy="3283988"/>
-                <a:chOff x="2158781" y="1009108"/>
+                <a:chOff x="2108809" y="937100"/>
                 <a:chExt cx="2011994" cy="3283988"/>
               </a:xfrm>
             </p:grpSpPr>
+            <p:sp>
+              <p:nvSpPr>
+                <p:cNvPr id="19" name="Forma livre 18"/>
+                <p:cNvSpPr/>
+                <p:nvPr/>
+              </p:nvSpPr>
+              <p:spPr>
+                <a:xfrm rot="12944999" flipV="1">
+                  <a:off x="3560991" y="2152691"/>
+                  <a:ext cx="380743" cy="301368"/>
+                </a:xfrm>
+                <a:custGeom>
+                  <a:avLst/>
+                  <a:gdLst>
+                    <a:gd name="connsiteX0" fmla="*/ 0 w 490473"/>
+                    <a:gd name="connsiteY0" fmla="*/ 217382 h 217382"/>
+                    <a:gd name="connsiteX1" fmla="*/ 165100 w 490473"/>
+                    <a:gd name="connsiteY1" fmla="*/ 1482 h 217382"/>
+                    <a:gd name="connsiteX2" fmla="*/ 469900 w 490473"/>
+                    <a:gd name="connsiteY2" fmla="*/ 122132 h 217382"/>
+                    <a:gd name="connsiteX3" fmla="*/ 463550 w 490473"/>
+                    <a:gd name="connsiteY3" fmla="*/ 122132 h 217382"/>
+                    <a:gd name="connsiteX4" fmla="*/ 463550 w 490473"/>
+                    <a:gd name="connsiteY4" fmla="*/ 122132 h 217382"/>
+                    <a:gd name="connsiteX5" fmla="*/ 463550 w 490473"/>
+                    <a:gd name="connsiteY5" fmla="*/ 122132 h 217382"/>
+                  </a:gdLst>
+                  <a:ahLst/>
+                  <a:cxnLst>
+                    <a:cxn ang="0">
+                      <a:pos x="connsiteX0" y="connsiteY0"/>
+                    </a:cxn>
+                    <a:cxn ang="0">
+                      <a:pos x="connsiteX1" y="connsiteY1"/>
+                    </a:cxn>
+                    <a:cxn ang="0">
+                      <a:pos x="connsiteX2" y="connsiteY2"/>
+                    </a:cxn>
+                    <a:cxn ang="0">
+                      <a:pos x="connsiteX3" y="connsiteY3"/>
+                    </a:cxn>
+                    <a:cxn ang="0">
+                      <a:pos x="connsiteX4" y="connsiteY4"/>
+                    </a:cxn>
+                    <a:cxn ang="0">
+                      <a:pos x="connsiteX5" y="connsiteY5"/>
+                    </a:cxn>
+                  </a:cxnLst>
+                  <a:rect l="l" t="t" r="r" b="b"/>
+                  <a:pathLst>
+                    <a:path w="490473" h="217382">
+                      <a:moveTo>
+                        <a:pt x="0" y="217382"/>
+                      </a:moveTo>
+                      <a:cubicBezTo>
+                        <a:pt x="43392" y="117369"/>
+                        <a:pt x="86784" y="17357"/>
+                        <a:pt x="165100" y="1482"/>
+                      </a:cubicBezTo>
+                      <a:cubicBezTo>
+                        <a:pt x="243416" y="-14393"/>
+                        <a:pt x="420158" y="102024"/>
+                        <a:pt x="469900" y="122132"/>
+                      </a:cubicBezTo>
+                      <a:cubicBezTo>
+                        <a:pt x="519642" y="142240"/>
+                        <a:pt x="463550" y="122132"/>
+                        <a:pt x="463550" y="122132"/>
+                      </a:cubicBezTo>
+                      <a:lnTo>
+                        <a:pt x="463550" y="122132"/>
+                      </a:lnTo>
+                      <a:lnTo>
+                        <a:pt x="463550" y="122132"/>
+                      </a:lnTo>
+                    </a:path>
+                  </a:pathLst>
+                </a:custGeom>
+                <a:noFill/>
+                <a:ln w="57150">
+                  <a:solidFill>
+                    <a:schemeClr val="tx1">
+                      <a:lumMod val="95000"/>
+                      <a:lumOff val="5000"/>
+                    </a:schemeClr>
+                  </a:solidFill>
+                </a:ln>
+              </p:spPr>
+              <p:style>
+                <a:lnRef idx="2">
+                  <a:schemeClr val="accent1">
+                    <a:shade val="50000"/>
+                  </a:schemeClr>
+                </a:lnRef>
+                <a:fillRef idx="1">
+                  <a:schemeClr val="accent1"/>
+                </a:fillRef>
+                <a:effectRef idx="0">
+                  <a:schemeClr val="accent1"/>
+                </a:effectRef>
+                <a:fontRef idx="minor">
+                  <a:schemeClr val="lt1"/>
+                </a:fontRef>
+              </p:style>
+              <p:txBody>
+                <a:bodyPr rtlCol="0" anchor="ctr"/>
+                <a:lstStyle/>
+                <a:p>
+                  <a:pPr algn="ctr"/>
+                  <a:endParaRPr lang="pt-BR"/>
+                </a:p>
+              </p:txBody>
+            </p:sp>
             <p:grpSp>
               <p:nvGrpSpPr>
-                <p:cNvPr id="36" name="Grupo 35"/>
+                <p:cNvPr id="21" name="Grupo 20"/>
                 <p:cNvGrpSpPr/>
                 <p:nvPr/>
               </p:nvGrpSpPr>
               <p:grpSpPr>
                 <a:xfrm>
-                  <a:off x="2158781" y="1081116"/>
-                  <a:ext cx="2011994" cy="3211980"/>
-                  <a:chOff x="2158781" y="1081116"/>
-                  <a:chExt cx="2011994" cy="3211980"/>
+                  <a:off x="2108809" y="937100"/>
+                  <a:ext cx="2011994" cy="3283988"/>
+                  <a:chOff x="2158781" y="1009108"/>
+                  <a:chExt cx="2011994" cy="3283988"/>
                 </a:xfrm>
               </p:grpSpPr>
-              <p:sp>
-                <p:nvSpPr>
-                  <p:cNvPr id="41" name="Forma livre 40"/>
-                  <p:cNvSpPr/>
-                  <p:nvPr/>
-                </p:nvSpPr>
-                <p:spPr>
-                  <a:xfrm rot="707539" flipH="1">
-                    <a:off x="2632408" y="3593665"/>
-                    <a:ext cx="301431" cy="584688"/>
-                  </a:xfrm>
-                  <a:custGeom>
-                    <a:avLst/>
-                    <a:gdLst>
-                      <a:gd name="connsiteX0" fmla="*/ 0 w 925286"/>
-                      <a:gd name="connsiteY0" fmla="*/ 0 h 1261565"/>
-                      <a:gd name="connsiteX1" fmla="*/ 783772 w 925286"/>
-                      <a:gd name="connsiteY1" fmla="*/ 359229 h 1261565"/>
-                      <a:gd name="connsiteX2" fmla="*/ 903515 w 925286"/>
-                      <a:gd name="connsiteY2" fmla="*/ 1197429 h 1261565"/>
-                      <a:gd name="connsiteX3" fmla="*/ 903515 w 925286"/>
-                      <a:gd name="connsiteY3" fmla="*/ 1208315 h 1261565"/>
-                      <a:gd name="connsiteX4" fmla="*/ 925286 w 925286"/>
-                      <a:gd name="connsiteY4" fmla="*/ 1240972 h 1261565"/>
-                      <a:gd name="connsiteX5" fmla="*/ 903515 w 925286"/>
-                      <a:gd name="connsiteY5" fmla="*/ 1240972 h 1261565"/>
-                    </a:gdLst>
-                    <a:ahLst/>
-                    <a:cxnLst>
-                      <a:cxn ang="0">
-                        <a:pos x="connsiteX0" y="connsiteY0"/>
-                      </a:cxn>
-                      <a:cxn ang="0">
-                        <a:pos x="connsiteX1" y="connsiteY1"/>
-                      </a:cxn>
-                      <a:cxn ang="0">
-                        <a:pos x="connsiteX2" y="connsiteY2"/>
-                      </a:cxn>
-                      <a:cxn ang="0">
-                        <a:pos x="connsiteX3" y="connsiteY3"/>
-                      </a:cxn>
-                      <a:cxn ang="0">
-                        <a:pos x="connsiteX4" y="connsiteY4"/>
-                      </a:cxn>
-                      <a:cxn ang="0">
-                        <a:pos x="connsiteX5" y="connsiteY5"/>
-                      </a:cxn>
-                    </a:cxnLst>
-                    <a:rect l="l" t="t" r="r" b="b"/>
-                    <a:pathLst>
-                      <a:path w="925286" h="1261565">
-                        <a:moveTo>
-                          <a:pt x="0" y="0"/>
-                        </a:moveTo>
-                        <a:cubicBezTo>
-                          <a:pt x="316593" y="79829"/>
-                          <a:pt x="633186" y="159658"/>
-                          <a:pt x="783772" y="359229"/>
-                        </a:cubicBezTo>
-                        <a:cubicBezTo>
-                          <a:pt x="934358" y="558800"/>
-                          <a:pt x="883558" y="1055915"/>
-                          <a:pt x="903515" y="1197429"/>
-                        </a:cubicBezTo>
-                        <a:cubicBezTo>
-                          <a:pt x="923472" y="1338943"/>
-                          <a:pt x="899887" y="1201058"/>
-                          <a:pt x="903515" y="1208315"/>
-                        </a:cubicBezTo>
-                        <a:cubicBezTo>
-                          <a:pt x="907144" y="1215572"/>
-                          <a:pt x="925286" y="1235529"/>
-                          <a:pt x="925286" y="1240972"/>
-                        </a:cubicBezTo>
-                        <a:cubicBezTo>
-                          <a:pt x="925286" y="1246415"/>
-                          <a:pt x="914400" y="1243693"/>
-                          <a:pt x="903515" y="1240972"/>
-                        </a:cubicBezTo>
-                      </a:path>
-                    </a:pathLst>
-                  </a:custGeom>
-                  <a:noFill/>
-                  <a:ln w="76200">
-                    <a:solidFill>
-                      <a:schemeClr val="tx1"/>
-                    </a:solidFill>
-                  </a:ln>
-                </p:spPr>
-                <p:style>
-                  <a:lnRef idx="2">
-                    <a:schemeClr val="accent1">
-                      <a:shade val="50000"/>
-                    </a:schemeClr>
-                  </a:lnRef>
-                  <a:fillRef idx="1">
-                    <a:schemeClr val="accent1"/>
-                  </a:fillRef>
-                  <a:effectRef idx="0">
-                    <a:schemeClr val="accent1"/>
-                  </a:effectRef>
-                  <a:fontRef idx="minor">
-                    <a:schemeClr val="lt1"/>
-                  </a:fontRef>
-                </p:style>
-                <p:txBody>
-                  <a:bodyPr rtlCol="0" anchor="ctr"/>
-                  <a:lstStyle/>
-                  <a:p>
-                    <a:pPr algn="ctr"/>
-                    <a:endParaRPr lang="pt-BR"/>
-                  </a:p>
-                </p:txBody>
-              </p:sp>
-              <p:sp>
-                <p:nvSpPr>
-                  <p:cNvPr id="42" name="Forma livre 41"/>
-                  <p:cNvSpPr/>
-                  <p:nvPr/>
-                </p:nvSpPr>
-                <p:spPr>
-                  <a:xfrm>
-                    <a:off x="3378894" y="3423613"/>
-                    <a:ext cx="504056" cy="652063"/>
-                  </a:xfrm>
-                  <a:custGeom>
-                    <a:avLst/>
-                    <a:gdLst>
-                      <a:gd name="connsiteX0" fmla="*/ 0 w 925286"/>
-                      <a:gd name="connsiteY0" fmla="*/ 0 h 1261565"/>
-                      <a:gd name="connsiteX1" fmla="*/ 783772 w 925286"/>
-                      <a:gd name="connsiteY1" fmla="*/ 359229 h 1261565"/>
-                      <a:gd name="connsiteX2" fmla="*/ 903515 w 925286"/>
-                      <a:gd name="connsiteY2" fmla="*/ 1197429 h 1261565"/>
-                      <a:gd name="connsiteX3" fmla="*/ 903515 w 925286"/>
-                      <a:gd name="connsiteY3" fmla="*/ 1208315 h 1261565"/>
-                      <a:gd name="connsiteX4" fmla="*/ 925286 w 925286"/>
-                      <a:gd name="connsiteY4" fmla="*/ 1240972 h 1261565"/>
-                      <a:gd name="connsiteX5" fmla="*/ 903515 w 925286"/>
-                      <a:gd name="connsiteY5" fmla="*/ 1240972 h 1261565"/>
-                    </a:gdLst>
-                    <a:ahLst/>
-                    <a:cxnLst>
-                      <a:cxn ang="0">
-                        <a:pos x="connsiteX0" y="connsiteY0"/>
-                      </a:cxn>
-                      <a:cxn ang="0">
-                        <a:pos x="connsiteX1" y="connsiteY1"/>
-                      </a:cxn>
-                      <a:cxn ang="0">
-                        <a:pos x="connsiteX2" y="connsiteY2"/>
-                      </a:cxn>
-                      <a:cxn ang="0">
-                        <a:pos x="connsiteX3" y="connsiteY3"/>
-                      </a:cxn>
-                      <a:cxn ang="0">
-                        <a:pos x="connsiteX4" y="connsiteY4"/>
-                      </a:cxn>
-                      <a:cxn ang="0">
-                        <a:pos x="connsiteX5" y="connsiteY5"/>
-                      </a:cxn>
-                    </a:cxnLst>
-                    <a:rect l="l" t="t" r="r" b="b"/>
-                    <a:pathLst>
-                      <a:path w="925286" h="1261565">
-                        <a:moveTo>
-                          <a:pt x="0" y="0"/>
-                        </a:moveTo>
-                        <a:cubicBezTo>
-                          <a:pt x="316593" y="79829"/>
-                          <a:pt x="633186" y="159658"/>
-                          <a:pt x="783772" y="359229"/>
-                        </a:cubicBezTo>
-                        <a:cubicBezTo>
-                          <a:pt x="934358" y="558800"/>
-                          <a:pt x="883558" y="1055915"/>
-                          <a:pt x="903515" y="1197429"/>
-                        </a:cubicBezTo>
-                        <a:cubicBezTo>
-                          <a:pt x="923472" y="1338943"/>
-                          <a:pt x="899887" y="1201058"/>
-                          <a:pt x="903515" y="1208315"/>
-                        </a:cubicBezTo>
-                        <a:cubicBezTo>
-                          <a:pt x="907144" y="1215572"/>
-                          <a:pt x="925286" y="1235529"/>
-                          <a:pt x="925286" y="1240972"/>
-                        </a:cubicBezTo>
-                        <a:cubicBezTo>
-                          <a:pt x="925286" y="1246415"/>
-                          <a:pt x="914400" y="1243693"/>
-                          <a:pt x="903515" y="1240972"/>
-                        </a:cubicBezTo>
-                      </a:path>
-                    </a:pathLst>
-                  </a:custGeom>
-                  <a:noFill/>
-                  <a:ln w="76200">
-                    <a:solidFill>
-                      <a:schemeClr val="tx1"/>
-                    </a:solidFill>
-                  </a:ln>
-                </p:spPr>
-                <p:style>
-                  <a:lnRef idx="2">
-                    <a:schemeClr val="accent1">
-                      <a:shade val="50000"/>
-                    </a:schemeClr>
-                  </a:lnRef>
-                  <a:fillRef idx="1">
-                    <a:schemeClr val="accent1"/>
-                  </a:fillRef>
-                  <a:effectRef idx="0">
-                    <a:schemeClr val="accent1"/>
-                  </a:effectRef>
-                  <a:fontRef idx="minor">
-                    <a:schemeClr val="lt1"/>
-                  </a:fontRef>
-                </p:style>
-                <p:txBody>
-                  <a:bodyPr rtlCol="0" anchor="ctr"/>
-                  <a:lstStyle/>
-                  <a:p>
-                    <a:pPr algn="ctr"/>
-                    <a:endParaRPr lang="pt-BR"/>
-                  </a:p>
-                </p:txBody>
-              </p:sp>
               <p:grpSp>
                 <p:nvGrpSpPr>
-                  <p:cNvPr id="43" name="Grupo 42"/>
+                  <p:cNvPr id="36" name="Grupo 35"/>
                   <p:cNvGrpSpPr/>
                   <p:nvPr/>
                 </p:nvGrpSpPr>
@@ -14436,115 +14208,603 @@
                   <a:xfrm>
                     <a:off x="2158781" y="1081116"/>
                     <a:ext cx="2011994" cy="3211980"/>
-                    <a:chOff x="2127751" y="1009108"/>
+                    <a:chOff x="2158781" y="1081116"/>
                     <a:chExt cx="2011994" cy="3211980"/>
                   </a:xfrm>
                 </p:grpSpPr>
+                <p:sp>
+                  <p:nvSpPr>
+                    <p:cNvPr id="41" name="Forma livre 40"/>
+                    <p:cNvSpPr/>
+                    <p:nvPr/>
+                  </p:nvSpPr>
+                  <p:spPr>
+                    <a:xfrm rot="707539" flipH="1">
+                      <a:off x="2632408" y="3593665"/>
+                      <a:ext cx="301431" cy="584688"/>
+                    </a:xfrm>
+                    <a:custGeom>
+                      <a:avLst/>
+                      <a:gdLst>
+                        <a:gd name="connsiteX0" fmla="*/ 0 w 925286"/>
+                        <a:gd name="connsiteY0" fmla="*/ 0 h 1261565"/>
+                        <a:gd name="connsiteX1" fmla="*/ 783772 w 925286"/>
+                        <a:gd name="connsiteY1" fmla="*/ 359229 h 1261565"/>
+                        <a:gd name="connsiteX2" fmla="*/ 903515 w 925286"/>
+                        <a:gd name="connsiteY2" fmla="*/ 1197429 h 1261565"/>
+                        <a:gd name="connsiteX3" fmla="*/ 903515 w 925286"/>
+                        <a:gd name="connsiteY3" fmla="*/ 1208315 h 1261565"/>
+                        <a:gd name="connsiteX4" fmla="*/ 925286 w 925286"/>
+                        <a:gd name="connsiteY4" fmla="*/ 1240972 h 1261565"/>
+                        <a:gd name="connsiteX5" fmla="*/ 903515 w 925286"/>
+                        <a:gd name="connsiteY5" fmla="*/ 1240972 h 1261565"/>
+                      </a:gdLst>
+                      <a:ahLst/>
+                      <a:cxnLst>
+                        <a:cxn ang="0">
+                          <a:pos x="connsiteX0" y="connsiteY0"/>
+                        </a:cxn>
+                        <a:cxn ang="0">
+                          <a:pos x="connsiteX1" y="connsiteY1"/>
+                        </a:cxn>
+                        <a:cxn ang="0">
+                          <a:pos x="connsiteX2" y="connsiteY2"/>
+                        </a:cxn>
+                        <a:cxn ang="0">
+                          <a:pos x="connsiteX3" y="connsiteY3"/>
+                        </a:cxn>
+                        <a:cxn ang="0">
+                          <a:pos x="connsiteX4" y="connsiteY4"/>
+                        </a:cxn>
+                        <a:cxn ang="0">
+                          <a:pos x="connsiteX5" y="connsiteY5"/>
+                        </a:cxn>
+                      </a:cxnLst>
+                      <a:rect l="l" t="t" r="r" b="b"/>
+                      <a:pathLst>
+                        <a:path w="925286" h="1261565">
+                          <a:moveTo>
+                            <a:pt x="0" y="0"/>
+                          </a:moveTo>
+                          <a:cubicBezTo>
+                            <a:pt x="316593" y="79829"/>
+                            <a:pt x="633186" y="159658"/>
+                            <a:pt x="783772" y="359229"/>
+                          </a:cubicBezTo>
+                          <a:cubicBezTo>
+                            <a:pt x="934358" y="558800"/>
+                            <a:pt x="883558" y="1055915"/>
+                            <a:pt x="903515" y="1197429"/>
+                          </a:cubicBezTo>
+                          <a:cubicBezTo>
+                            <a:pt x="923472" y="1338943"/>
+                            <a:pt x="899887" y="1201058"/>
+                            <a:pt x="903515" y="1208315"/>
+                          </a:cubicBezTo>
+                          <a:cubicBezTo>
+                            <a:pt x="907144" y="1215572"/>
+                            <a:pt x="925286" y="1235529"/>
+                            <a:pt x="925286" y="1240972"/>
+                          </a:cubicBezTo>
+                          <a:cubicBezTo>
+                            <a:pt x="925286" y="1246415"/>
+                            <a:pt x="914400" y="1243693"/>
+                            <a:pt x="903515" y="1240972"/>
+                          </a:cubicBezTo>
+                        </a:path>
+                      </a:pathLst>
+                    </a:custGeom>
+                    <a:noFill/>
+                    <a:ln w="76200">
+                      <a:solidFill>
+                        <a:schemeClr val="tx1"/>
+                      </a:solidFill>
+                    </a:ln>
+                  </p:spPr>
+                  <p:style>
+                    <a:lnRef idx="2">
+                      <a:schemeClr val="accent1">
+                        <a:shade val="50000"/>
+                      </a:schemeClr>
+                    </a:lnRef>
+                    <a:fillRef idx="1">
+                      <a:schemeClr val="accent1"/>
+                    </a:fillRef>
+                    <a:effectRef idx="0">
+                      <a:schemeClr val="accent1"/>
+                    </a:effectRef>
+                    <a:fontRef idx="minor">
+                      <a:schemeClr val="lt1"/>
+                    </a:fontRef>
+                  </p:style>
+                  <p:txBody>
+                    <a:bodyPr rtlCol="0" anchor="ctr"/>
+                    <a:lstStyle/>
+                    <a:p>
+                      <a:pPr algn="ctr"/>
+                      <a:endParaRPr lang="pt-BR"/>
+                    </a:p>
+                  </p:txBody>
+                </p:sp>
+                <p:sp>
+                  <p:nvSpPr>
+                    <p:cNvPr id="42" name="Forma livre 41"/>
+                    <p:cNvSpPr/>
+                    <p:nvPr/>
+                  </p:nvSpPr>
+                  <p:spPr>
+                    <a:xfrm>
+                      <a:off x="3378894" y="3423613"/>
+                      <a:ext cx="504056" cy="652063"/>
+                    </a:xfrm>
+                    <a:custGeom>
+                      <a:avLst/>
+                      <a:gdLst>
+                        <a:gd name="connsiteX0" fmla="*/ 0 w 925286"/>
+                        <a:gd name="connsiteY0" fmla="*/ 0 h 1261565"/>
+                        <a:gd name="connsiteX1" fmla="*/ 783772 w 925286"/>
+                        <a:gd name="connsiteY1" fmla="*/ 359229 h 1261565"/>
+                        <a:gd name="connsiteX2" fmla="*/ 903515 w 925286"/>
+                        <a:gd name="connsiteY2" fmla="*/ 1197429 h 1261565"/>
+                        <a:gd name="connsiteX3" fmla="*/ 903515 w 925286"/>
+                        <a:gd name="connsiteY3" fmla="*/ 1208315 h 1261565"/>
+                        <a:gd name="connsiteX4" fmla="*/ 925286 w 925286"/>
+                        <a:gd name="connsiteY4" fmla="*/ 1240972 h 1261565"/>
+                        <a:gd name="connsiteX5" fmla="*/ 903515 w 925286"/>
+                        <a:gd name="connsiteY5" fmla="*/ 1240972 h 1261565"/>
+                      </a:gdLst>
+                      <a:ahLst/>
+                      <a:cxnLst>
+                        <a:cxn ang="0">
+                          <a:pos x="connsiteX0" y="connsiteY0"/>
+                        </a:cxn>
+                        <a:cxn ang="0">
+                          <a:pos x="connsiteX1" y="connsiteY1"/>
+                        </a:cxn>
+                        <a:cxn ang="0">
+                          <a:pos x="connsiteX2" y="connsiteY2"/>
+                        </a:cxn>
+                        <a:cxn ang="0">
+                          <a:pos x="connsiteX3" y="connsiteY3"/>
+                        </a:cxn>
+                        <a:cxn ang="0">
+                          <a:pos x="connsiteX4" y="connsiteY4"/>
+                        </a:cxn>
+                        <a:cxn ang="0">
+                          <a:pos x="connsiteX5" y="connsiteY5"/>
+                        </a:cxn>
+                      </a:cxnLst>
+                      <a:rect l="l" t="t" r="r" b="b"/>
+                      <a:pathLst>
+                        <a:path w="925286" h="1261565">
+                          <a:moveTo>
+                            <a:pt x="0" y="0"/>
+                          </a:moveTo>
+                          <a:cubicBezTo>
+                            <a:pt x="316593" y="79829"/>
+                            <a:pt x="633186" y="159658"/>
+                            <a:pt x="783772" y="359229"/>
+                          </a:cubicBezTo>
+                          <a:cubicBezTo>
+                            <a:pt x="934358" y="558800"/>
+                            <a:pt x="883558" y="1055915"/>
+                            <a:pt x="903515" y="1197429"/>
+                          </a:cubicBezTo>
+                          <a:cubicBezTo>
+                            <a:pt x="923472" y="1338943"/>
+                            <a:pt x="899887" y="1201058"/>
+                            <a:pt x="903515" y="1208315"/>
+                          </a:cubicBezTo>
+                          <a:cubicBezTo>
+                            <a:pt x="907144" y="1215572"/>
+                            <a:pt x="925286" y="1235529"/>
+                            <a:pt x="925286" y="1240972"/>
+                          </a:cubicBezTo>
+                          <a:cubicBezTo>
+                            <a:pt x="925286" y="1246415"/>
+                            <a:pt x="914400" y="1243693"/>
+                            <a:pt x="903515" y="1240972"/>
+                          </a:cubicBezTo>
+                        </a:path>
+                      </a:pathLst>
+                    </a:custGeom>
+                    <a:noFill/>
+                    <a:ln w="76200">
+                      <a:solidFill>
+                        <a:schemeClr val="tx1"/>
+                      </a:solidFill>
+                    </a:ln>
+                  </p:spPr>
+                  <p:style>
+                    <a:lnRef idx="2">
+                      <a:schemeClr val="accent1">
+                        <a:shade val="50000"/>
+                      </a:schemeClr>
+                    </a:lnRef>
+                    <a:fillRef idx="1">
+                      <a:schemeClr val="accent1"/>
+                    </a:fillRef>
+                    <a:effectRef idx="0">
+                      <a:schemeClr val="accent1"/>
+                    </a:effectRef>
+                    <a:fontRef idx="minor">
+                      <a:schemeClr val="lt1"/>
+                    </a:fontRef>
+                  </p:style>
+                  <p:txBody>
+                    <a:bodyPr rtlCol="0" anchor="ctr"/>
+                    <a:lstStyle/>
+                    <a:p>
+                      <a:pPr algn="ctr"/>
+                      <a:endParaRPr lang="pt-BR"/>
+                    </a:p>
+                  </p:txBody>
+                </p:sp>
                 <p:grpSp>
                   <p:nvGrpSpPr>
-                    <p:cNvPr id="49" name="Grupo 48"/>
+                    <p:cNvPr id="43" name="Grupo 42"/>
                     <p:cNvGrpSpPr/>
                     <p:nvPr/>
                   </p:nvGrpSpPr>
                   <p:grpSpPr>
                     <a:xfrm>
-                      <a:off x="2127751" y="2565803"/>
-                      <a:ext cx="1724169" cy="1655285"/>
-                      <a:chOff x="5584135" y="909619"/>
-                      <a:chExt cx="1724169" cy="1655285"/>
+                      <a:off x="2158781" y="1081116"/>
+                      <a:ext cx="2011994" cy="3211980"/>
+                      <a:chOff x="2127751" y="1009108"/>
+                      <a:chExt cx="2011994" cy="3211980"/>
                     </a:xfrm>
                   </p:grpSpPr>
                   <p:grpSp>
                     <p:nvGrpSpPr>
-                      <p:cNvPr id="62" name="Grupo 61"/>
+                      <p:cNvPr id="49" name="Grupo 48"/>
                       <p:cNvGrpSpPr/>
                       <p:nvPr/>
                     </p:nvGrpSpPr>
                     <p:grpSpPr>
                       <a:xfrm>
-                        <a:off x="5584135" y="1052736"/>
-                        <a:ext cx="1724169" cy="1512168"/>
-                        <a:chOff x="5584135" y="1052736"/>
-                        <a:chExt cx="1724169" cy="1512168"/>
+                        <a:off x="2127751" y="2565803"/>
+                        <a:ext cx="1724169" cy="1655285"/>
+                        <a:chOff x="5584135" y="909619"/>
+                        <a:chExt cx="1724169" cy="1655285"/>
                       </a:xfrm>
                     </p:grpSpPr>
                     <p:grpSp>
                       <p:nvGrpSpPr>
-                        <p:cNvPr id="64" name="Grupo 63"/>
+                        <p:cNvPr id="62" name="Grupo 61"/>
                         <p:cNvGrpSpPr/>
                         <p:nvPr/>
                       </p:nvGrpSpPr>
                       <p:grpSpPr>
                         <a:xfrm>
-                          <a:off x="5800159" y="1052736"/>
-                          <a:ext cx="1508145" cy="1512168"/>
-                          <a:chOff x="5800159" y="1052736"/>
-                          <a:chExt cx="1508145" cy="1512168"/>
+                          <a:off x="5584135" y="1052736"/>
+                          <a:ext cx="1724169" cy="1512168"/>
+                          <a:chOff x="5584135" y="1052736"/>
+                          <a:chExt cx="1724169" cy="1512168"/>
                         </a:xfrm>
                       </p:grpSpPr>
+                      <p:grpSp>
+                        <p:nvGrpSpPr>
+                          <p:cNvPr id="64" name="Grupo 63"/>
+                          <p:cNvGrpSpPr/>
+                          <p:nvPr/>
+                        </p:nvGrpSpPr>
+                        <p:grpSpPr>
+                          <a:xfrm>
+                            <a:off x="5800159" y="1052736"/>
+                            <a:ext cx="1508145" cy="1512168"/>
+                            <a:chOff x="5800159" y="1052736"/>
+                            <a:chExt cx="1508145" cy="1512168"/>
+                          </a:xfrm>
+                        </p:grpSpPr>
+                        <p:sp>
+                          <p:nvSpPr>
+                            <p:cNvPr id="66" name="Elipse 65"/>
+                            <p:cNvSpPr/>
+                            <p:nvPr/>
+                          </p:nvSpPr>
+                          <p:spPr>
+                            <a:xfrm>
+                              <a:off x="6084168" y="1052736"/>
+                              <a:ext cx="1224136" cy="1224136"/>
+                            </a:xfrm>
+                            <a:prstGeom prst="ellipse">
+                              <a:avLst/>
+                            </a:prstGeom>
+                            <a:solidFill>
+                              <a:srgbClr val="3F2121"/>
+                            </a:solidFill>
+                            <a:ln>
+                              <a:solidFill>
+                                <a:srgbClr val="3F2121"/>
+                              </a:solidFill>
+                            </a:ln>
+                          </p:spPr>
+                          <p:style>
+                            <a:lnRef idx="2">
+                              <a:schemeClr val="accent1">
+                                <a:shade val="50000"/>
+                              </a:schemeClr>
+                            </a:lnRef>
+                            <a:fillRef idx="1">
+                              <a:schemeClr val="accent1"/>
+                            </a:fillRef>
+                            <a:effectRef idx="0">
+                              <a:schemeClr val="accent1"/>
+                            </a:effectRef>
+                            <a:fontRef idx="minor">
+                              <a:schemeClr val="lt1"/>
+                            </a:fontRef>
+                          </p:style>
+                          <p:txBody>
+                            <a:bodyPr rtlCol="0" anchor="ctr"/>
+                            <a:lstStyle/>
+                            <a:p>
+                              <a:pPr algn="ctr"/>
+                              <a:endParaRPr lang="pt-BR"/>
+                            </a:p>
+                          </p:txBody>
+                        </p:sp>
+                        <p:sp>
+                          <p:nvSpPr>
+                            <p:cNvPr id="67" name="Arco 66"/>
+                            <p:cNvSpPr/>
+                            <p:nvPr/>
+                          </p:nvSpPr>
+                          <p:spPr>
+                            <a:xfrm>
+                              <a:off x="5868144" y="1268760"/>
+                              <a:ext cx="864096" cy="1296144"/>
+                            </a:xfrm>
+                            <a:prstGeom prst="arc">
+                              <a:avLst>
+                                <a:gd name="adj1" fmla="val 15854703"/>
+                                <a:gd name="adj2" fmla="val 2674430"/>
+                              </a:avLst>
+                            </a:prstGeom>
+                            <a:ln w="38100">
+                              <a:solidFill>
+                                <a:schemeClr val="tx1">
+                                  <a:lumMod val="95000"/>
+                                  <a:lumOff val="5000"/>
+                                </a:schemeClr>
+                              </a:solidFill>
+                            </a:ln>
+                          </p:spPr>
+                          <p:style>
+                            <a:lnRef idx="1">
+                              <a:schemeClr val="accent1"/>
+                            </a:lnRef>
+                            <a:fillRef idx="0">
+                              <a:schemeClr val="accent1"/>
+                            </a:fillRef>
+                            <a:effectRef idx="0">
+                              <a:schemeClr val="accent1"/>
+                            </a:effectRef>
+                            <a:fontRef idx="minor">
+                              <a:schemeClr val="tx1"/>
+                            </a:fontRef>
+                          </p:style>
+                          <p:txBody>
+                            <a:bodyPr rtlCol="0" anchor="ctr"/>
+                            <a:lstStyle/>
+                            <a:p>
+                              <a:pPr algn="ctr"/>
+                              <a:endParaRPr lang="pt-BR"/>
+                            </a:p>
+                          </p:txBody>
+                        </p:sp>
+                        <p:sp>
+                          <p:nvSpPr>
+                            <p:cNvPr id="68" name="Arco 67"/>
+                            <p:cNvSpPr/>
+                            <p:nvPr/>
+                          </p:nvSpPr>
+                          <p:spPr>
+                            <a:xfrm>
+                              <a:off x="6012160" y="1124744"/>
+                              <a:ext cx="864096" cy="1296144"/>
+                            </a:xfrm>
+                            <a:prstGeom prst="arc">
+                              <a:avLst>
+                                <a:gd name="adj1" fmla="val 15854703"/>
+                                <a:gd name="adj2" fmla="val 3679462"/>
+                              </a:avLst>
+                            </a:prstGeom>
+                            <a:ln w="38100">
+                              <a:solidFill>
+                                <a:schemeClr val="tx1">
+                                  <a:lumMod val="95000"/>
+                                  <a:lumOff val="5000"/>
+                                </a:schemeClr>
+                              </a:solidFill>
+                            </a:ln>
+                          </p:spPr>
+                          <p:style>
+                            <a:lnRef idx="1">
+                              <a:schemeClr val="accent1"/>
+                            </a:lnRef>
+                            <a:fillRef idx="0">
+                              <a:schemeClr val="accent1"/>
+                            </a:fillRef>
+                            <a:effectRef idx="0">
+                              <a:schemeClr val="accent1"/>
+                            </a:effectRef>
+                            <a:fontRef idx="minor">
+                              <a:schemeClr val="tx1"/>
+                            </a:fontRef>
+                          </p:style>
+                          <p:txBody>
+                            <a:bodyPr rtlCol="0" anchor="ctr"/>
+                            <a:lstStyle/>
+                            <a:p>
+                              <a:pPr algn="ctr"/>
+                              <a:endParaRPr lang="pt-BR"/>
+                            </a:p>
+                          </p:txBody>
+                        </p:sp>
+                        <p:sp>
+                          <p:nvSpPr>
+                            <p:cNvPr id="69" name="Arco 68"/>
+                            <p:cNvSpPr/>
+                            <p:nvPr/>
+                          </p:nvSpPr>
+                          <p:spPr>
+                            <a:xfrm>
+                              <a:off x="6183137" y="1071168"/>
+                              <a:ext cx="864096" cy="1296144"/>
+                            </a:xfrm>
+                            <a:prstGeom prst="arc">
+                              <a:avLst>
+                                <a:gd name="adj1" fmla="val 15854703"/>
+                                <a:gd name="adj2" fmla="val 3863067"/>
+                              </a:avLst>
+                            </a:prstGeom>
+                            <a:ln w="28575">
+                              <a:solidFill>
+                                <a:schemeClr val="tx1">
+                                  <a:lumMod val="95000"/>
+                                  <a:lumOff val="5000"/>
+                                </a:schemeClr>
+                              </a:solidFill>
+                            </a:ln>
+                          </p:spPr>
+                          <p:style>
+                            <a:lnRef idx="1">
+                              <a:schemeClr val="accent1"/>
+                            </a:lnRef>
+                            <a:fillRef idx="0">
+                              <a:schemeClr val="accent1"/>
+                            </a:fillRef>
+                            <a:effectRef idx="0">
+                              <a:schemeClr val="accent1"/>
+                            </a:effectRef>
+                            <a:fontRef idx="minor">
+                              <a:schemeClr val="tx1"/>
+                            </a:fontRef>
+                          </p:style>
+                          <p:txBody>
+                            <a:bodyPr rtlCol="0" anchor="ctr"/>
+                            <a:lstStyle/>
+                            <a:p>
+                              <a:pPr algn="ctr"/>
+                              <a:endParaRPr lang="pt-BR"/>
+                            </a:p>
+                          </p:txBody>
+                        </p:sp>
+                        <p:sp>
+                          <p:nvSpPr>
+                            <p:cNvPr id="70" name="Arco 69"/>
+                            <p:cNvSpPr/>
+                            <p:nvPr/>
+                          </p:nvSpPr>
+                          <p:spPr>
+                            <a:xfrm>
+                              <a:off x="5800159" y="1628800"/>
+                              <a:ext cx="644049" cy="936104"/>
+                            </a:xfrm>
+                            <a:prstGeom prst="arc">
+                              <a:avLst>
+                                <a:gd name="adj1" fmla="val 15888315"/>
+                                <a:gd name="adj2" fmla="val 1229499"/>
+                              </a:avLst>
+                            </a:prstGeom>
+                            <a:ln w="28575">
+                              <a:solidFill>
+                                <a:schemeClr val="tx1">
+                                  <a:lumMod val="95000"/>
+                                  <a:lumOff val="5000"/>
+                                </a:schemeClr>
+                              </a:solidFill>
+                            </a:ln>
+                          </p:spPr>
+                          <p:style>
+                            <a:lnRef idx="1">
+                              <a:schemeClr val="accent1"/>
+                            </a:lnRef>
+                            <a:fillRef idx="0">
+                              <a:schemeClr val="accent1"/>
+                            </a:fillRef>
+                            <a:effectRef idx="0">
+                              <a:schemeClr val="accent1"/>
+                            </a:effectRef>
+                            <a:fontRef idx="minor">
+                              <a:schemeClr val="tx1"/>
+                            </a:fontRef>
+                          </p:style>
+                          <p:txBody>
+                            <a:bodyPr rtlCol="0" anchor="ctr"/>
+                            <a:lstStyle/>
+                            <a:p>
+                              <a:pPr algn="ctr"/>
+                              <a:endParaRPr lang="pt-BR"/>
+                            </a:p>
+                          </p:txBody>
+                        </p:sp>
+                        <p:sp>
+                          <p:nvSpPr>
+                            <p:cNvPr id="71" name="Arco 70"/>
+                            <p:cNvSpPr/>
+                            <p:nvPr/>
+                          </p:nvSpPr>
+                          <p:spPr>
+                            <a:xfrm>
+                              <a:off x="5907562" y="1825078"/>
+                              <a:ext cx="464638" cy="667818"/>
+                            </a:xfrm>
+                            <a:prstGeom prst="arc">
+                              <a:avLst>
+                                <a:gd name="adj1" fmla="val 15836829"/>
+                                <a:gd name="adj2" fmla="val 330886"/>
+                              </a:avLst>
+                            </a:prstGeom>
+                            <a:ln w="28575">
+                              <a:solidFill>
+                                <a:schemeClr val="tx1">
+                                  <a:lumMod val="95000"/>
+                                  <a:lumOff val="5000"/>
+                                </a:schemeClr>
+                              </a:solidFill>
+                            </a:ln>
+                          </p:spPr>
+                          <p:style>
+                            <a:lnRef idx="1">
+                              <a:schemeClr val="accent1"/>
+                            </a:lnRef>
+                            <a:fillRef idx="0">
+                              <a:schemeClr val="accent1"/>
+                            </a:fillRef>
+                            <a:effectRef idx="0">
+                              <a:schemeClr val="accent1"/>
+                            </a:effectRef>
+                            <a:fontRef idx="minor">
+                              <a:schemeClr val="tx1"/>
+                            </a:fontRef>
+                          </p:style>
+                          <p:txBody>
+                            <a:bodyPr rtlCol="0" anchor="ctr"/>
+                            <a:lstStyle/>
+                            <a:p>
+                              <a:pPr algn="ctr"/>
+                              <a:endParaRPr lang="pt-BR"/>
+                            </a:p>
+                          </p:txBody>
+                        </p:sp>
+                      </p:grpSp>
                       <p:sp>
                         <p:nvSpPr>
-                          <p:cNvPr id="66" name="Elipse 65"/>
+                          <p:cNvPr id="65" name="Arco 64"/>
                           <p:cNvSpPr/>
                           <p:nvPr/>
                         </p:nvSpPr>
                         <p:spPr>
                           <a:xfrm>
-                            <a:off x="6084168" y="1052736"/>
-                            <a:ext cx="1224136" cy="1224136"/>
-                          </a:xfrm>
-                          <a:prstGeom prst="ellipse">
-                            <a:avLst/>
-                          </a:prstGeom>
-                          <a:solidFill>
-                            <a:srgbClr val="3F2121"/>
-                          </a:solidFill>
-                          <a:ln>
-                            <a:solidFill>
-                              <a:srgbClr val="3F2121"/>
-                            </a:solidFill>
-                          </a:ln>
-                        </p:spPr>
-                        <p:style>
-                          <a:lnRef idx="2">
-                            <a:schemeClr val="accent1">
-                              <a:shade val="50000"/>
-                            </a:schemeClr>
-                          </a:lnRef>
-                          <a:fillRef idx="1">
-                            <a:schemeClr val="accent1"/>
-                          </a:fillRef>
-                          <a:effectRef idx="0">
-                            <a:schemeClr val="accent1"/>
-                          </a:effectRef>
-                          <a:fontRef idx="minor">
-                            <a:schemeClr val="lt1"/>
-                          </a:fontRef>
-                        </p:style>
-                        <p:txBody>
-                          <a:bodyPr rtlCol="0" anchor="ctr"/>
-                          <a:lstStyle/>
-                          <a:p>
-                            <a:pPr algn="ctr"/>
-                            <a:endParaRPr lang="pt-BR"/>
-                          </a:p>
-                        </p:txBody>
-                      </p:sp>
-                      <p:sp>
-                        <p:nvSpPr>
-                          <p:cNvPr id="67" name="Arco 66"/>
-                          <p:cNvSpPr/>
-                          <p:nvPr/>
-                        </p:nvSpPr>
-                        <p:spPr>
-                          <a:xfrm>
-                            <a:off x="5868144" y="1268760"/>
-                            <a:ext cx="864096" cy="1296144"/>
+                            <a:off x="5584135" y="1412776"/>
+                            <a:ext cx="1004089" cy="1080120"/>
                           </a:xfrm>
                           <a:prstGeom prst="arc">
                             <a:avLst>
-                              <a:gd name="adj1" fmla="val 15854703"/>
-                              <a:gd name="adj2" fmla="val 2674430"/>
+                              <a:gd name="adj1" fmla="val 16552352"/>
+                              <a:gd name="adj2" fmla="val 2166314"/>
                             </a:avLst>
                           </a:prstGeom>
                           <a:ln w="38100">
@@ -14579,221 +14839,25 @@
                           </a:p>
                         </p:txBody>
                       </p:sp>
-                      <p:sp>
-                        <p:nvSpPr>
-                          <p:cNvPr id="68" name="Arco 67"/>
-                          <p:cNvSpPr/>
-                          <p:nvPr/>
-                        </p:nvSpPr>
-                        <p:spPr>
-                          <a:xfrm>
-                            <a:off x="6012160" y="1124744"/>
-                            <a:ext cx="864096" cy="1296144"/>
-                          </a:xfrm>
-                          <a:prstGeom prst="arc">
-                            <a:avLst>
-                              <a:gd name="adj1" fmla="val 15854703"/>
-                              <a:gd name="adj2" fmla="val 3679462"/>
-                            </a:avLst>
-                          </a:prstGeom>
-                          <a:ln w="38100">
-                            <a:solidFill>
-                              <a:schemeClr val="tx1">
-                                <a:lumMod val="95000"/>
-                                <a:lumOff val="5000"/>
-                              </a:schemeClr>
-                            </a:solidFill>
-                          </a:ln>
-                        </p:spPr>
-                        <p:style>
-                          <a:lnRef idx="1">
-                            <a:schemeClr val="accent1"/>
-                          </a:lnRef>
-                          <a:fillRef idx="0">
-                            <a:schemeClr val="accent1"/>
-                          </a:fillRef>
-                          <a:effectRef idx="0">
-                            <a:schemeClr val="accent1"/>
-                          </a:effectRef>
-                          <a:fontRef idx="minor">
-                            <a:schemeClr val="tx1"/>
-                          </a:fontRef>
-                        </p:style>
-                        <p:txBody>
-                          <a:bodyPr rtlCol="0" anchor="ctr"/>
-                          <a:lstStyle/>
-                          <a:p>
-                            <a:pPr algn="ctr"/>
-                            <a:endParaRPr lang="pt-BR"/>
-                          </a:p>
-                        </p:txBody>
-                      </p:sp>
-                      <p:sp>
-                        <p:nvSpPr>
-                          <p:cNvPr id="69" name="Arco 68"/>
-                          <p:cNvSpPr/>
-                          <p:nvPr/>
-                        </p:nvSpPr>
-                        <p:spPr>
-                          <a:xfrm>
-                            <a:off x="6183137" y="1071168"/>
-                            <a:ext cx="864096" cy="1296144"/>
-                          </a:xfrm>
-                          <a:prstGeom prst="arc">
-                            <a:avLst>
-                              <a:gd name="adj1" fmla="val 15854703"/>
-                              <a:gd name="adj2" fmla="val 3863067"/>
-                            </a:avLst>
-                          </a:prstGeom>
-                          <a:ln w="28575">
-                            <a:solidFill>
-                              <a:schemeClr val="tx1">
-                                <a:lumMod val="95000"/>
-                                <a:lumOff val="5000"/>
-                              </a:schemeClr>
-                            </a:solidFill>
-                          </a:ln>
-                        </p:spPr>
-                        <p:style>
-                          <a:lnRef idx="1">
-                            <a:schemeClr val="accent1"/>
-                          </a:lnRef>
-                          <a:fillRef idx="0">
-                            <a:schemeClr val="accent1"/>
-                          </a:fillRef>
-                          <a:effectRef idx="0">
-                            <a:schemeClr val="accent1"/>
-                          </a:effectRef>
-                          <a:fontRef idx="minor">
-                            <a:schemeClr val="tx1"/>
-                          </a:fontRef>
-                        </p:style>
-                        <p:txBody>
-                          <a:bodyPr rtlCol="0" anchor="ctr"/>
-                          <a:lstStyle/>
-                          <a:p>
-                            <a:pPr algn="ctr"/>
-                            <a:endParaRPr lang="pt-BR"/>
-                          </a:p>
-                        </p:txBody>
-                      </p:sp>
-                      <p:sp>
-                        <p:nvSpPr>
-                          <p:cNvPr id="70" name="Arco 69"/>
-                          <p:cNvSpPr/>
-                          <p:nvPr/>
-                        </p:nvSpPr>
-                        <p:spPr>
-                          <a:xfrm>
-                            <a:off x="5800159" y="1628800"/>
-                            <a:ext cx="644049" cy="936104"/>
-                          </a:xfrm>
-                          <a:prstGeom prst="arc">
-                            <a:avLst>
-                              <a:gd name="adj1" fmla="val 15888315"/>
-                              <a:gd name="adj2" fmla="val 1229499"/>
-                            </a:avLst>
-                          </a:prstGeom>
-                          <a:ln w="28575">
-                            <a:solidFill>
-                              <a:schemeClr val="tx1">
-                                <a:lumMod val="95000"/>
-                                <a:lumOff val="5000"/>
-                              </a:schemeClr>
-                            </a:solidFill>
-                          </a:ln>
-                        </p:spPr>
-                        <p:style>
-                          <a:lnRef idx="1">
-                            <a:schemeClr val="accent1"/>
-                          </a:lnRef>
-                          <a:fillRef idx="0">
-                            <a:schemeClr val="accent1"/>
-                          </a:fillRef>
-                          <a:effectRef idx="0">
-                            <a:schemeClr val="accent1"/>
-                          </a:effectRef>
-                          <a:fontRef idx="minor">
-                            <a:schemeClr val="tx1"/>
-                          </a:fontRef>
-                        </p:style>
-                        <p:txBody>
-                          <a:bodyPr rtlCol="0" anchor="ctr"/>
-                          <a:lstStyle/>
-                          <a:p>
-                            <a:pPr algn="ctr"/>
-                            <a:endParaRPr lang="pt-BR"/>
-                          </a:p>
-                        </p:txBody>
-                      </p:sp>
-                      <p:sp>
-                        <p:nvSpPr>
-                          <p:cNvPr id="71" name="Arco 70"/>
-                          <p:cNvSpPr/>
-                          <p:nvPr/>
-                        </p:nvSpPr>
-                        <p:spPr>
-                          <a:xfrm>
-                            <a:off x="5907562" y="1825078"/>
-                            <a:ext cx="464638" cy="667818"/>
-                          </a:xfrm>
-                          <a:prstGeom prst="arc">
-                            <a:avLst>
-                              <a:gd name="adj1" fmla="val 15836829"/>
-                              <a:gd name="adj2" fmla="val 330886"/>
-                            </a:avLst>
-                          </a:prstGeom>
-                          <a:ln w="28575">
-                            <a:solidFill>
-                              <a:schemeClr val="tx1">
-                                <a:lumMod val="95000"/>
-                                <a:lumOff val="5000"/>
-                              </a:schemeClr>
-                            </a:solidFill>
-                          </a:ln>
-                        </p:spPr>
-                        <p:style>
-                          <a:lnRef idx="1">
-                            <a:schemeClr val="accent1"/>
-                          </a:lnRef>
-                          <a:fillRef idx="0">
-                            <a:schemeClr val="accent1"/>
-                          </a:fillRef>
-                          <a:effectRef idx="0">
-                            <a:schemeClr val="accent1"/>
-                          </a:effectRef>
-                          <a:fontRef idx="minor">
-                            <a:schemeClr val="tx1"/>
-                          </a:fontRef>
-                        </p:style>
-                        <p:txBody>
-                          <a:bodyPr rtlCol="0" anchor="ctr"/>
-                          <a:lstStyle/>
-                          <a:p>
-                            <a:pPr algn="ctr"/>
-                            <a:endParaRPr lang="pt-BR"/>
-                          </a:p>
-                        </p:txBody>
-                      </p:sp>
                     </p:grpSp>
                     <p:sp>
                       <p:nvSpPr>
-                        <p:cNvPr id="65" name="Arco 64"/>
+                        <p:cNvPr id="63" name="Arco 62"/>
                         <p:cNvSpPr/>
                         <p:nvPr/>
                       </p:nvSpPr>
                       <p:spPr>
-                        <a:xfrm>
-                          <a:off x="5584135" y="1412776"/>
-                          <a:ext cx="1004089" cy="1080120"/>
+                        <a:xfrm rot="2525959">
+                          <a:off x="5693025" y="909619"/>
+                          <a:ext cx="1512168" cy="1493736"/>
                         </a:xfrm>
                         <a:prstGeom prst="arc">
                           <a:avLst>
-                            <a:gd name="adj1" fmla="val 16552352"/>
-                            <a:gd name="adj2" fmla="val 2166314"/>
+                            <a:gd name="adj1" fmla="val 16335632"/>
+                            <a:gd name="adj2" fmla="val 322101"/>
                           </a:avLst>
                         </a:prstGeom>
-                        <a:ln w="38100">
+                        <a:ln w="28575">
                           <a:solidFill>
                             <a:schemeClr val="tx1">
                               <a:lumMod val="95000"/>
@@ -14828,22 +14892,19 @@
                   </p:grpSp>
                   <p:sp>
                     <p:nvSpPr>
-                      <p:cNvPr id="63" name="Arco 62"/>
+                      <p:cNvPr id="50" name="Arco 49"/>
                       <p:cNvSpPr/>
                       <p:nvPr/>
                     </p:nvSpPr>
                     <p:spPr>
-                      <a:xfrm rot="2525959">
-                        <a:off x="5693025" y="909619"/>
-                        <a:ext cx="1512168" cy="1493736"/>
+                      <a:xfrm>
+                        <a:off x="2540261" y="1009108"/>
+                        <a:ext cx="576064" cy="648072"/>
                       </a:xfrm>
                       <a:prstGeom prst="arc">
-                        <a:avLst>
-                          <a:gd name="adj1" fmla="val 16335632"/>
-                          <a:gd name="adj2" fmla="val 322101"/>
-                        </a:avLst>
+                        <a:avLst/>
                       </a:prstGeom>
-                      <a:ln w="28575">
+                      <a:ln w="38100">
                         <a:solidFill>
                           <a:schemeClr val="tx1">
                             <a:lumMod val="95000"/>
@@ -14875,243 +14936,76 @@
                       </a:p>
                     </p:txBody>
                   </p:sp>
-                </p:grpSp>
-                <p:sp>
-                  <p:nvSpPr>
-                    <p:cNvPr id="50" name="Arco 49"/>
-                    <p:cNvSpPr/>
-                    <p:nvPr/>
-                  </p:nvSpPr>
-                  <p:spPr>
-                    <a:xfrm>
-                      <a:off x="2540261" y="1009108"/>
-                      <a:ext cx="576064" cy="648072"/>
-                    </a:xfrm>
-                    <a:prstGeom prst="arc">
-                      <a:avLst/>
-                    </a:prstGeom>
-                    <a:ln w="38100">
-                      <a:solidFill>
-                        <a:schemeClr val="tx1">
-                          <a:lumMod val="95000"/>
-                          <a:lumOff val="5000"/>
-                        </a:schemeClr>
-                      </a:solidFill>
-                    </a:ln>
-                  </p:spPr>
-                  <p:style>
-                    <a:lnRef idx="1">
-                      <a:schemeClr val="accent1"/>
-                    </a:lnRef>
-                    <a:fillRef idx="0">
-                      <a:schemeClr val="accent1"/>
-                    </a:fillRef>
-                    <a:effectRef idx="0">
-                      <a:schemeClr val="accent1"/>
-                    </a:effectRef>
-                    <a:fontRef idx="minor">
-                      <a:schemeClr val="tx1"/>
-                    </a:fontRef>
-                  </p:style>
-                  <p:txBody>
-                    <a:bodyPr rtlCol="0" anchor="ctr"/>
-                    <a:lstStyle/>
-                    <a:p>
-                      <a:pPr algn="ctr"/>
-                      <a:endParaRPr lang="pt-BR"/>
-                    </a:p>
-                  </p:txBody>
-                </p:sp>
-                <p:sp>
-                  <p:nvSpPr>
-                    <p:cNvPr id="51" name="Arco 50"/>
-                    <p:cNvSpPr/>
-                    <p:nvPr/>
-                  </p:nvSpPr>
-                  <p:spPr>
-                    <a:xfrm rot="16391247">
-                      <a:off x="3527677" y="1091640"/>
-                      <a:ext cx="576064" cy="648072"/>
-                    </a:xfrm>
-                    <a:prstGeom prst="arc">
-                      <a:avLst/>
-                    </a:prstGeom>
-                    <a:ln w="38100">
-                      <a:solidFill>
-                        <a:schemeClr val="tx1">
-                          <a:lumMod val="95000"/>
-                          <a:lumOff val="5000"/>
-                        </a:schemeClr>
-                      </a:solidFill>
-                    </a:ln>
-                  </p:spPr>
-                  <p:style>
-                    <a:lnRef idx="1">
-                      <a:schemeClr val="accent1"/>
-                    </a:lnRef>
-                    <a:fillRef idx="0">
-                      <a:schemeClr val="accent1"/>
-                    </a:fillRef>
-                    <a:effectRef idx="0">
-                      <a:schemeClr val="accent1"/>
-                    </a:effectRef>
-                    <a:fontRef idx="minor">
-                      <a:schemeClr val="tx1"/>
-                    </a:fontRef>
-                  </p:style>
-                  <p:txBody>
-                    <a:bodyPr rtlCol="0" anchor="ctr"/>
-                    <a:lstStyle/>
-                    <a:p>
-                      <a:pPr algn="ctr"/>
-                      <a:endParaRPr lang="pt-BR"/>
-                    </a:p>
-                  </p:txBody>
-                </p:sp>
-                <p:sp>
-                  <p:nvSpPr>
-                    <p:cNvPr id="52" name="Elipse 51"/>
-                    <p:cNvSpPr/>
-                    <p:nvPr/>
-                  </p:nvSpPr>
-                  <p:spPr>
-                    <a:xfrm>
-                      <a:off x="2792689" y="2058608"/>
-                      <a:ext cx="945441" cy="899435"/>
-                    </a:xfrm>
-                    <a:prstGeom prst="ellipse">
-                      <a:avLst/>
-                    </a:prstGeom>
-                    <a:solidFill>
-                      <a:schemeClr val="accent2">
-                        <a:lumMod val="50000"/>
-                      </a:schemeClr>
-                    </a:solidFill>
-                    <a:ln>
+                  <p:sp>
+                    <p:nvSpPr>
+                      <p:cNvPr id="51" name="Arco 50"/>
+                      <p:cNvSpPr/>
+                      <p:nvPr/>
+                    </p:nvSpPr>
+                    <p:spPr>
+                      <a:xfrm rot="16391247">
+                        <a:off x="3527677" y="1091640"/>
+                        <a:ext cx="576064" cy="648072"/>
+                      </a:xfrm>
+                      <a:prstGeom prst="arc">
+                        <a:avLst/>
+                      </a:prstGeom>
+                      <a:ln w="38100">
+                        <a:solidFill>
+                          <a:schemeClr val="tx1">
+                            <a:lumMod val="95000"/>
+                            <a:lumOff val="5000"/>
+                          </a:schemeClr>
+                        </a:solidFill>
+                      </a:ln>
+                    </p:spPr>
+                    <p:style>
+                      <a:lnRef idx="1">
+                        <a:schemeClr val="accent1"/>
+                      </a:lnRef>
+                      <a:fillRef idx="0">
+                        <a:schemeClr val="accent1"/>
+                      </a:fillRef>
+                      <a:effectRef idx="0">
+                        <a:schemeClr val="accent1"/>
+                      </a:effectRef>
+                      <a:fontRef idx="minor">
+                        <a:schemeClr val="tx1"/>
+                      </a:fontRef>
+                    </p:style>
+                    <p:txBody>
+                      <a:bodyPr rtlCol="0" anchor="ctr"/>
+                      <a:lstStyle/>
+                      <a:p>
+                        <a:pPr algn="ctr"/>
+                        <a:endParaRPr lang="pt-BR"/>
+                      </a:p>
+                    </p:txBody>
+                  </p:sp>
+                  <p:sp>
+                    <p:nvSpPr>
+                      <p:cNvPr id="52" name="Elipse 51"/>
+                      <p:cNvSpPr/>
+                      <p:nvPr/>
+                    </p:nvSpPr>
+                    <p:spPr>
+                      <a:xfrm>
+                        <a:off x="2792689" y="2058608"/>
+                        <a:ext cx="945441" cy="899435"/>
+                      </a:xfrm>
+                      <a:prstGeom prst="ellipse">
+                        <a:avLst/>
+                      </a:prstGeom>
                       <a:solidFill>
                         <a:schemeClr val="accent2">
                           <a:lumMod val="50000"/>
                         </a:schemeClr>
                       </a:solidFill>
-                    </a:ln>
-                  </p:spPr>
-                  <p:style>
-                    <a:lnRef idx="2">
-                      <a:schemeClr val="accent1">
-                        <a:shade val="50000"/>
-                      </a:schemeClr>
-                    </a:lnRef>
-                    <a:fillRef idx="1">
-                      <a:schemeClr val="accent1"/>
-                    </a:fillRef>
-                    <a:effectRef idx="0">
-                      <a:schemeClr val="accent1"/>
-                    </a:effectRef>
-                    <a:fontRef idx="minor">
-                      <a:schemeClr val="lt1"/>
-                    </a:fontRef>
-                  </p:style>
-                  <p:txBody>
-                    <a:bodyPr rtlCol="0" anchor="ctr"/>
-                    <a:lstStyle/>
-                    <a:p>
-                      <a:pPr algn="ctr"/>
-                      <a:endParaRPr lang="pt-BR">
+                      <a:ln>
                         <a:solidFill>
-                          <a:schemeClr val="accent6">
+                          <a:schemeClr val="accent2">
                             <a:lumMod val="50000"/>
                           </a:schemeClr>
-                        </a:solidFill>
-                      </a:endParaRPr>
-                    </a:p>
-                  </p:txBody>
-                </p:sp>
-                <p:sp>
-                  <p:nvSpPr>
-                    <p:cNvPr id="53" name="Elipse 52"/>
-                    <p:cNvSpPr/>
-                    <p:nvPr/>
-                  </p:nvSpPr>
-                  <p:spPr>
-                    <a:xfrm>
-                      <a:off x="2846203" y="1261286"/>
-                      <a:ext cx="864096" cy="864096"/>
-                    </a:xfrm>
-                    <a:prstGeom prst="ellipse">
-                      <a:avLst/>
-                    </a:prstGeom>
-                    <a:solidFill>
-                      <a:schemeClr val="accent2">
-                        <a:lumMod val="50000"/>
-                      </a:schemeClr>
-                    </a:solidFill>
-                    <a:ln>
-                      <a:solidFill>
-                        <a:schemeClr val="accent2">
-                          <a:lumMod val="50000"/>
-                        </a:schemeClr>
-                      </a:solidFill>
-                    </a:ln>
-                  </p:spPr>
-                  <p:style>
-                    <a:lnRef idx="2">
-                      <a:schemeClr val="accent1">
-                        <a:shade val="50000"/>
-                      </a:schemeClr>
-                    </a:lnRef>
-                    <a:fillRef idx="1">
-                      <a:schemeClr val="accent1"/>
-                    </a:fillRef>
-                    <a:effectRef idx="0">
-                      <a:schemeClr val="accent1"/>
-                    </a:effectRef>
-                    <a:fontRef idx="minor">
-                      <a:schemeClr val="lt1"/>
-                    </a:fontRef>
-                  </p:style>
-                  <p:txBody>
-                    <a:bodyPr rtlCol="0" anchor="ctr"/>
-                    <a:lstStyle/>
-                    <a:p>
-                      <a:pPr algn="ctr"/>
-                      <a:endParaRPr lang="pt-BR"/>
-                    </a:p>
-                  </p:txBody>
-                </p:sp>
-                <p:grpSp>
-                  <p:nvGrpSpPr>
-                    <p:cNvPr id="54" name="Grupo 53"/>
-                    <p:cNvGrpSpPr/>
-                    <p:nvPr/>
-                  </p:nvGrpSpPr>
-                  <p:grpSpPr>
-                    <a:xfrm>
-                      <a:off x="3319416" y="1449639"/>
-                      <a:ext cx="240027" cy="288032"/>
-                      <a:chOff x="2783494" y="-133640"/>
-                      <a:chExt cx="1080120" cy="1044116"/>
-                    </a:xfrm>
-                  </p:grpSpPr>
-                  <p:sp>
-                    <p:nvSpPr>
-                      <p:cNvPr id="59" name="Elipse 58"/>
-                      <p:cNvSpPr/>
-                      <p:nvPr/>
-                    </p:nvSpPr>
-                    <p:spPr>
-                      <a:xfrm>
-                        <a:off x="2783494" y="-133640"/>
-                        <a:ext cx="1080120" cy="1044116"/>
-                      </a:xfrm>
-                      <a:prstGeom prst="ellipse">
-                        <a:avLst/>
-                      </a:prstGeom>
-                      <a:solidFill>
-                        <a:schemeClr val="bg1"/>
-                      </a:solidFill>
-                      <a:ln>
-                        <a:solidFill>
-                          <a:schemeClr val="bg1"/>
                         </a:solidFill>
                       </a:ln>
                     </p:spPr>
@@ -15136,35 +15030,39 @@
                       <a:lstStyle/>
                       <a:p>
                         <a:pPr algn="ctr"/>
-                        <a:endParaRPr lang="pt-BR"/>
+                        <a:endParaRPr lang="pt-BR">
+                          <a:solidFill>
+                            <a:schemeClr val="accent6">
+                              <a:lumMod val="50000"/>
+                            </a:schemeClr>
+                          </a:solidFill>
+                        </a:endParaRPr>
                       </a:p>
                     </p:txBody>
                   </p:sp>
                   <p:sp>
                     <p:nvSpPr>
-                      <p:cNvPr id="60" name="Elipse 59"/>
+                      <p:cNvPr id="53" name="Elipse 52"/>
                       <p:cNvSpPr/>
                       <p:nvPr/>
                     </p:nvSpPr>
                     <p:spPr>
                       <a:xfrm>
-                        <a:off x="2856601" y="127385"/>
-                        <a:ext cx="720080" cy="720081"/>
+                        <a:off x="2846203" y="1261286"/>
+                        <a:ext cx="864096" cy="864096"/>
                       </a:xfrm>
                       <a:prstGeom prst="ellipse">
                         <a:avLst/>
                       </a:prstGeom>
                       <a:solidFill>
-                        <a:schemeClr val="tx1">
-                          <a:lumMod val="95000"/>
-                          <a:lumOff val="5000"/>
+                        <a:schemeClr val="accent2">
+                          <a:lumMod val="50000"/>
                         </a:schemeClr>
                       </a:solidFill>
                       <a:ln>
                         <a:solidFill>
-                          <a:schemeClr val="tx1">
-                            <a:lumMod val="95000"/>
-                            <a:lumOff val="5000"/>
+                          <a:schemeClr val="accent2">
+                            <a:lumMod val="50000"/>
                           </a:schemeClr>
                         </a:solidFill>
                       </a:ln>
@@ -15194,221 +15092,530 @@
                       </a:p>
                     </p:txBody>
                   </p:sp>
-                  <p:sp>
-                    <p:nvSpPr>
-                      <p:cNvPr id="61" name="Elipse 60"/>
-                      <p:cNvSpPr/>
+                  <p:grpSp>
+                    <p:nvGrpSpPr>
+                      <p:cNvPr id="54" name="Grupo 53"/>
+                      <p:cNvGrpSpPr/>
                       <p:nvPr/>
-                    </p:nvSpPr>
-                    <p:spPr>
+                    </p:nvGrpSpPr>
+                    <p:grpSpPr>
                       <a:xfrm>
-                        <a:off x="2960137" y="391996"/>
-                        <a:ext cx="180018" cy="198023"/>
+                        <a:off x="3319416" y="1449639"/>
+                        <a:ext cx="240027" cy="288032"/>
+                        <a:chOff x="2783494" y="-133640"/>
+                        <a:chExt cx="1080120" cy="1044116"/>
                       </a:xfrm>
-                      <a:prstGeom prst="ellipse">
-                        <a:avLst/>
-                      </a:prstGeom>
-                      <a:solidFill>
-                        <a:schemeClr val="bg1"/>
-                      </a:solidFill>
-                    </p:spPr>
-                    <p:style>
-                      <a:lnRef idx="2">
-                        <a:schemeClr val="accent1">
-                          <a:shade val="50000"/>
-                        </a:schemeClr>
-                      </a:lnRef>
-                      <a:fillRef idx="1">
-                        <a:schemeClr val="accent1"/>
-                      </a:fillRef>
-                      <a:effectRef idx="0">
-                        <a:schemeClr val="accent1"/>
-                      </a:effectRef>
-                      <a:fontRef idx="minor">
-                        <a:schemeClr val="lt1"/>
-                      </a:fontRef>
-                    </p:style>
-                    <p:txBody>
-                      <a:bodyPr rtlCol="0" anchor="ctr"/>
-                      <a:lstStyle/>
-                      <a:p>
-                        <a:pPr algn="ctr"/>
-                        <a:endParaRPr lang="pt-BR"/>
-                      </a:p>
-                    </p:txBody>
-                  </p:sp>
-                </p:grpSp>
-                <p:grpSp>
-                  <p:nvGrpSpPr>
-                    <p:cNvPr id="55" name="Grupo 54"/>
-                    <p:cNvGrpSpPr/>
-                    <p:nvPr/>
-                  </p:nvGrpSpPr>
-                  <p:grpSpPr>
-                    <a:xfrm>
-                      <a:off x="2958884" y="1449640"/>
-                      <a:ext cx="240027" cy="288032"/>
-                      <a:chOff x="2677574" y="-133637"/>
-                      <a:chExt cx="1080121" cy="1044116"/>
-                    </a:xfrm>
-                  </p:grpSpPr>
-                  <p:sp>
-                    <p:nvSpPr>
-                      <p:cNvPr id="56" name="Elipse 55"/>
-                      <p:cNvSpPr/>
-                      <p:nvPr/>
-                    </p:nvSpPr>
-                    <p:spPr>
-                      <a:xfrm>
-                        <a:off x="2677574" y="-133637"/>
-                        <a:ext cx="1080121" cy="1044116"/>
-                      </a:xfrm>
-                      <a:prstGeom prst="ellipse">
-                        <a:avLst/>
-                      </a:prstGeom>
-                      <a:solidFill>
-                        <a:schemeClr val="bg1"/>
-                      </a:solidFill>
-                      <a:ln>
+                    </p:grpSpPr>
+                    <p:sp>
+                      <p:nvSpPr>
+                        <p:cNvPr id="59" name="Elipse 58"/>
+                        <p:cNvSpPr/>
+                        <p:nvPr/>
+                      </p:nvSpPr>
+                      <p:spPr>
+                        <a:xfrm>
+                          <a:off x="2783494" y="-133640"/>
+                          <a:ext cx="1080120" cy="1044116"/>
+                        </a:xfrm>
+                        <a:prstGeom prst="ellipse">
+                          <a:avLst/>
+                        </a:prstGeom>
                         <a:solidFill>
                           <a:schemeClr val="bg1"/>
                         </a:solidFill>
-                      </a:ln>
-                    </p:spPr>
-                    <p:style>
-                      <a:lnRef idx="2">
-                        <a:schemeClr val="accent1">
-                          <a:shade val="50000"/>
-                        </a:schemeClr>
-                      </a:lnRef>
-                      <a:fillRef idx="1">
-                        <a:schemeClr val="accent1"/>
-                      </a:fillRef>
-                      <a:effectRef idx="0">
-                        <a:schemeClr val="accent1"/>
-                      </a:effectRef>
-                      <a:fontRef idx="minor">
-                        <a:schemeClr val="lt1"/>
-                      </a:fontRef>
-                    </p:style>
-                    <p:txBody>
-                      <a:bodyPr rtlCol="0" anchor="ctr"/>
-                      <a:lstStyle/>
-                      <a:p>
-                        <a:pPr algn="ctr"/>
-                        <a:endParaRPr lang="pt-BR"/>
-                      </a:p>
-                    </p:txBody>
-                  </p:sp>
-                  <p:sp>
-                    <p:nvSpPr>
-                      <p:cNvPr id="57" name="Elipse 56"/>
-                      <p:cNvSpPr/>
-                      <p:nvPr/>
-                    </p:nvSpPr>
-                    <p:spPr>
-                      <a:xfrm>
-                        <a:off x="2743895" y="130970"/>
-                        <a:ext cx="720081" cy="720081"/>
-                      </a:xfrm>
-                      <a:prstGeom prst="ellipse">
-                        <a:avLst/>
-                      </a:prstGeom>
-                      <a:solidFill>
-                        <a:schemeClr val="tx1">
-                          <a:lumMod val="95000"/>
-                          <a:lumOff val="5000"/>
-                        </a:schemeClr>
-                      </a:solidFill>
-                      <a:ln>
+                        <a:ln>
+                          <a:solidFill>
+                            <a:schemeClr val="bg1"/>
+                          </a:solidFill>
+                        </a:ln>
+                      </p:spPr>
+                      <p:style>
+                        <a:lnRef idx="2">
+                          <a:schemeClr val="accent1">
+                            <a:shade val="50000"/>
+                          </a:schemeClr>
+                        </a:lnRef>
+                        <a:fillRef idx="1">
+                          <a:schemeClr val="accent1"/>
+                        </a:fillRef>
+                        <a:effectRef idx="0">
+                          <a:schemeClr val="accent1"/>
+                        </a:effectRef>
+                        <a:fontRef idx="minor">
+                          <a:schemeClr val="lt1"/>
+                        </a:fontRef>
+                      </p:style>
+                      <p:txBody>
+                        <a:bodyPr rtlCol="0" anchor="ctr"/>
+                        <a:lstStyle/>
+                        <a:p>
+                          <a:pPr algn="ctr"/>
+                          <a:endParaRPr lang="pt-BR"/>
+                        </a:p>
+                      </p:txBody>
+                    </p:sp>
+                    <p:sp>
+                      <p:nvSpPr>
+                        <p:cNvPr id="60" name="Elipse 59"/>
+                        <p:cNvSpPr/>
+                        <p:nvPr/>
+                      </p:nvSpPr>
+                      <p:spPr>
+                        <a:xfrm>
+                          <a:off x="2856601" y="127385"/>
+                          <a:ext cx="720080" cy="720081"/>
+                        </a:xfrm>
+                        <a:prstGeom prst="ellipse">
+                          <a:avLst/>
+                        </a:prstGeom>
                         <a:solidFill>
                           <a:schemeClr val="tx1">
                             <a:lumMod val="95000"/>
                             <a:lumOff val="5000"/>
                           </a:schemeClr>
                         </a:solidFill>
-                      </a:ln>
-                    </p:spPr>
-                    <p:style>
-                      <a:lnRef idx="2">
-                        <a:schemeClr val="accent1">
-                          <a:shade val="50000"/>
-                        </a:schemeClr>
-                      </a:lnRef>
-                      <a:fillRef idx="1">
-                        <a:schemeClr val="accent1"/>
-                      </a:fillRef>
-                      <a:effectRef idx="0">
-                        <a:schemeClr val="accent1"/>
-                      </a:effectRef>
-                      <a:fontRef idx="minor">
-                        <a:schemeClr val="lt1"/>
-                      </a:fontRef>
-                    </p:style>
-                    <p:txBody>
-                      <a:bodyPr rtlCol="0" anchor="ctr"/>
-                      <a:lstStyle/>
-                      <a:p>
-                        <a:pPr algn="ctr"/>
-                        <a:endParaRPr lang="pt-BR"/>
-                      </a:p>
-                    </p:txBody>
-                  </p:sp>
-                  <p:sp>
-                    <p:nvSpPr>
-                      <p:cNvPr id="58" name="Elipse 57"/>
-                      <p:cNvSpPr/>
+                        <a:ln>
+                          <a:solidFill>
+                            <a:schemeClr val="tx1">
+                              <a:lumMod val="95000"/>
+                              <a:lumOff val="5000"/>
+                            </a:schemeClr>
+                          </a:solidFill>
+                        </a:ln>
+                      </p:spPr>
+                      <p:style>
+                        <a:lnRef idx="2">
+                          <a:schemeClr val="accent1">
+                            <a:shade val="50000"/>
+                          </a:schemeClr>
+                        </a:lnRef>
+                        <a:fillRef idx="1">
+                          <a:schemeClr val="accent1"/>
+                        </a:fillRef>
+                        <a:effectRef idx="0">
+                          <a:schemeClr val="accent1"/>
+                        </a:effectRef>
+                        <a:fontRef idx="minor">
+                          <a:schemeClr val="lt1"/>
+                        </a:fontRef>
+                      </p:style>
+                      <p:txBody>
+                        <a:bodyPr rtlCol="0" anchor="ctr"/>
+                        <a:lstStyle/>
+                        <a:p>
+                          <a:pPr algn="ctr"/>
+                          <a:endParaRPr lang="pt-BR"/>
+                        </a:p>
+                      </p:txBody>
+                    </p:sp>
+                    <p:sp>
+                      <p:nvSpPr>
+                        <p:cNvPr id="61" name="Elipse 60"/>
+                        <p:cNvSpPr/>
+                        <p:nvPr/>
+                      </p:nvSpPr>
+                      <p:spPr>
+                        <a:xfrm>
+                          <a:off x="2960137" y="391996"/>
+                          <a:ext cx="180018" cy="198023"/>
+                        </a:xfrm>
+                        <a:prstGeom prst="ellipse">
+                          <a:avLst/>
+                        </a:prstGeom>
+                        <a:solidFill>
+                          <a:schemeClr val="bg1"/>
+                        </a:solidFill>
+                      </p:spPr>
+                      <p:style>
+                        <a:lnRef idx="2">
+                          <a:schemeClr val="accent1">
+                            <a:shade val="50000"/>
+                          </a:schemeClr>
+                        </a:lnRef>
+                        <a:fillRef idx="1">
+                          <a:schemeClr val="accent1"/>
+                        </a:fillRef>
+                        <a:effectRef idx="0">
+                          <a:schemeClr val="accent1"/>
+                        </a:effectRef>
+                        <a:fontRef idx="minor">
+                          <a:schemeClr val="lt1"/>
+                        </a:fontRef>
+                      </p:style>
+                      <p:txBody>
+                        <a:bodyPr rtlCol="0" anchor="ctr"/>
+                        <a:lstStyle/>
+                        <a:p>
+                          <a:pPr algn="ctr"/>
+                          <a:endParaRPr lang="pt-BR"/>
+                        </a:p>
+                      </p:txBody>
+                    </p:sp>
+                  </p:grpSp>
+                  <p:grpSp>
+                    <p:nvGrpSpPr>
+                      <p:cNvPr id="55" name="Grupo 54"/>
+                      <p:cNvGrpSpPr/>
                       <p:nvPr/>
-                    </p:nvSpPr>
-                    <p:spPr>
+                    </p:nvGrpSpPr>
+                    <p:grpSpPr>
                       <a:xfrm>
-                        <a:off x="2858852" y="388417"/>
-                        <a:ext cx="180018" cy="198023"/>
+                        <a:off x="2958884" y="1449640"/>
+                        <a:ext cx="240027" cy="288032"/>
+                        <a:chOff x="2677574" y="-133637"/>
+                        <a:chExt cx="1080121" cy="1044116"/>
                       </a:xfrm>
-                      <a:prstGeom prst="ellipse">
-                        <a:avLst/>
-                      </a:prstGeom>
+                    </p:grpSpPr>
+                    <p:sp>
+                      <p:nvSpPr>
+                        <p:cNvPr id="56" name="Elipse 55"/>
+                        <p:cNvSpPr/>
+                        <p:nvPr/>
+                      </p:nvSpPr>
+                      <p:spPr>
+                        <a:xfrm>
+                          <a:off x="2677574" y="-133637"/>
+                          <a:ext cx="1080121" cy="1044116"/>
+                        </a:xfrm>
+                        <a:prstGeom prst="ellipse">
+                          <a:avLst/>
+                        </a:prstGeom>
+                        <a:solidFill>
+                          <a:schemeClr val="bg1"/>
+                        </a:solidFill>
+                        <a:ln>
+                          <a:solidFill>
+                            <a:schemeClr val="bg1"/>
+                          </a:solidFill>
+                        </a:ln>
+                      </p:spPr>
+                      <p:style>
+                        <a:lnRef idx="2">
+                          <a:schemeClr val="accent1">
+                            <a:shade val="50000"/>
+                          </a:schemeClr>
+                        </a:lnRef>
+                        <a:fillRef idx="1">
+                          <a:schemeClr val="accent1"/>
+                        </a:fillRef>
+                        <a:effectRef idx="0">
+                          <a:schemeClr val="accent1"/>
+                        </a:effectRef>
+                        <a:fontRef idx="minor">
+                          <a:schemeClr val="lt1"/>
+                        </a:fontRef>
+                      </p:style>
+                      <p:txBody>
+                        <a:bodyPr rtlCol="0" anchor="ctr"/>
+                        <a:lstStyle/>
+                        <a:p>
+                          <a:pPr algn="ctr"/>
+                          <a:endParaRPr lang="pt-BR"/>
+                        </a:p>
+                      </p:txBody>
+                    </p:sp>
+                    <p:sp>
+                      <p:nvSpPr>
+                        <p:cNvPr id="57" name="Elipse 56"/>
+                        <p:cNvSpPr/>
+                        <p:nvPr/>
+                      </p:nvSpPr>
+                      <p:spPr>
+                        <a:xfrm>
+                          <a:off x="2743895" y="130970"/>
+                          <a:ext cx="720081" cy="720081"/>
+                        </a:xfrm>
+                        <a:prstGeom prst="ellipse">
+                          <a:avLst/>
+                        </a:prstGeom>
+                        <a:solidFill>
+                          <a:schemeClr val="tx1">
+                            <a:lumMod val="95000"/>
+                            <a:lumOff val="5000"/>
+                          </a:schemeClr>
+                        </a:solidFill>
+                        <a:ln>
+                          <a:solidFill>
+                            <a:schemeClr val="tx1">
+                              <a:lumMod val="95000"/>
+                              <a:lumOff val="5000"/>
+                            </a:schemeClr>
+                          </a:solidFill>
+                        </a:ln>
+                      </p:spPr>
+                      <p:style>
+                        <a:lnRef idx="2">
+                          <a:schemeClr val="accent1">
+                            <a:shade val="50000"/>
+                          </a:schemeClr>
+                        </a:lnRef>
+                        <a:fillRef idx="1">
+                          <a:schemeClr val="accent1"/>
+                        </a:fillRef>
+                        <a:effectRef idx="0">
+                          <a:schemeClr val="accent1"/>
+                        </a:effectRef>
+                        <a:fontRef idx="minor">
+                          <a:schemeClr val="lt1"/>
+                        </a:fontRef>
+                      </p:style>
+                      <p:txBody>
+                        <a:bodyPr rtlCol="0" anchor="ctr"/>
+                        <a:lstStyle/>
+                        <a:p>
+                          <a:pPr algn="ctr"/>
+                          <a:endParaRPr lang="pt-BR"/>
+                        </a:p>
+                      </p:txBody>
+                    </p:sp>
+                    <p:sp>
+                      <p:nvSpPr>
+                        <p:cNvPr id="58" name="Elipse 57"/>
+                        <p:cNvSpPr/>
+                        <p:nvPr/>
+                      </p:nvSpPr>
+                      <p:spPr>
+                        <a:xfrm>
+                          <a:off x="2858852" y="388417"/>
+                          <a:ext cx="180018" cy="198023"/>
+                        </a:xfrm>
+                        <a:prstGeom prst="ellipse">
+                          <a:avLst/>
+                        </a:prstGeom>
+                        <a:solidFill>
+                          <a:schemeClr val="bg1"/>
+                        </a:solidFill>
+                      </p:spPr>
+                      <p:style>
+                        <a:lnRef idx="2">
+                          <a:schemeClr val="accent1">
+                            <a:shade val="50000"/>
+                          </a:schemeClr>
+                        </a:lnRef>
+                        <a:fillRef idx="1">
+                          <a:schemeClr val="accent1"/>
+                        </a:fillRef>
+                        <a:effectRef idx="0">
+                          <a:schemeClr val="accent1"/>
+                        </a:effectRef>
+                        <a:fontRef idx="minor">
+                          <a:schemeClr val="lt1"/>
+                        </a:fontRef>
+                      </p:style>
+                      <p:txBody>
+                        <a:bodyPr rtlCol="0" anchor="ctr"/>
+                        <a:lstStyle/>
+                        <a:p>
+                          <a:pPr algn="ctr"/>
+                          <a:endParaRPr lang="pt-BR"/>
+                        </a:p>
+                      </p:txBody>
+                    </p:sp>
+                  </p:grpSp>
+                </p:grpSp>
+                <p:sp>
+                  <p:nvSpPr>
+                    <p:cNvPr id="44" name="Elipse 43"/>
+                    <p:cNvSpPr/>
+                    <p:nvPr/>
+                  </p:nvSpPr>
+                  <p:spPr>
+                    <a:xfrm>
+                      <a:off x="3782002" y="2479998"/>
+                      <a:ext cx="216024" cy="140173"/>
+                    </a:xfrm>
+                    <a:prstGeom prst="ellipse">
+                      <a:avLst/>
+                    </a:prstGeom>
+                    <a:solidFill>
+                      <a:schemeClr val="tx1"/>
+                    </a:solidFill>
+                    <a:ln>
                       <a:solidFill>
-                        <a:schemeClr val="bg1"/>
+                        <a:schemeClr val="tx1"/>
                       </a:solidFill>
-                    </p:spPr>
-                    <p:style>
-                      <a:lnRef idx="2">
-                        <a:schemeClr val="accent1">
-                          <a:shade val="50000"/>
-                        </a:schemeClr>
-                      </a:lnRef>
-                      <a:fillRef idx="1">
-                        <a:schemeClr val="accent1"/>
-                      </a:fillRef>
-                      <a:effectRef idx="0">
-                        <a:schemeClr val="accent1"/>
-                      </a:effectRef>
-                      <a:fontRef idx="minor">
-                        <a:schemeClr val="lt1"/>
-                      </a:fontRef>
-                    </p:style>
-                    <p:txBody>
-                      <a:bodyPr rtlCol="0" anchor="ctr"/>
-                      <a:lstStyle/>
-                      <a:p>
-                        <a:pPr algn="ctr"/>
-                        <a:endParaRPr lang="pt-BR"/>
-                      </a:p>
-                    </p:txBody>
-                  </p:sp>
-                </p:grpSp>
+                    </a:ln>
+                  </p:spPr>
+                  <p:style>
+                    <a:lnRef idx="2">
+                      <a:schemeClr val="accent1">
+                        <a:shade val="50000"/>
+                      </a:schemeClr>
+                    </a:lnRef>
+                    <a:fillRef idx="1">
+                      <a:schemeClr val="accent1"/>
+                    </a:fillRef>
+                    <a:effectRef idx="0">
+                      <a:schemeClr val="accent1"/>
+                    </a:effectRef>
+                    <a:fontRef idx="minor">
+                      <a:schemeClr val="lt1"/>
+                    </a:fontRef>
+                  </p:style>
+                  <p:txBody>
+                    <a:bodyPr rtlCol="0" anchor="ctr"/>
+                    <a:lstStyle/>
+                    <a:p>
+                      <a:pPr algn="ctr"/>
+                      <a:endParaRPr lang="pt-BR"/>
+                    </a:p>
+                  </p:txBody>
+                </p:sp>
+                <p:sp>
+                  <p:nvSpPr>
+                    <p:cNvPr id="46" name="Elipse 45"/>
+                    <p:cNvSpPr/>
+                    <p:nvPr/>
+                  </p:nvSpPr>
+                  <p:spPr>
+                    <a:xfrm>
+                      <a:off x="3719675" y="2890362"/>
+                      <a:ext cx="216024" cy="140173"/>
+                    </a:xfrm>
+                    <a:prstGeom prst="ellipse">
+                      <a:avLst/>
+                    </a:prstGeom>
+                    <a:solidFill>
+                      <a:schemeClr val="tx1"/>
+                    </a:solidFill>
+                    <a:ln>
+                      <a:solidFill>
+                        <a:schemeClr val="tx1"/>
+                      </a:solidFill>
+                    </a:ln>
+                  </p:spPr>
+                  <p:style>
+                    <a:lnRef idx="2">
+                      <a:schemeClr val="accent1">
+                        <a:shade val="50000"/>
+                      </a:schemeClr>
+                    </a:lnRef>
+                    <a:fillRef idx="1">
+                      <a:schemeClr val="accent1"/>
+                    </a:fillRef>
+                    <a:effectRef idx="0">
+                      <a:schemeClr val="accent1"/>
+                    </a:effectRef>
+                    <a:fontRef idx="minor">
+                      <a:schemeClr val="lt1"/>
+                    </a:fontRef>
+                  </p:style>
+                  <p:txBody>
+                    <a:bodyPr rtlCol="0" anchor="ctr"/>
+                    <a:lstStyle/>
+                    <a:p>
+                      <a:pPr algn="ctr"/>
+                      <a:endParaRPr lang="pt-BR"/>
+                    </a:p>
+                  </p:txBody>
+                </p:sp>
+                <p:sp>
+                  <p:nvSpPr>
+                    <p:cNvPr id="47" name="Elipse 46"/>
+                    <p:cNvSpPr/>
+                    <p:nvPr/>
+                  </p:nvSpPr>
+                  <p:spPr>
+                    <a:xfrm>
+                      <a:off x="3774830" y="3987492"/>
+                      <a:ext cx="216239" cy="216024"/>
+                    </a:xfrm>
+                    <a:prstGeom prst="ellipse">
+                      <a:avLst/>
+                    </a:prstGeom>
+                    <a:solidFill>
+                      <a:schemeClr val="tx1"/>
+                    </a:solidFill>
+                    <a:ln>
+                      <a:solidFill>
+                        <a:schemeClr val="tx1"/>
+                      </a:solidFill>
+                    </a:ln>
+                  </p:spPr>
+                  <p:style>
+                    <a:lnRef idx="2">
+                      <a:schemeClr val="accent1">
+                        <a:shade val="50000"/>
+                      </a:schemeClr>
+                    </a:lnRef>
+                    <a:fillRef idx="1">
+                      <a:schemeClr val="accent1"/>
+                    </a:fillRef>
+                    <a:effectRef idx="0">
+                      <a:schemeClr val="accent1"/>
+                    </a:effectRef>
+                    <a:fontRef idx="minor">
+                      <a:schemeClr val="lt1"/>
+                    </a:fontRef>
+                  </p:style>
+                  <p:txBody>
+                    <a:bodyPr rtlCol="0" anchor="ctr"/>
+                    <a:lstStyle/>
+                    <a:p>
+                      <a:pPr algn="ctr"/>
+                      <a:endParaRPr lang="pt-BR"/>
+                    </a:p>
+                  </p:txBody>
+                </p:sp>
+                <p:sp>
+                  <p:nvSpPr>
+                    <p:cNvPr id="48" name="Elipse 47"/>
+                    <p:cNvSpPr/>
+                    <p:nvPr/>
+                  </p:nvSpPr>
+                  <p:spPr>
+                    <a:xfrm>
+                      <a:off x="2482208" y="4013985"/>
+                      <a:ext cx="216024" cy="216024"/>
+                    </a:xfrm>
+                    <a:prstGeom prst="ellipse">
+                      <a:avLst/>
+                    </a:prstGeom>
+                    <a:solidFill>
+                      <a:schemeClr val="tx1"/>
+                    </a:solidFill>
+                    <a:ln>
+                      <a:solidFill>
+                        <a:schemeClr val="tx1"/>
+                      </a:solidFill>
+                    </a:ln>
+                  </p:spPr>
+                  <p:style>
+                    <a:lnRef idx="2">
+                      <a:schemeClr val="accent1">
+                        <a:shade val="50000"/>
+                      </a:schemeClr>
+                    </a:lnRef>
+                    <a:fillRef idx="1">
+                      <a:schemeClr val="accent1"/>
+                    </a:fillRef>
+                    <a:effectRef idx="0">
+                      <a:schemeClr val="accent1"/>
+                    </a:effectRef>
+                    <a:fontRef idx="minor">
+                      <a:schemeClr val="lt1"/>
+                    </a:fontRef>
+                  </p:style>
+                  <p:txBody>
+                    <a:bodyPr rtlCol="0" anchor="ctr"/>
+                    <a:lstStyle/>
+                    <a:p>
+                      <a:pPr algn="ctr"/>
+                      <a:endParaRPr lang="pt-BR"/>
+                    </a:p>
+                  </p:txBody>
+                </p:sp>
               </p:grpSp>
               <p:sp>
                 <p:nvSpPr>
-                  <p:cNvPr id="44" name="Elipse 43"/>
+                  <p:cNvPr id="37" name="Elipse 36"/>
                   <p:cNvSpPr/>
                   <p:nvPr/>
                 </p:nvSpPr>
                 <p:spPr>
                   <a:xfrm>
-                    <a:off x="3782002" y="2479998"/>
-                    <a:ext cx="216024" cy="140173"/>
+                    <a:off x="3242434" y="1827261"/>
+                    <a:ext cx="108012" cy="108012"/>
                   </a:xfrm>
                   <a:prstGeom prst="ellipse">
                     <a:avLst/>
@@ -15449,14 +15656,14 @@
               </p:sp>
               <p:sp>
                 <p:nvSpPr>
-                  <p:cNvPr id="46" name="Elipse 45"/>
+                  <p:cNvPr id="38" name="Elipse 37"/>
                   <p:cNvSpPr/>
                   <p:nvPr/>
                 </p:nvSpPr>
                 <p:spPr>
                   <a:xfrm>
-                    <a:off x="3719675" y="2890362"/>
-                    <a:ext cx="216024" cy="140173"/>
+                    <a:off x="2791802" y="1009108"/>
+                    <a:ext cx="108012" cy="144016"/>
                   </a:xfrm>
                   <a:prstGeom prst="ellipse">
                     <a:avLst/>
@@ -15497,14 +15704,14 @@
               </p:sp>
               <p:sp>
                 <p:nvSpPr>
-                  <p:cNvPr id="47" name="Elipse 46"/>
+                  <p:cNvPr id="39" name="Elipse 38"/>
                   <p:cNvSpPr/>
                   <p:nvPr/>
                 </p:nvSpPr>
                 <p:spPr>
                   <a:xfrm>
-                    <a:off x="3774830" y="3987492"/>
-                    <a:ext cx="216239" cy="216024"/>
+                    <a:off x="3828944" y="1110072"/>
+                    <a:ext cx="108012" cy="144016"/>
                   </a:xfrm>
                   <a:prstGeom prst="ellipse">
                     <a:avLst/>
@@ -15543,353 +15750,161 @@
                   </a:p>
                 </p:txBody>
               </p:sp>
-              <p:sp>
-                <p:nvSpPr>
-                  <p:cNvPr id="48" name="Elipse 47"/>
-                  <p:cNvSpPr/>
+              <p:pic>
+                <p:nvPicPr>
+                  <p:cNvPr id="40" name="Picture 3"/>
+                  <p:cNvPicPr>
+                    <a:picLocks noChangeAspect="1" noChangeArrowheads="1"/>
+                  </p:cNvPicPr>
                   <p:nvPr/>
-                </p:nvSpPr>
-                <p:spPr>
+                </p:nvPicPr>
+                <p:blipFill>
+                  <a:blip r:embed="rId2">
+                    <a:extLst>
+                      <a:ext uri="{BEBA8EAE-BF5A-486C-A8C5-ECC9F3942E4B}">
+                        <a14:imgProps xmlns:a14="http://schemas.microsoft.com/office/drawing/2010/main">
+                          <a14:imgLayer r:embed="rId3">
+                            <a14:imgEffect>
+                              <a14:backgroundRemoval t="10000" b="90000" l="10000" r="90000"/>
+                            </a14:imgEffect>
+                          </a14:imgLayer>
+                        </a14:imgProps>
+                      </a:ext>
+                      <a:ext uri="{28A0092B-C50C-407E-A947-70E740481C1C}">
+                        <a14:useLocalDpi xmlns:a14="http://schemas.microsoft.com/office/drawing/2010/main" val="0"/>
+                      </a:ext>
+                    </a:extLst>
+                  </a:blip>
+                  <a:srcRect/>
+                  <a:stretch>
+                    <a:fillRect/>
+                  </a:stretch>
+                </p:blipFill>
+                <p:spPr bwMode="auto">
                   <a:xfrm>
-                    <a:off x="2482208" y="4013985"/>
-                    <a:ext cx="216024" cy="216024"/>
+                    <a:off x="3030198" y="1892855"/>
+                    <a:ext cx="532484" cy="352995"/>
                   </a:xfrm>
-                  <a:prstGeom prst="ellipse">
+                  <a:prstGeom prst="rect">
                     <a:avLst/>
                   </a:prstGeom>
-                  <a:solidFill>
-                    <a:schemeClr val="tx1"/>
-                  </a:solidFill>
-                  <a:ln>
-                    <a:solidFill>
-                      <a:schemeClr val="tx1"/>
-                    </a:solidFill>
+                  <a:noFill/>
+                  <a:ln w="9525">
+                    <a:noFill/>
+                    <a:miter lim="800000"/>
+                    <a:headEnd/>
+                    <a:tailEnd/>
                   </a:ln>
+                  <a:extLst>
+                    <a:ext uri="{909E8E84-426E-40DD-AFC4-6F175D3DCCD1}">
+                      <a14:hiddenFill xmlns:a14="http://schemas.microsoft.com/office/drawing/2010/main">
+                        <a:solidFill>
+                          <a:schemeClr val="accent1"/>
+                        </a:solidFill>
+                      </a14:hiddenFill>
+                    </a:ext>
+                  </a:extLst>
                 </p:spPr>
-                <p:style>
-                  <a:lnRef idx="2">
-                    <a:schemeClr val="accent1">
-                      <a:shade val="50000"/>
-                    </a:schemeClr>
-                  </a:lnRef>
-                  <a:fillRef idx="1">
-                    <a:schemeClr val="accent1"/>
-                  </a:fillRef>
-                  <a:effectRef idx="0">
-                    <a:schemeClr val="accent1"/>
-                  </a:effectRef>
-                  <a:fontRef idx="minor">
-                    <a:schemeClr val="lt1"/>
-                  </a:fontRef>
-                </p:style>
-                <p:txBody>
-                  <a:bodyPr rtlCol="0" anchor="ctr"/>
-                  <a:lstStyle/>
-                  <a:p>
-                    <a:pPr algn="ctr"/>
-                    <a:endParaRPr lang="pt-BR"/>
-                  </a:p>
-                </p:txBody>
-              </p:sp>
+              </p:pic>
             </p:grpSp>
-            <p:sp>
-              <p:nvSpPr>
-                <p:cNvPr id="37" name="Elipse 36"/>
-                <p:cNvSpPr/>
-                <p:nvPr/>
-              </p:nvSpPr>
-              <p:spPr>
-                <a:xfrm>
-                  <a:off x="3242434" y="1827261"/>
-                  <a:ext cx="108012" cy="108012"/>
-                </a:xfrm>
-                <a:prstGeom prst="ellipse">
-                  <a:avLst/>
-                </a:prstGeom>
+          </p:grpSp>
+          <p:sp>
+            <p:nvSpPr>
+              <p:cNvPr id="73" name="Elipse 72"/>
+              <p:cNvSpPr/>
+              <p:nvPr/>
+            </p:nvSpPr>
+            <p:spPr>
+              <a:xfrm>
+                <a:off x="2173157" y="1988840"/>
+                <a:ext cx="216024" cy="170491"/>
+              </a:xfrm>
+              <a:prstGeom prst="ellipse">
+                <a:avLst/>
+              </a:prstGeom>
+              <a:solidFill>
+                <a:schemeClr val="tx1"/>
+              </a:solidFill>
+              <a:ln>
                 <a:solidFill>
                   <a:schemeClr val="tx1"/>
                 </a:solidFill>
-                <a:ln>
-                  <a:solidFill>
-                    <a:schemeClr val="tx1"/>
-                  </a:solidFill>
-                </a:ln>
-              </p:spPr>
-              <p:style>
-                <a:lnRef idx="2">
-                  <a:schemeClr val="accent1">
-                    <a:shade val="50000"/>
-                  </a:schemeClr>
-                </a:lnRef>
-                <a:fillRef idx="1">
-                  <a:schemeClr val="accent1"/>
-                </a:fillRef>
-                <a:effectRef idx="0">
-                  <a:schemeClr val="accent1"/>
-                </a:effectRef>
-                <a:fontRef idx="minor">
-                  <a:schemeClr val="lt1"/>
-                </a:fontRef>
-              </p:style>
-              <p:txBody>
-                <a:bodyPr rtlCol="0" anchor="ctr"/>
-                <a:lstStyle/>
-                <a:p>
-                  <a:pPr algn="ctr"/>
-                  <a:endParaRPr lang="pt-BR"/>
-                </a:p>
-              </p:txBody>
-            </p:sp>
-            <p:sp>
-              <p:nvSpPr>
-                <p:cNvPr id="38" name="Elipse 37"/>
-                <p:cNvSpPr/>
-                <p:nvPr/>
-              </p:nvSpPr>
-              <p:spPr>
-                <a:xfrm>
-                  <a:off x="2791802" y="1009108"/>
-                  <a:ext cx="108012" cy="144016"/>
-                </a:xfrm>
-                <a:prstGeom prst="ellipse">
-                  <a:avLst/>
-                </a:prstGeom>
+              </a:ln>
+            </p:spPr>
+            <p:style>
+              <a:lnRef idx="2">
+                <a:schemeClr val="accent1">
+                  <a:shade val="50000"/>
+                </a:schemeClr>
+              </a:lnRef>
+              <a:fillRef idx="1">
+                <a:schemeClr val="accent1"/>
+              </a:fillRef>
+              <a:effectRef idx="0">
+                <a:schemeClr val="accent1"/>
+              </a:effectRef>
+              <a:fontRef idx="minor">
+                <a:schemeClr val="lt1"/>
+              </a:fontRef>
+            </p:style>
+            <p:txBody>
+              <a:bodyPr rtlCol="0" anchor="ctr"/>
+              <a:lstStyle/>
+              <a:p>
+                <a:pPr algn="ctr"/>
+                <a:endParaRPr lang="pt-BR"/>
+              </a:p>
+            </p:txBody>
+          </p:sp>
+          <p:sp>
+            <p:nvSpPr>
+              <p:cNvPr id="75" name="Elipse 74"/>
+              <p:cNvSpPr/>
+              <p:nvPr/>
+            </p:nvSpPr>
+            <p:spPr>
+              <a:xfrm>
+                <a:off x="2028265" y="2267678"/>
+                <a:ext cx="216024" cy="170491"/>
+              </a:xfrm>
+              <a:prstGeom prst="ellipse">
+                <a:avLst/>
+              </a:prstGeom>
+              <a:solidFill>
+                <a:schemeClr val="tx1"/>
+              </a:solidFill>
+              <a:ln>
                 <a:solidFill>
                   <a:schemeClr val="tx1"/>
                 </a:solidFill>
-                <a:ln>
-                  <a:solidFill>
-                    <a:schemeClr val="tx1"/>
-                  </a:solidFill>
-                </a:ln>
-              </p:spPr>
-              <p:style>
-                <a:lnRef idx="2">
-                  <a:schemeClr val="accent1">
-                    <a:shade val="50000"/>
-                  </a:schemeClr>
-                </a:lnRef>
-                <a:fillRef idx="1">
-                  <a:schemeClr val="accent1"/>
-                </a:fillRef>
-                <a:effectRef idx="0">
-                  <a:schemeClr val="accent1"/>
-                </a:effectRef>
-                <a:fontRef idx="minor">
-                  <a:schemeClr val="lt1"/>
-                </a:fontRef>
-              </p:style>
-              <p:txBody>
-                <a:bodyPr rtlCol="0" anchor="ctr"/>
-                <a:lstStyle/>
-                <a:p>
-                  <a:pPr algn="ctr"/>
-                  <a:endParaRPr lang="pt-BR"/>
-                </a:p>
-              </p:txBody>
-            </p:sp>
-            <p:sp>
-              <p:nvSpPr>
-                <p:cNvPr id="39" name="Elipse 38"/>
-                <p:cNvSpPr/>
-                <p:nvPr/>
-              </p:nvSpPr>
-              <p:spPr>
-                <a:xfrm>
-                  <a:off x="3828944" y="1110072"/>
-                  <a:ext cx="108012" cy="144016"/>
-                </a:xfrm>
-                <a:prstGeom prst="ellipse">
-                  <a:avLst/>
-                </a:prstGeom>
-                <a:solidFill>
-                  <a:schemeClr val="tx1"/>
-                </a:solidFill>
-                <a:ln>
-                  <a:solidFill>
-                    <a:schemeClr val="tx1"/>
-                  </a:solidFill>
-                </a:ln>
-              </p:spPr>
-              <p:style>
-                <a:lnRef idx="2">
-                  <a:schemeClr val="accent1">
-                    <a:shade val="50000"/>
-                  </a:schemeClr>
-                </a:lnRef>
-                <a:fillRef idx="1">
-                  <a:schemeClr val="accent1"/>
-                </a:fillRef>
-                <a:effectRef idx="0">
-                  <a:schemeClr val="accent1"/>
-                </a:effectRef>
-                <a:fontRef idx="minor">
-                  <a:schemeClr val="lt1"/>
-                </a:fontRef>
-              </p:style>
-              <p:txBody>
-                <a:bodyPr rtlCol="0" anchor="ctr"/>
-                <a:lstStyle/>
-                <a:p>
-                  <a:pPr algn="ctr"/>
-                  <a:endParaRPr lang="pt-BR"/>
-                </a:p>
-              </p:txBody>
-            </p:sp>
-            <p:pic>
-              <p:nvPicPr>
-                <p:cNvPr id="40" name="Picture 3"/>
-                <p:cNvPicPr>
-                  <a:picLocks noChangeAspect="1" noChangeArrowheads="1"/>
-                </p:cNvPicPr>
-                <p:nvPr/>
-              </p:nvPicPr>
-              <p:blipFill>
-                <a:blip r:embed="rId2">
-                  <a:extLst>
-                    <a:ext uri="{BEBA8EAE-BF5A-486C-A8C5-ECC9F3942E4B}">
-                      <a14:imgProps xmlns:a14="http://schemas.microsoft.com/office/drawing/2010/main">
-                        <a14:imgLayer r:embed="rId3">
-                          <a14:imgEffect>
-                            <a14:backgroundRemoval t="10000" b="90000" l="10000" r="90000"/>
-                          </a14:imgEffect>
-                        </a14:imgLayer>
-                      </a14:imgProps>
-                    </a:ext>
-                    <a:ext uri="{28A0092B-C50C-407E-A947-70E740481C1C}">
-                      <a14:useLocalDpi xmlns:a14="http://schemas.microsoft.com/office/drawing/2010/main" val="0"/>
-                    </a:ext>
-                  </a:extLst>
-                </a:blip>
-                <a:srcRect/>
-                <a:stretch>
-                  <a:fillRect/>
-                </a:stretch>
-              </p:blipFill>
-              <p:spPr bwMode="auto">
-                <a:xfrm>
-                  <a:off x="3030198" y="1892855"/>
-                  <a:ext cx="532484" cy="352995"/>
-                </a:xfrm>
-                <a:prstGeom prst="rect">
-                  <a:avLst/>
-                </a:prstGeom>
-                <a:noFill/>
-                <a:ln w="9525">
-                  <a:noFill/>
-                  <a:miter lim="800000"/>
-                  <a:headEnd/>
-                  <a:tailEnd/>
-                </a:ln>
-                <a:extLst>
-                  <a:ext uri="{909E8E84-426E-40DD-AFC4-6F175D3DCCD1}">
-                    <a14:hiddenFill xmlns:a14="http://schemas.microsoft.com/office/drawing/2010/main">
-                      <a:solidFill>
-                        <a:schemeClr val="accent1"/>
-                      </a:solidFill>
-                    </a14:hiddenFill>
-                  </a:ext>
-                </a:extLst>
-              </p:spPr>
-            </p:pic>
-          </p:grpSp>
+              </a:ln>
+            </p:spPr>
+            <p:style>
+              <a:lnRef idx="2">
+                <a:schemeClr val="accent1">
+                  <a:shade val="50000"/>
+                </a:schemeClr>
+              </a:lnRef>
+              <a:fillRef idx="1">
+                <a:schemeClr val="accent1"/>
+              </a:fillRef>
+              <a:effectRef idx="0">
+                <a:schemeClr val="accent1"/>
+              </a:effectRef>
+              <a:fontRef idx="minor">
+                <a:schemeClr val="lt1"/>
+              </a:fontRef>
+            </p:style>
+            <p:txBody>
+              <a:bodyPr rtlCol="0" anchor="ctr"/>
+              <a:lstStyle/>
+              <a:p>
+                <a:pPr algn="ctr"/>
+                <a:endParaRPr lang="pt-BR"/>
+              </a:p>
+            </p:txBody>
+          </p:sp>
         </p:grpSp>
-        <p:sp>
-          <p:nvSpPr>
-            <p:cNvPr id="73" name="Elipse 72"/>
-            <p:cNvSpPr/>
-            <p:nvPr/>
-          </p:nvSpPr>
-          <p:spPr>
-            <a:xfrm>
-              <a:off x="2173157" y="1988840"/>
-              <a:ext cx="216024" cy="170491"/>
-            </a:xfrm>
-            <a:prstGeom prst="ellipse">
-              <a:avLst/>
-            </a:prstGeom>
-            <a:solidFill>
-              <a:schemeClr val="tx1"/>
-            </a:solidFill>
-            <a:ln>
-              <a:solidFill>
-                <a:schemeClr val="tx1"/>
-              </a:solidFill>
-            </a:ln>
-          </p:spPr>
-          <p:style>
-            <a:lnRef idx="2">
-              <a:schemeClr val="accent1">
-                <a:shade val="50000"/>
-              </a:schemeClr>
-            </a:lnRef>
-            <a:fillRef idx="1">
-              <a:schemeClr val="accent1"/>
-            </a:fillRef>
-            <a:effectRef idx="0">
-              <a:schemeClr val="accent1"/>
-            </a:effectRef>
-            <a:fontRef idx="minor">
-              <a:schemeClr val="lt1"/>
-            </a:fontRef>
-          </p:style>
-          <p:txBody>
-            <a:bodyPr rtlCol="0" anchor="ctr"/>
-            <a:lstStyle/>
-            <a:p>
-              <a:pPr algn="ctr"/>
-              <a:endParaRPr lang="pt-BR"/>
-            </a:p>
-          </p:txBody>
-        </p:sp>
-        <p:sp>
-          <p:nvSpPr>
-            <p:cNvPr id="75" name="Elipse 74"/>
-            <p:cNvSpPr/>
-            <p:nvPr/>
-          </p:nvSpPr>
-          <p:spPr>
-            <a:xfrm>
-              <a:off x="2028265" y="2267678"/>
-              <a:ext cx="216024" cy="170491"/>
-            </a:xfrm>
-            <a:prstGeom prst="ellipse">
-              <a:avLst/>
-            </a:prstGeom>
-            <a:solidFill>
-              <a:schemeClr val="tx1"/>
-            </a:solidFill>
-            <a:ln>
-              <a:solidFill>
-                <a:schemeClr val="tx1"/>
-              </a:solidFill>
-            </a:ln>
-          </p:spPr>
-          <p:style>
-            <a:lnRef idx="2">
-              <a:schemeClr val="accent1">
-                <a:shade val="50000"/>
-              </a:schemeClr>
-            </a:lnRef>
-            <a:fillRef idx="1">
-              <a:schemeClr val="accent1"/>
-            </a:fillRef>
-            <a:effectRef idx="0">
-              <a:schemeClr val="accent1"/>
-            </a:effectRef>
-            <a:fontRef idx="minor">
-              <a:schemeClr val="lt1"/>
-            </a:fontRef>
-          </p:style>
-          <p:txBody>
-            <a:bodyPr rtlCol="0" anchor="ctr"/>
-            <a:lstStyle/>
-            <a:p>
-              <a:pPr algn="ctr"/>
-              <a:endParaRPr lang="pt-BR"/>
-            </a:p>
-          </p:txBody>
-        </p:sp>
       </p:grpSp>
     </p:spTree>
     <p:extLst>

--- a/Imagens/A melhor formigaaaa.pptx
+++ b/Imagens/A melhor formigaaaa.pptx
@@ -295,7 +295,7 @@
           <a:p>
             <a:fld id="{99909925-07D1-4611-96E6-693E370BDE9A}" type="datetimeFigureOut">
               <a:rPr lang="pt-BR" smtClean="0"/>
-              <a:t>25/03/2019</a:t>
+              <a:t>27/03/2019</a:t>
             </a:fld>
             <a:endParaRPr lang="pt-BR"/>
           </a:p>
@@ -465,7 +465,7 @@
           <a:p>
             <a:fld id="{99909925-07D1-4611-96E6-693E370BDE9A}" type="datetimeFigureOut">
               <a:rPr lang="pt-BR" smtClean="0"/>
-              <a:t>25/03/2019</a:t>
+              <a:t>27/03/2019</a:t>
             </a:fld>
             <a:endParaRPr lang="pt-BR"/>
           </a:p>
@@ -645,7 +645,7 @@
           <a:p>
             <a:fld id="{99909925-07D1-4611-96E6-693E370BDE9A}" type="datetimeFigureOut">
               <a:rPr lang="pt-BR" smtClean="0"/>
-              <a:t>25/03/2019</a:t>
+              <a:t>27/03/2019</a:t>
             </a:fld>
             <a:endParaRPr lang="pt-BR"/>
           </a:p>
@@ -815,7 +815,7 @@
           <a:p>
             <a:fld id="{99909925-07D1-4611-96E6-693E370BDE9A}" type="datetimeFigureOut">
               <a:rPr lang="pt-BR" smtClean="0"/>
-              <a:t>25/03/2019</a:t>
+              <a:t>27/03/2019</a:t>
             </a:fld>
             <a:endParaRPr lang="pt-BR"/>
           </a:p>
@@ -1061,7 +1061,7 @@
           <a:p>
             <a:fld id="{99909925-07D1-4611-96E6-693E370BDE9A}" type="datetimeFigureOut">
               <a:rPr lang="pt-BR" smtClean="0"/>
-              <a:t>25/03/2019</a:t>
+              <a:t>27/03/2019</a:t>
             </a:fld>
             <a:endParaRPr lang="pt-BR"/>
           </a:p>
@@ -1349,7 +1349,7 @@
           <a:p>
             <a:fld id="{99909925-07D1-4611-96E6-693E370BDE9A}" type="datetimeFigureOut">
               <a:rPr lang="pt-BR" smtClean="0"/>
-              <a:t>25/03/2019</a:t>
+              <a:t>27/03/2019</a:t>
             </a:fld>
             <a:endParaRPr lang="pt-BR"/>
           </a:p>
@@ -1771,7 +1771,7 @@
           <a:p>
             <a:fld id="{99909925-07D1-4611-96E6-693E370BDE9A}" type="datetimeFigureOut">
               <a:rPr lang="pt-BR" smtClean="0"/>
-              <a:t>25/03/2019</a:t>
+              <a:t>27/03/2019</a:t>
             </a:fld>
             <a:endParaRPr lang="pt-BR"/>
           </a:p>
@@ -1889,7 +1889,7 @@
           <a:p>
             <a:fld id="{99909925-07D1-4611-96E6-693E370BDE9A}" type="datetimeFigureOut">
               <a:rPr lang="pt-BR" smtClean="0"/>
-              <a:t>25/03/2019</a:t>
+              <a:t>27/03/2019</a:t>
             </a:fld>
             <a:endParaRPr lang="pt-BR"/>
           </a:p>
@@ -1984,7 +1984,7 @@
           <a:p>
             <a:fld id="{99909925-07D1-4611-96E6-693E370BDE9A}" type="datetimeFigureOut">
               <a:rPr lang="pt-BR" smtClean="0"/>
-              <a:t>25/03/2019</a:t>
+              <a:t>27/03/2019</a:t>
             </a:fld>
             <a:endParaRPr lang="pt-BR"/>
           </a:p>
@@ -2261,7 +2261,7 @@
           <a:p>
             <a:fld id="{99909925-07D1-4611-96E6-693E370BDE9A}" type="datetimeFigureOut">
               <a:rPr lang="pt-BR" smtClean="0"/>
-              <a:t>25/03/2019</a:t>
+              <a:t>27/03/2019</a:t>
             </a:fld>
             <a:endParaRPr lang="pt-BR"/>
           </a:p>
@@ -2514,7 +2514,7 @@
           <a:p>
             <a:fld id="{99909925-07D1-4611-96E6-693E370BDE9A}" type="datetimeFigureOut">
               <a:rPr lang="pt-BR" smtClean="0"/>
-              <a:t>25/03/2019</a:t>
+              <a:t>27/03/2019</a:t>
             </a:fld>
             <a:endParaRPr lang="pt-BR"/>
           </a:p>
@@ -2727,7 +2727,7 @@
           <a:p>
             <a:fld id="{99909925-07D1-4611-96E6-693E370BDE9A}" type="datetimeFigureOut">
               <a:rPr lang="pt-BR" smtClean="0"/>
-              <a:t>25/03/2019</a:t>
+              <a:t>27/03/2019</a:t>
             </a:fld>
             <a:endParaRPr lang="pt-BR"/>
           </a:p>
@@ -6428,382 +6428,639 @@
       </p:grpSpPr>
       <p:grpSp>
         <p:nvGrpSpPr>
-          <p:cNvPr id="57" name="Grupo 56"/>
+          <p:cNvPr id="3" name="Grupo 2"/>
           <p:cNvGrpSpPr/>
           <p:nvPr/>
         </p:nvGrpSpPr>
         <p:grpSpPr>
           <a:xfrm>
-            <a:off x="-113323" y="2453742"/>
-            <a:ext cx="2603780" cy="3176835"/>
-            <a:chOff x="2164630" y="1340768"/>
-            <a:chExt cx="2603780" cy="3176835"/>
+            <a:off x="971600" y="-654582"/>
+            <a:ext cx="7149651" cy="7512582"/>
+            <a:chOff x="1101124" y="-818892"/>
+            <a:chExt cx="7149651" cy="7512582"/>
           </a:xfrm>
         </p:grpSpPr>
         <p:grpSp>
           <p:nvGrpSpPr>
-            <p:cNvPr id="5" name="Grupo 4"/>
+            <p:cNvPr id="57" name="Grupo 56"/>
             <p:cNvGrpSpPr/>
             <p:nvPr/>
           </p:nvGrpSpPr>
           <p:grpSpPr>
             <a:xfrm>
-              <a:off x="2164630" y="1412943"/>
-              <a:ext cx="2603780" cy="3104660"/>
-              <a:chOff x="2158781" y="1404460"/>
-              <a:chExt cx="2603780" cy="3104660"/>
+              <a:off x="1101124" y="3516855"/>
+              <a:ext cx="2603780" cy="3176835"/>
+              <a:chOff x="2164630" y="1340768"/>
+              <a:chExt cx="2603780" cy="3176835"/>
             </a:xfrm>
           </p:grpSpPr>
-          <p:sp>
-            <p:nvSpPr>
-              <p:cNvPr id="10" name="Forma livre 9"/>
-              <p:cNvSpPr/>
-              <p:nvPr/>
-            </p:nvSpPr>
-            <p:spPr>
-              <a:xfrm flipH="1">
-                <a:off x="2658815" y="3789040"/>
-                <a:ext cx="401017" cy="584688"/>
-              </a:xfrm>
-              <a:custGeom>
-                <a:avLst/>
-                <a:gdLst>
-                  <a:gd name="connsiteX0" fmla="*/ 0 w 925286"/>
-                  <a:gd name="connsiteY0" fmla="*/ 0 h 1261565"/>
-                  <a:gd name="connsiteX1" fmla="*/ 783772 w 925286"/>
-                  <a:gd name="connsiteY1" fmla="*/ 359229 h 1261565"/>
-                  <a:gd name="connsiteX2" fmla="*/ 903515 w 925286"/>
-                  <a:gd name="connsiteY2" fmla="*/ 1197429 h 1261565"/>
-                  <a:gd name="connsiteX3" fmla="*/ 903515 w 925286"/>
-                  <a:gd name="connsiteY3" fmla="*/ 1208315 h 1261565"/>
-                  <a:gd name="connsiteX4" fmla="*/ 925286 w 925286"/>
-                  <a:gd name="connsiteY4" fmla="*/ 1240972 h 1261565"/>
-                  <a:gd name="connsiteX5" fmla="*/ 903515 w 925286"/>
-                  <a:gd name="connsiteY5" fmla="*/ 1240972 h 1261565"/>
-                </a:gdLst>
-                <a:ahLst/>
-                <a:cxnLst>
-                  <a:cxn ang="0">
-                    <a:pos x="connsiteX0" y="connsiteY0"/>
-                  </a:cxn>
-                  <a:cxn ang="0">
-                    <a:pos x="connsiteX1" y="connsiteY1"/>
-                  </a:cxn>
-                  <a:cxn ang="0">
-                    <a:pos x="connsiteX2" y="connsiteY2"/>
-                  </a:cxn>
-                  <a:cxn ang="0">
-                    <a:pos x="connsiteX3" y="connsiteY3"/>
-                  </a:cxn>
-                  <a:cxn ang="0">
-                    <a:pos x="connsiteX4" y="connsiteY4"/>
-                  </a:cxn>
-                  <a:cxn ang="0">
-                    <a:pos x="connsiteX5" y="connsiteY5"/>
-                  </a:cxn>
-                </a:cxnLst>
-                <a:rect l="l" t="t" r="r" b="b"/>
-                <a:pathLst>
-                  <a:path w="925286" h="1261565">
-                    <a:moveTo>
-                      <a:pt x="0" y="0"/>
-                    </a:moveTo>
-                    <a:cubicBezTo>
-                      <a:pt x="316593" y="79829"/>
-                      <a:pt x="633186" y="159658"/>
-                      <a:pt x="783772" y="359229"/>
-                    </a:cubicBezTo>
-                    <a:cubicBezTo>
-                      <a:pt x="934358" y="558800"/>
-                      <a:pt x="883558" y="1055915"/>
-                      <a:pt x="903515" y="1197429"/>
-                    </a:cubicBezTo>
-                    <a:cubicBezTo>
-                      <a:pt x="923472" y="1338943"/>
-                      <a:pt x="899887" y="1201058"/>
-                      <a:pt x="903515" y="1208315"/>
-                    </a:cubicBezTo>
-                    <a:cubicBezTo>
-                      <a:pt x="907144" y="1215572"/>
-                      <a:pt x="925286" y="1235529"/>
-                      <a:pt x="925286" y="1240972"/>
-                    </a:cubicBezTo>
-                    <a:cubicBezTo>
-                      <a:pt x="925286" y="1246415"/>
-                      <a:pt x="914400" y="1243693"/>
-                      <a:pt x="903515" y="1240972"/>
-                    </a:cubicBezTo>
-                  </a:path>
-                </a:pathLst>
-              </a:custGeom>
-              <a:noFill/>
-              <a:ln w="76200">
-                <a:solidFill>
-                  <a:schemeClr val="tx1"/>
-                </a:solidFill>
-              </a:ln>
-            </p:spPr>
-            <p:style>
-              <a:lnRef idx="2">
-                <a:schemeClr val="accent1">
-                  <a:shade val="50000"/>
-                </a:schemeClr>
-              </a:lnRef>
-              <a:fillRef idx="1">
-                <a:schemeClr val="accent1"/>
-              </a:fillRef>
-              <a:effectRef idx="0">
-                <a:schemeClr val="accent1"/>
-              </a:effectRef>
-              <a:fontRef idx="minor">
-                <a:schemeClr val="lt1"/>
-              </a:fontRef>
-            </p:style>
-            <p:txBody>
-              <a:bodyPr rtlCol="0" anchor="ctr"/>
-              <a:lstStyle/>
-              <a:p>
-                <a:pPr algn="ctr"/>
-                <a:endParaRPr lang="pt-BR" u="sng"/>
-              </a:p>
-            </p:txBody>
-          </p:sp>
-          <p:sp>
-            <p:nvSpPr>
-              <p:cNvPr id="11" name="Forma livre 10"/>
-              <p:cNvSpPr/>
-              <p:nvPr/>
-            </p:nvSpPr>
-            <p:spPr>
-              <a:xfrm>
-                <a:off x="3428256" y="3725416"/>
-                <a:ext cx="504056" cy="652063"/>
-              </a:xfrm>
-              <a:custGeom>
-                <a:avLst/>
-                <a:gdLst>
-                  <a:gd name="connsiteX0" fmla="*/ 0 w 925286"/>
-                  <a:gd name="connsiteY0" fmla="*/ 0 h 1261565"/>
-                  <a:gd name="connsiteX1" fmla="*/ 783772 w 925286"/>
-                  <a:gd name="connsiteY1" fmla="*/ 359229 h 1261565"/>
-                  <a:gd name="connsiteX2" fmla="*/ 903515 w 925286"/>
-                  <a:gd name="connsiteY2" fmla="*/ 1197429 h 1261565"/>
-                  <a:gd name="connsiteX3" fmla="*/ 903515 w 925286"/>
-                  <a:gd name="connsiteY3" fmla="*/ 1208315 h 1261565"/>
-                  <a:gd name="connsiteX4" fmla="*/ 925286 w 925286"/>
-                  <a:gd name="connsiteY4" fmla="*/ 1240972 h 1261565"/>
-                  <a:gd name="connsiteX5" fmla="*/ 903515 w 925286"/>
-                  <a:gd name="connsiteY5" fmla="*/ 1240972 h 1261565"/>
-                </a:gdLst>
-                <a:ahLst/>
-                <a:cxnLst>
-                  <a:cxn ang="0">
-                    <a:pos x="connsiteX0" y="connsiteY0"/>
-                  </a:cxn>
-                  <a:cxn ang="0">
-                    <a:pos x="connsiteX1" y="connsiteY1"/>
-                  </a:cxn>
-                  <a:cxn ang="0">
-                    <a:pos x="connsiteX2" y="connsiteY2"/>
-                  </a:cxn>
-                  <a:cxn ang="0">
-                    <a:pos x="connsiteX3" y="connsiteY3"/>
-                  </a:cxn>
-                  <a:cxn ang="0">
-                    <a:pos x="connsiteX4" y="connsiteY4"/>
-                  </a:cxn>
-                  <a:cxn ang="0">
-                    <a:pos x="connsiteX5" y="connsiteY5"/>
-                  </a:cxn>
-                </a:cxnLst>
-                <a:rect l="l" t="t" r="r" b="b"/>
-                <a:pathLst>
-                  <a:path w="925286" h="1261565">
-                    <a:moveTo>
-                      <a:pt x="0" y="0"/>
-                    </a:moveTo>
-                    <a:cubicBezTo>
-                      <a:pt x="316593" y="79829"/>
-                      <a:pt x="633186" y="159658"/>
-                      <a:pt x="783772" y="359229"/>
-                    </a:cubicBezTo>
-                    <a:cubicBezTo>
-                      <a:pt x="934358" y="558800"/>
-                      <a:pt x="883558" y="1055915"/>
-                      <a:pt x="903515" y="1197429"/>
-                    </a:cubicBezTo>
-                    <a:cubicBezTo>
-                      <a:pt x="923472" y="1338943"/>
-                      <a:pt x="899887" y="1201058"/>
-                      <a:pt x="903515" y="1208315"/>
-                    </a:cubicBezTo>
-                    <a:cubicBezTo>
-                      <a:pt x="907144" y="1215572"/>
-                      <a:pt x="925286" y="1235529"/>
-                      <a:pt x="925286" y="1240972"/>
-                    </a:cubicBezTo>
-                    <a:cubicBezTo>
-                      <a:pt x="925286" y="1246415"/>
-                      <a:pt x="914400" y="1243693"/>
-                      <a:pt x="903515" y="1240972"/>
-                    </a:cubicBezTo>
-                  </a:path>
-                </a:pathLst>
-              </a:custGeom>
-              <a:noFill/>
-              <a:ln w="76200">
-                <a:solidFill>
-                  <a:schemeClr val="tx1"/>
-                </a:solidFill>
-              </a:ln>
-            </p:spPr>
-            <p:style>
-              <a:lnRef idx="2">
-                <a:schemeClr val="accent1">
-                  <a:shade val="50000"/>
-                </a:schemeClr>
-              </a:lnRef>
-              <a:fillRef idx="1">
-                <a:schemeClr val="accent1"/>
-              </a:fillRef>
-              <a:effectRef idx="0">
-                <a:schemeClr val="accent1"/>
-              </a:effectRef>
-              <a:fontRef idx="minor">
-                <a:schemeClr val="lt1"/>
-              </a:fontRef>
-            </p:style>
-            <p:txBody>
-              <a:bodyPr rtlCol="0" anchor="ctr"/>
-              <a:lstStyle/>
-              <a:p>
-                <a:pPr algn="ctr"/>
-                <a:endParaRPr lang="pt-BR" u="sng"/>
-              </a:p>
-            </p:txBody>
-          </p:sp>
           <p:grpSp>
             <p:nvGrpSpPr>
-              <p:cNvPr id="12" name="Grupo 11"/>
+              <p:cNvPr id="5" name="Grupo 4"/>
               <p:cNvGrpSpPr/>
               <p:nvPr/>
             </p:nvGrpSpPr>
             <p:grpSpPr>
               <a:xfrm>
-                <a:off x="2158781" y="1404460"/>
-                <a:ext cx="2603780" cy="2888636"/>
-                <a:chOff x="2127751" y="1332452"/>
-                <a:chExt cx="2603780" cy="2888636"/>
+                <a:off x="2164630" y="1412943"/>
+                <a:ext cx="2603780" cy="3104660"/>
+                <a:chOff x="2158781" y="1404460"/>
+                <a:chExt cx="2603780" cy="3104660"/>
               </a:xfrm>
             </p:grpSpPr>
+            <p:sp>
+              <p:nvSpPr>
+                <p:cNvPr id="10" name="Forma livre 9"/>
+                <p:cNvSpPr/>
+                <p:nvPr/>
+              </p:nvSpPr>
+              <p:spPr>
+                <a:xfrm flipH="1">
+                  <a:off x="2658815" y="3789040"/>
+                  <a:ext cx="401017" cy="584688"/>
+                </a:xfrm>
+                <a:custGeom>
+                  <a:avLst/>
+                  <a:gdLst>
+                    <a:gd name="connsiteX0" fmla="*/ 0 w 925286"/>
+                    <a:gd name="connsiteY0" fmla="*/ 0 h 1261565"/>
+                    <a:gd name="connsiteX1" fmla="*/ 783772 w 925286"/>
+                    <a:gd name="connsiteY1" fmla="*/ 359229 h 1261565"/>
+                    <a:gd name="connsiteX2" fmla="*/ 903515 w 925286"/>
+                    <a:gd name="connsiteY2" fmla="*/ 1197429 h 1261565"/>
+                    <a:gd name="connsiteX3" fmla="*/ 903515 w 925286"/>
+                    <a:gd name="connsiteY3" fmla="*/ 1208315 h 1261565"/>
+                    <a:gd name="connsiteX4" fmla="*/ 925286 w 925286"/>
+                    <a:gd name="connsiteY4" fmla="*/ 1240972 h 1261565"/>
+                    <a:gd name="connsiteX5" fmla="*/ 903515 w 925286"/>
+                    <a:gd name="connsiteY5" fmla="*/ 1240972 h 1261565"/>
+                  </a:gdLst>
+                  <a:ahLst/>
+                  <a:cxnLst>
+                    <a:cxn ang="0">
+                      <a:pos x="connsiteX0" y="connsiteY0"/>
+                    </a:cxn>
+                    <a:cxn ang="0">
+                      <a:pos x="connsiteX1" y="connsiteY1"/>
+                    </a:cxn>
+                    <a:cxn ang="0">
+                      <a:pos x="connsiteX2" y="connsiteY2"/>
+                    </a:cxn>
+                    <a:cxn ang="0">
+                      <a:pos x="connsiteX3" y="connsiteY3"/>
+                    </a:cxn>
+                    <a:cxn ang="0">
+                      <a:pos x="connsiteX4" y="connsiteY4"/>
+                    </a:cxn>
+                    <a:cxn ang="0">
+                      <a:pos x="connsiteX5" y="connsiteY5"/>
+                    </a:cxn>
+                  </a:cxnLst>
+                  <a:rect l="l" t="t" r="r" b="b"/>
+                  <a:pathLst>
+                    <a:path w="925286" h="1261565">
+                      <a:moveTo>
+                        <a:pt x="0" y="0"/>
+                      </a:moveTo>
+                      <a:cubicBezTo>
+                        <a:pt x="316593" y="79829"/>
+                        <a:pt x="633186" y="159658"/>
+                        <a:pt x="783772" y="359229"/>
+                      </a:cubicBezTo>
+                      <a:cubicBezTo>
+                        <a:pt x="934358" y="558800"/>
+                        <a:pt x="883558" y="1055915"/>
+                        <a:pt x="903515" y="1197429"/>
+                      </a:cubicBezTo>
+                      <a:cubicBezTo>
+                        <a:pt x="923472" y="1338943"/>
+                        <a:pt x="899887" y="1201058"/>
+                        <a:pt x="903515" y="1208315"/>
+                      </a:cubicBezTo>
+                      <a:cubicBezTo>
+                        <a:pt x="907144" y="1215572"/>
+                        <a:pt x="925286" y="1235529"/>
+                        <a:pt x="925286" y="1240972"/>
+                      </a:cubicBezTo>
+                      <a:cubicBezTo>
+                        <a:pt x="925286" y="1246415"/>
+                        <a:pt x="914400" y="1243693"/>
+                        <a:pt x="903515" y="1240972"/>
+                      </a:cubicBezTo>
+                    </a:path>
+                  </a:pathLst>
+                </a:custGeom>
+                <a:noFill/>
+                <a:ln w="76200">
+                  <a:solidFill>
+                    <a:schemeClr val="tx1"/>
+                  </a:solidFill>
+                </a:ln>
+              </p:spPr>
+              <p:style>
+                <a:lnRef idx="2">
+                  <a:schemeClr val="accent1">
+                    <a:shade val="50000"/>
+                  </a:schemeClr>
+                </a:lnRef>
+                <a:fillRef idx="1">
+                  <a:schemeClr val="accent1"/>
+                </a:fillRef>
+                <a:effectRef idx="0">
+                  <a:schemeClr val="accent1"/>
+                </a:effectRef>
+                <a:fontRef idx="minor">
+                  <a:schemeClr val="lt1"/>
+                </a:fontRef>
+              </p:style>
+              <p:txBody>
+                <a:bodyPr rtlCol="0" anchor="ctr"/>
+                <a:lstStyle/>
+                <a:p>
+                  <a:pPr algn="ctr"/>
+                  <a:endParaRPr lang="pt-BR" u="sng"/>
+                </a:p>
+              </p:txBody>
+            </p:sp>
+            <p:sp>
+              <p:nvSpPr>
+                <p:cNvPr id="11" name="Forma livre 10"/>
+                <p:cNvSpPr/>
+                <p:nvPr/>
+              </p:nvSpPr>
+              <p:spPr>
+                <a:xfrm>
+                  <a:off x="3428256" y="3725416"/>
+                  <a:ext cx="504056" cy="652063"/>
+                </a:xfrm>
+                <a:custGeom>
+                  <a:avLst/>
+                  <a:gdLst>
+                    <a:gd name="connsiteX0" fmla="*/ 0 w 925286"/>
+                    <a:gd name="connsiteY0" fmla="*/ 0 h 1261565"/>
+                    <a:gd name="connsiteX1" fmla="*/ 783772 w 925286"/>
+                    <a:gd name="connsiteY1" fmla="*/ 359229 h 1261565"/>
+                    <a:gd name="connsiteX2" fmla="*/ 903515 w 925286"/>
+                    <a:gd name="connsiteY2" fmla="*/ 1197429 h 1261565"/>
+                    <a:gd name="connsiteX3" fmla="*/ 903515 w 925286"/>
+                    <a:gd name="connsiteY3" fmla="*/ 1208315 h 1261565"/>
+                    <a:gd name="connsiteX4" fmla="*/ 925286 w 925286"/>
+                    <a:gd name="connsiteY4" fmla="*/ 1240972 h 1261565"/>
+                    <a:gd name="connsiteX5" fmla="*/ 903515 w 925286"/>
+                    <a:gd name="connsiteY5" fmla="*/ 1240972 h 1261565"/>
+                  </a:gdLst>
+                  <a:ahLst/>
+                  <a:cxnLst>
+                    <a:cxn ang="0">
+                      <a:pos x="connsiteX0" y="connsiteY0"/>
+                    </a:cxn>
+                    <a:cxn ang="0">
+                      <a:pos x="connsiteX1" y="connsiteY1"/>
+                    </a:cxn>
+                    <a:cxn ang="0">
+                      <a:pos x="connsiteX2" y="connsiteY2"/>
+                    </a:cxn>
+                    <a:cxn ang="0">
+                      <a:pos x="connsiteX3" y="connsiteY3"/>
+                    </a:cxn>
+                    <a:cxn ang="0">
+                      <a:pos x="connsiteX4" y="connsiteY4"/>
+                    </a:cxn>
+                    <a:cxn ang="0">
+                      <a:pos x="connsiteX5" y="connsiteY5"/>
+                    </a:cxn>
+                  </a:cxnLst>
+                  <a:rect l="l" t="t" r="r" b="b"/>
+                  <a:pathLst>
+                    <a:path w="925286" h="1261565">
+                      <a:moveTo>
+                        <a:pt x="0" y="0"/>
+                      </a:moveTo>
+                      <a:cubicBezTo>
+                        <a:pt x="316593" y="79829"/>
+                        <a:pt x="633186" y="159658"/>
+                        <a:pt x="783772" y="359229"/>
+                      </a:cubicBezTo>
+                      <a:cubicBezTo>
+                        <a:pt x="934358" y="558800"/>
+                        <a:pt x="883558" y="1055915"/>
+                        <a:pt x="903515" y="1197429"/>
+                      </a:cubicBezTo>
+                      <a:cubicBezTo>
+                        <a:pt x="923472" y="1338943"/>
+                        <a:pt x="899887" y="1201058"/>
+                        <a:pt x="903515" y="1208315"/>
+                      </a:cubicBezTo>
+                      <a:cubicBezTo>
+                        <a:pt x="907144" y="1215572"/>
+                        <a:pt x="925286" y="1235529"/>
+                        <a:pt x="925286" y="1240972"/>
+                      </a:cubicBezTo>
+                      <a:cubicBezTo>
+                        <a:pt x="925286" y="1246415"/>
+                        <a:pt x="914400" y="1243693"/>
+                        <a:pt x="903515" y="1240972"/>
+                      </a:cubicBezTo>
+                    </a:path>
+                  </a:pathLst>
+                </a:custGeom>
+                <a:noFill/>
+                <a:ln w="76200">
+                  <a:solidFill>
+                    <a:schemeClr val="tx1"/>
+                  </a:solidFill>
+                </a:ln>
+              </p:spPr>
+              <p:style>
+                <a:lnRef idx="2">
+                  <a:schemeClr val="accent1">
+                    <a:shade val="50000"/>
+                  </a:schemeClr>
+                </a:lnRef>
+                <a:fillRef idx="1">
+                  <a:schemeClr val="accent1"/>
+                </a:fillRef>
+                <a:effectRef idx="0">
+                  <a:schemeClr val="accent1"/>
+                </a:effectRef>
+                <a:fontRef idx="minor">
+                  <a:schemeClr val="lt1"/>
+                </a:fontRef>
+              </p:style>
+              <p:txBody>
+                <a:bodyPr rtlCol="0" anchor="ctr"/>
+                <a:lstStyle/>
+                <a:p>
+                  <a:pPr algn="ctr"/>
+                  <a:endParaRPr lang="pt-BR" u="sng"/>
+                </a:p>
+              </p:txBody>
+            </p:sp>
             <p:grpSp>
               <p:nvGrpSpPr>
-                <p:cNvPr id="27" name="Grupo 26"/>
+                <p:cNvPr id="12" name="Grupo 11"/>
                 <p:cNvGrpSpPr/>
                 <p:nvPr/>
               </p:nvGrpSpPr>
               <p:grpSpPr>
                 <a:xfrm>
-                  <a:off x="2127751" y="2565803"/>
-                  <a:ext cx="1724169" cy="1655285"/>
-                  <a:chOff x="5584135" y="909619"/>
-                  <a:chExt cx="1724169" cy="1655285"/>
+                  <a:off x="2158781" y="1404460"/>
+                  <a:ext cx="2603780" cy="2888636"/>
+                  <a:chOff x="2127751" y="1332452"/>
+                  <a:chExt cx="2603780" cy="2888636"/>
                 </a:xfrm>
               </p:grpSpPr>
               <p:grpSp>
                 <p:nvGrpSpPr>
-                  <p:cNvPr id="40" name="Grupo 39"/>
+                  <p:cNvPr id="27" name="Grupo 26"/>
                   <p:cNvGrpSpPr/>
                   <p:nvPr/>
                 </p:nvGrpSpPr>
                 <p:grpSpPr>
                   <a:xfrm>
-                    <a:off x="5584135" y="1052736"/>
-                    <a:ext cx="1724169" cy="1512168"/>
-                    <a:chOff x="5584135" y="1052736"/>
-                    <a:chExt cx="1724169" cy="1512168"/>
+                    <a:off x="2127751" y="2565803"/>
+                    <a:ext cx="1724169" cy="1655285"/>
+                    <a:chOff x="5584135" y="909619"/>
+                    <a:chExt cx="1724169" cy="1655285"/>
                   </a:xfrm>
                 </p:grpSpPr>
                 <p:grpSp>
                   <p:nvGrpSpPr>
-                    <p:cNvPr id="42" name="Grupo 41"/>
+                    <p:cNvPr id="40" name="Grupo 39"/>
                     <p:cNvGrpSpPr/>
                     <p:nvPr/>
                   </p:nvGrpSpPr>
                   <p:grpSpPr>
                     <a:xfrm>
-                      <a:off x="5800159" y="1052736"/>
-                      <a:ext cx="1508145" cy="1512168"/>
-                      <a:chOff x="5800159" y="1052736"/>
-                      <a:chExt cx="1508145" cy="1512168"/>
+                      <a:off x="5584135" y="1052736"/>
+                      <a:ext cx="1724169" cy="1512168"/>
+                      <a:chOff x="5584135" y="1052736"/>
+                      <a:chExt cx="1724169" cy="1512168"/>
                     </a:xfrm>
                   </p:grpSpPr>
+                  <p:grpSp>
+                    <p:nvGrpSpPr>
+                      <p:cNvPr id="42" name="Grupo 41"/>
+                      <p:cNvGrpSpPr/>
+                      <p:nvPr/>
+                    </p:nvGrpSpPr>
+                    <p:grpSpPr>
+                      <a:xfrm>
+                        <a:off x="5800159" y="1052736"/>
+                        <a:ext cx="1508145" cy="1512168"/>
+                        <a:chOff x="5800159" y="1052736"/>
+                        <a:chExt cx="1508145" cy="1512168"/>
+                      </a:xfrm>
+                    </p:grpSpPr>
+                    <p:sp>
+                      <p:nvSpPr>
+                        <p:cNvPr id="44" name="Elipse 43"/>
+                        <p:cNvSpPr/>
+                        <p:nvPr/>
+                      </p:nvSpPr>
+                      <p:spPr>
+                        <a:xfrm>
+                          <a:off x="6084168" y="1052736"/>
+                          <a:ext cx="1224136" cy="1224136"/>
+                        </a:xfrm>
+                        <a:prstGeom prst="ellipse">
+                          <a:avLst/>
+                        </a:prstGeom>
+                        <a:solidFill>
+                          <a:srgbClr val="3F2121"/>
+                        </a:solidFill>
+                        <a:ln>
+                          <a:solidFill>
+                            <a:schemeClr val="tx1">
+                              <a:lumMod val="95000"/>
+                              <a:lumOff val="5000"/>
+                            </a:schemeClr>
+                          </a:solidFill>
+                        </a:ln>
+                      </p:spPr>
+                      <p:style>
+                        <a:lnRef idx="2">
+                          <a:schemeClr val="accent1">
+                            <a:shade val="50000"/>
+                          </a:schemeClr>
+                        </a:lnRef>
+                        <a:fillRef idx="1">
+                          <a:schemeClr val="accent1"/>
+                        </a:fillRef>
+                        <a:effectRef idx="0">
+                          <a:schemeClr val="accent1"/>
+                        </a:effectRef>
+                        <a:fontRef idx="minor">
+                          <a:schemeClr val="lt1"/>
+                        </a:fontRef>
+                      </p:style>
+                      <p:txBody>
+                        <a:bodyPr rtlCol="0" anchor="ctr"/>
+                        <a:lstStyle/>
+                        <a:p>
+                          <a:pPr algn="ctr"/>
+                          <a:endParaRPr lang="pt-BR" u="sng"/>
+                        </a:p>
+                      </p:txBody>
+                    </p:sp>
+                    <p:sp>
+                      <p:nvSpPr>
+                        <p:cNvPr id="45" name="Arco 44"/>
+                        <p:cNvSpPr/>
+                        <p:nvPr/>
+                      </p:nvSpPr>
+                      <p:spPr>
+                        <a:xfrm>
+                          <a:off x="5868144" y="1268760"/>
+                          <a:ext cx="864096" cy="1296144"/>
+                        </a:xfrm>
+                        <a:prstGeom prst="arc">
+                          <a:avLst>
+                            <a:gd name="adj1" fmla="val 15854703"/>
+                            <a:gd name="adj2" fmla="val 2674430"/>
+                          </a:avLst>
+                        </a:prstGeom>
+                        <a:ln w="38100">
+                          <a:solidFill>
+                            <a:schemeClr val="tx1">
+                              <a:lumMod val="95000"/>
+                              <a:lumOff val="5000"/>
+                            </a:schemeClr>
+                          </a:solidFill>
+                        </a:ln>
+                      </p:spPr>
+                      <p:style>
+                        <a:lnRef idx="1">
+                          <a:schemeClr val="accent1"/>
+                        </a:lnRef>
+                        <a:fillRef idx="0">
+                          <a:schemeClr val="accent1"/>
+                        </a:fillRef>
+                        <a:effectRef idx="0">
+                          <a:schemeClr val="accent1"/>
+                        </a:effectRef>
+                        <a:fontRef idx="minor">
+                          <a:schemeClr val="tx1"/>
+                        </a:fontRef>
+                      </p:style>
+                      <p:txBody>
+                        <a:bodyPr rtlCol="0" anchor="ctr"/>
+                        <a:lstStyle/>
+                        <a:p>
+                          <a:pPr algn="ctr"/>
+                          <a:endParaRPr lang="pt-BR" u="sng"/>
+                        </a:p>
+                      </p:txBody>
+                    </p:sp>
+                    <p:sp>
+                      <p:nvSpPr>
+                        <p:cNvPr id="46" name="Arco 45"/>
+                        <p:cNvSpPr/>
+                        <p:nvPr/>
+                      </p:nvSpPr>
+                      <p:spPr>
+                        <a:xfrm>
+                          <a:off x="6012160" y="1124744"/>
+                          <a:ext cx="864096" cy="1296144"/>
+                        </a:xfrm>
+                        <a:prstGeom prst="arc">
+                          <a:avLst>
+                            <a:gd name="adj1" fmla="val 15854703"/>
+                            <a:gd name="adj2" fmla="val 3679462"/>
+                          </a:avLst>
+                        </a:prstGeom>
+                        <a:ln w="38100">
+                          <a:solidFill>
+                            <a:schemeClr val="tx1">
+                              <a:lumMod val="95000"/>
+                              <a:lumOff val="5000"/>
+                            </a:schemeClr>
+                          </a:solidFill>
+                        </a:ln>
+                      </p:spPr>
+                      <p:style>
+                        <a:lnRef idx="1">
+                          <a:schemeClr val="accent1"/>
+                        </a:lnRef>
+                        <a:fillRef idx="0">
+                          <a:schemeClr val="accent1"/>
+                        </a:fillRef>
+                        <a:effectRef idx="0">
+                          <a:schemeClr val="accent1"/>
+                        </a:effectRef>
+                        <a:fontRef idx="minor">
+                          <a:schemeClr val="tx1"/>
+                        </a:fontRef>
+                      </p:style>
+                      <p:txBody>
+                        <a:bodyPr rtlCol="0" anchor="ctr"/>
+                        <a:lstStyle/>
+                        <a:p>
+                          <a:pPr algn="ctr"/>
+                          <a:endParaRPr lang="pt-BR" u="sng"/>
+                        </a:p>
+                      </p:txBody>
+                    </p:sp>
+                    <p:sp>
+                      <p:nvSpPr>
+                        <p:cNvPr id="47" name="Arco 46"/>
+                        <p:cNvSpPr/>
+                        <p:nvPr/>
+                      </p:nvSpPr>
+                      <p:spPr>
+                        <a:xfrm>
+                          <a:off x="6183137" y="1071168"/>
+                          <a:ext cx="864096" cy="1296144"/>
+                        </a:xfrm>
+                        <a:prstGeom prst="arc">
+                          <a:avLst>
+                            <a:gd name="adj1" fmla="val 15854703"/>
+                            <a:gd name="adj2" fmla="val 4009036"/>
+                          </a:avLst>
+                        </a:prstGeom>
+                        <a:ln w="28575">
+                          <a:solidFill>
+                            <a:schemeClr val="tx1">
+                              <a:lumMod val="95000"/>
+                              <a:lumOff val="5000"/>
+                            </a:schemeClr>
+                          </a:solidFill>
+                        </a:ln>
+                      </p:spPr>
+                      <p:style>
+                        <a:lnRef idx="1">
+                          <a:schemeClr val="accent1"/>
+                        </a:lnRef>
+                        <a:fillRef idx="0">
+                          <a:schemeClr val="accent1"/>
+                        </a:fillRef>
+                        <a:effectRef idx="0">
+                          <a:schemeClr val="accent1"/>
+                        </a:effectRef>
+                        <a:fontRef idx="minor">
+                          <a:schemeClr val="tx1"/>
+                        </a:fontRef>
+                      </p:style>
+                      <p:txBody>
+                        <a:bodyPr rtlCol="0" anchor="ctr"/>
+                        <a:lstStyle/>
+                        <a:p>
+                          <a:pPr algn="ctr"/>
+                          <a:endParaRPr lang="pt-BR" u="sng"/>
+                        </a:p>
+                      </p:txBody>
+                    </p:sp>
+                    <p:sp>
+                      <p:nvSpPr>
+                        <p:cNvPr id="48" name="Arco 47"/>
+                        <p:cNvSpPr/>
+                        <p:nvPr/>
+                      </p:nvSpPr>
+                      <p:spPr>
+                        <a:xfrm>
+                          <a:off x="5800159" y="1628800"/>
+                          <a:ext cx="644049" cy="936104"/>
+                        </a:xfrm>
+                        <a:prstGeom prst="arc">
+                          <a:avLst>
+                            <a:gd name="adj1" fmla="val 15888315"/>
+                            <a:gd name="adj2" fmla="val 1381770"/>
+                          </a:avLst>
+                        </a:prstGeom>
+                        <a:ln w="28575">
+                          <a:solidFill>
+                            <a:schemeClr val="tx1">
+                              <a:lumMod val="95000"/>
+                              <a:lumOff val="5000"/>
+                            </a:schemeClr>
+                          </a:solidFill>
+                        </a:ln>
+                      </p:spPr>
+                      <p:style>
+                        <a:lnRef idx="1">
+                          <a:schemeClr val="accent1"/>
+                        </a:lnRef>
+                        <a:fillRef idx="0">
+                          <a:schemeClr val="accent1"/>
+                        </a:fillRef>
+                        <a:effectRef idx="0">
+                          <a:schemeClr val="accent1"/>
+                        </a:effectRef>
+                        <a:fontRef idx="minor">
+                          <a:schemeClr val="tx1"/>
+                        </a:fontRef>
+                      </p:style>
+                      <p:txBody>
+                        <a:bodyPr rtlCol="0" anchor="ctr"/>
+                        <a:lstStyle/>
+                        <a:p>
+                          <a:pPr algn="ctr"/>
+                          <a:endParaRPr lang="pt-BR" u="sng"/>
+                        </a:p>
+                      </p:txBody>
+                    </p:sp>
+                    <p:sp>
+                      <p:nvSpPr>
+                        <p:cNvPr id="49" name="Arco 48"/>
+                        <p:cNvSpPr/>
+                        <p:nvPr/>
+                      </p:nvSpPr>
+                      <p:spPr>
+                        <a:xfrm>
+                          <a:off x="5907562" y="1825078"/>
+                          <a:ext cx="464638" cy="667818"/>
+                        </a:xfrm>
+                        <a:prstGeom prst="arc">
+                          <a:avLst/>
+                        </a:prstGeom>
+                        <a:ln w="28575">
+                          <a:solidFill>
+                            <a:schemeClr val="tx1">
+                              <a:lumMod val="95000"/>
+                              <a:lumOff val="5000"/>
+                            </a:schemeClr>
+                          </a:solidFill>
+                        </a:ln>
+                      </p:spPr>
+                      <p:style>
+                        <a:lnRef idx="1">
+                          <a:schemeClr val="accent1"/>
+                        </a:lnRef>
+                        <a:fillRef idx="0">
+                          <a:schemeClr val="accent1"/>
+                        </a:fillRef>
+                        <a:effectRef idx="0">
+                          <a:schemeClr val="accent1"/>
+                        </a:effectRef>
+                        <a:fontRef idx="minor">
+                          <a:schemeClr val="tx1"/>
+                        </a:fontRef>
+                      </p:style>
+                      <p:txBody>
+                        <a:bodyPr rtlCol="0" anchor="ctr"/>
+                        <a:lstStyle/>
+                        <a:p>
+                          <a:pPr algn="ctr"/>
+                          <a:endParaRPr lang="pt-BR" u="sng"/>
+                        </a:p>
+                      </p:txBody>
+                    </p:sp>
+                  </p:grpSp>
                   <p:sp>
                     <p:nvSpPr>
-                      <p:cNvPr id="44" name="Elipse 43"/>
+                      <p:cNvPr id="43" name="Arco 42"/>
                       <p:cNvSpPr/>
                       <p:nvPr/>
                     </p:nvSpPr>
                     <p:spPr>
                       <a:xfrm>
-                        <a:off x="6084168" y="1052736"/>
-                        <a:ext cx="1224136" cy="1224136"/>
-                      </a:xfrm>
-                      <a:prstGeom prst="ellipse">
-                        <a:avLst/>
-                      </a:prstGeom>
-                      <a:solidFill>
-                        <a:srgbClr val="3F2121"/>
-                      </a:solidFill>
-                      <a:ln>
-                        <a:solidFill>
-                          <a:schemeClr val="tx1">
-                            <a:lumMod val="95000"/>
-                            <a:lumOff val="5000"/>
-                          </a:schemeClr>
-                        </a:solidFill>
-                      </a:ln>
-                    </p:spPr>
-                    <p:style>
-                      <a:lnRef idx="2">
-                        <a:schemeClr val="accent1">
-                          <a:shade val="50000"/>
-                        </a:schemeClr>
-                      </a:lnRef>
-                      <a:fillRef idx="1">
-                        <a:schemeClr val="accent1"/>
-                      </a:fillRef>
-                      <a:effectRef idx="0">
-                        <a:schemeClr val="accent1"/>
-                      </a:effectRef>
-                      <a:fontRef idx="minor">
-                        <a:schemeClr val="lt1"/>
-                      </a:fontRef>
-                    </p:style>
-                    <p:txBody>
-                      <a:bodyPr rtlCol="0" anchor="ctr"/>
-                      <a:lstStyle/>
-                      <a:p>
-                        <a:pPr algn="ctr"/>
-                        <a:endParaRPr lang="pt-BR" u="sng"/>
-                      </a:p>
-                    </p:txBody>
-                  </p:sp>
-                  <p:sp>
-                    <p:nvSpPr>
-                      <p:cNvPr id="45" name="Arco 44"/>
-                      <p:cNvSpPr/>
-                      <p:nvPr/>
-                    </p:nvSpPr>
-                    <p:spPr>
-                      <a:xfrm>
-                        <a:off x="5868144" y="1268760"/>
-                        <a:ext cx="864096" cy="1296144"/>
+                        <a:off x="5584135" y="1412776"/>
+                        <a:ext cx="1004089" cy="1080120"/>
                       </a:xfrm>
                       <a:prstGeom prst="arc">
                         <a:avLst>
-                          <a:gd name="adj1" fmla="val 15854703"/>
-                          <a:gd name="adj2" fmla="val 2674430"/>
+                          <a:gd name="adj1" fmla="val 16552352"/>
+                          <a:gd name="adj2" fmla="val 2166314"/>
                         </a:avLst>
                       </a:prstGeom>
                       <a:ln w="38100">
@@ -6838,218 +7095,25 @@
                       </a:p>
                     </p:txBody>
                   </p:sp>
-                  <p:sp>
-                    <p:nvSpPr>
-                      <p:cNvPr id="46" name="Arco 45"/>
-                      <p:cNvSpPr/>
-                      <p:nvPr/>
-                    </p:nvSpPr>
-                    <p:spPr>
-                      <a:xfrm>
-                        <a:off x="6012160" y="1124744"/>
-                        <a:ext cx="864096" cy="1296144"/>
-                      </a:xfrm>
-                      <a:prstGeom prst="arc">
-                        <a:avLst>
-                          <a:gd name="adj1" fmla="val 15854703"/>
-                          <a:gd name="adj2" fmla="val 3679462"/>
-                        </a:avLst>
-                      </a:prstGeom>
-                      <a:ln w="38100">
-                        <a:solidFill>
-                          <a:schemeClr val="tx1">
-                            <a:lumMod val="95000"/>
-                            <a:lumOff val="5000"/>
-                          </a:schemeClr>
-                        </a:solidFill>
-                      </a:ln>
-                    </p:spPr>
-                    <p:style>
-                      <a:lnRef idx="1">
-                        <a:schemeClr val="accent1"/>
-                      </a:lnRef>
-                      <a:fillRef idx="0">
-                        <a:schemeClr val="accent1"/>
-                      </a:fillRef>
-                      <a:effectRef idx="0">
-                        <a:schemeClr val="accent1"/>
-                      </a:effectRef>
-                      <a:fontRef idx="minor">
-                        <a:schemeClr val="tx1"/>
-                      </a:fontRef>
-                    </p:style>
-                    <p:txBody>
-                      <a:bodyPr rtlCol="0" anchor="ctr"/>
-                      <a:lstStyle/>
-                      <a:p>
-                        <a:pPr algn="ctr"/>
-                        <a:endParaRPr lang="pt-BR" u="sng"/>
-                      </a:p>
-                    </p:txBody>
-                  </p:sp>
-                  <p:sp>
-                    <p:nvSpPr>
-                      <p:cNvPr id="47" name="Arco 46"/>
-                      <p:cNvSpPr/>
-                      <p:nvPr/>
-                    </p:nvSpPr>
-                    <p:spPr>
-                      <a:xfrm>
-                        <a:off x="6183137" y="1071168"/>
-                        <a:ext cx="864096" cy="1296144"/>
-                      </a:xfrm>
-                      <a:prstGeom prst="arc">
-                        <a:avLst>
-                          <a:gd name="adj1" fmla="val 15854703"/>
-                          <a:gd name="adj2" fmla="val 4009036"/>
-                        </a:avLst>
-                      </a:prstGeom>
-                      <a:ln w="28575">
-                        <a:solidFill>
-                          <a:schemeClr val="tx1">
-                            <a:lumMod val="95000"/>
-                            <a:lumOff val="5000"/>
-                          </a:schemeClr>
-                        </a:solidFill>
-                      </a:ln>
-                    </p:spPr>
-                    <p:style>
-                      <a:lnRef idx="1">
-                        <a:schemeClr val="accent1"/>
-                      </a:lnRef>
-                      <a:fillRef idx="0">
-                        <a:schemeClr val="accent1"/>
-                      </a:fillRef>
-                      <a:effectRef idx="0">
-                        <a:schemeClr val="accent1"/>
-                      </a:effectRef>
-                      <a:fontRef idx="minor">
-                        <a:schemeClr val="tx1"/>
-                      </a:fontRef>
-                    </p:style>
-                    <p:txBody>
-                      <a:bodyPr rtlCol="0" anchor="ctr"/>
-                      <a:lstStyle/>
-                      <a:p>
-                        <a:pPr algn="ctr"/>
-                        <a:endParaRPr lang="pt-BR" u="sng"/>
-                      </a:p>
-                    </p:txBody>
-                  </p:sp>
-                  <p:sp>
-                    <p:nvSpPr>
-                      <p:cNvPr id="48" name="Arco 47"/>
-                      <p:cNvSpPr/>
-                      <p:nvPr/>
-                    </p:nvSpPr>
-                    <p:spPr>
-                      <a:xfrm>
-                        <a:off x="5800159" y="1628800"/>
-                        <a:ext cx="644049" cy="936104"/>
-                      </a:xfrm>
-                      <a:prstGeom prst="arc">
-                        <a:avLst>
-                          <a:gd name="adj1" fmla="val 15888315"/>
-                          <a:gd name="adj2" fmla="val 1381770"/>
-                        </a:avLst>
-                      </a:prstGeom>
-                      <a:ln w="28575">
-                        <a:solidFill>
-                          <a:schemeClr val="tx1">
-                            <a:lumMod val="95000"/>
-                            <a:lumOff val="5000"/>
-                          </a:schemeClr>
-                        </a:solidFill>
-                      </a:ln>
-                    </p:spPr>
-                    <p:style>
-                      <a:lnRef idx="1">
-                        <a:schemeClr val="accent1"/>
-                      </a:lnRef>
-                      <a:fillRef idx="0">
-                        <a:schemeClr val="accent1"/>
-                      </a:fillRef>
-                      <a:effectRef idx="0">
-                        <a:schemeClr val="accent1"/>
-                      </a:effectRef>
-                      <a:fontRef idx="minor">
-                        <a:schemeClr val="tx1"/>
-                      </a:fontRef>
-                    </p:style>
-                    <p:txBody>
-                      <a:bodyPr rtlCol="0" anchor="ctr"/>
-                      <a:lstStyle/>
-                      <a:p>
-                        <a:pPr algn="ctr"/>
-                        <a:endParaRPr lang="pt-BR" u="sng"/>
-                      </a:p>
-                    </p:txBody>
-                  </p:sp>
-                  <p:sp>
-                    <p:nvSpPr>
-                      <p:cNvPr id="49" name="Arco 48"/>
-                      <p:cNvSpPr/>
-                      <p:nvPr/>
-                    </p:nvSpPr>
-                    <p:spPr>
-                      <a:xfrm>
-                        <a:off x="5907562" y="1825078"/>
-                        <a:ext cx="464638" cy="667818"/>
-                      </a:xfrm>
-                      <a:prstGeom prst="arc">
-                        <a:avLst/>
-                      </a:prstGeom>
-                      <a:ln w="28575">
-                        <a:solidFill>
-                          <a:schemeClr val="tx1">
-                            <a:lumMod val="95000"/>
-                            <a:lumOff val="5000"/>
-                          </a:schemeClr>
-                        </a:solidFill>
-                      </a:ln>
-                    </p:spPr>
-                    <p:style>
-                      <a:lnRef idx="1">
-                        <a:schemeClr val="accent1"/>
-                      </a:lnRef>
-                      <a:fillRef idx="0">
-                        <a:schemeClr val="accent1"/>
-                      </a:fillRef>
-                      <a:effectRef idx="0">
-                        <a:schemeClr val="accent1"/>
-                      </a:effectRef>
-                      <a:fontRef idx="minor">
-                        <a:schemeClr val="tx1"/>
-                      </a:fontRef>
-                    </p:style>
-                    <p:txBody>
-                      <a:bodyPr rtlCol="0" anchor="ctr"/>
-                      <a:lstStyle/>
-                      <a:p>
-                        <a:pPr algn="ctr"/>
-                        <a:endParaRPr lang="pt-BR" u="sng"/>
-                      </a:p>
-                    </p:txBody>
-                  </p:sp>
                 </p:grpSp>
                 <p:sp>
                   <p:nvSpPr>
-                    <p:cNvPr id="43" name="Arco 42"/>
+                    <p:cNvPr id="41" name="Arco 40"/>
                     <p:cNvSpPr/>
                     <p:nvPr/>
                   </p:nvSpPr>
                   <p:spPr>
-                    <a:xfrm>
-                      <a:off x="5584135" y="1412776"/>
-                      <a:ext cx="1004089" cy="1080120"/>
+                    <a:xfrm rot="2525959">
+                      <a:off x="5693025" y="909619"/>
+                      <a:ext cx="1512168" cy="1493736"/>
                     </a:xfrm>
                     <a:prstGeom prst="arc">
                       <a:avLst>
-                        <a:gd name="adj1" fmla="val 16552352"/>
-                        <a:gd name="adj2" fmla="val 2166314"/>
+                        <a:gd name="adj1" fmla="val 16335632"/>
+                        <a:gd name="adj2" fmla="val 745188"/>
                       </a:avLst>
                     </a:prstGeom>
-                    <a:ln w="38100">
+                    <a:ln w="28575">
                       <a:solidFill>
                         <a:schemeClr val="tx1">
                           <a:lumMod val="95000"/>
@@ -7084,22 +7148,19 @@
               </p:grpSp>
               <p:sp>
                 <p:nvSpPr>
-                  <p:cNvPr id="41" name="Arco 40"/>
+                  <p:cNvPr id="28" name="Arco 27"/>
                   <p:cNvSpPr/>
                   <p:nvPr/>
                 </p:nvSpPr>
                 <p:spPr>
-                  <a:xfrm rot="2525959">
-                    <a:off x="5693025" y="909619"/>
-                    <a:ext cx="1512168" cy="1493736"/>
+                  <a:xfrm>
+                    <a:off x="3151087" y="1332452"/>
+                    <a:ext cx="576064" cy="648072"/>
                   </a:xfrm>
                   <a:prstGeom prst="arc">
-                    <a:avLst>
-                      <a:gd name="adj1" fmla="val 16335632"/>
-                      <a:gd name="adj2" fmla="val 745188"/>
-                    </a:avLst>
+                    <a:avLst/>
                   </a:prstGeom>
-                  <a:ln w="28575">
+                  <a:ln w="38100">
                     <a:solidFill>
                       <a:schemeClr val="tx1">
                         <a:lumMod val="95000"/>
@@ -7131,241 +7192,70 @@
                   </a:p>
                 </p:txBody>
               </p:sp>
-            </p:grpSp>
-            <p:sp>
-              <p:nvSpPr>
-                <p:cNvPr id="28" name="Arco 27"/>
-                <p:cNvSpPr/>
-                <p:nvPr/>
-              </p:nvSpPr>
-              <p:spPr>
-                <a:xfrm>
-                  <a:off x="3151087" y="1332452"/>
-                  <a:ext cx="576064" cy="648072"/>
-                </a:xfrm>
-                <a:prstGeom prst="arc">
-                  <a:avLst/>
-                </a:prstGeom>
-                <a:ln w="38100">
-                  <a:solidFill>
-                    <a:schemeClr val="tx1">
-                      <a:lumMod val="95000"/>
-                      <a:lumOff val="5000"/>
-                    </a:schemeClr>
-                  </a:solidFill>
-                </a:ln>
-              </p:spPr>
-              <p:style>
-                <a:lnRef idx="1">
-                  <a:schemeClr val="accent1"/>
-                </a:lnRef>
-                <a:fillRef idx="0">
-                  <a:schemeClr val="accent1"/>
-                </a:fillRef>
-                <a:effectRef idx="0">
-                  <a:schemeClr val="accent1"/>
-                </a:effectRef>
-                <a:fontRef idx="minor">
-                  <a:schemeClr val="tx1"/>
-                </a:fontRef>
-              </p:style>
-              <p:txBody>
-                <a:bodyPr rtlCol="0" anchor="ctr"/>
-                <a:lstStyle/>
-                <a:p>
-                  <a:pPr algn="ctr"/>
-                  <a:endParaRPr lang="pt-BR" u="sng"/>
-                </a:p>
-              </p:txBody>
-            </p:sp>
-            <p:sp>
-              <p:nvSpPr>
-                <p:cNvPr id="29" name="Arco 28"/>
-                <p:cNvSpPr/>
-                <p:nvPr/>
-              </p:nvSpPr>
-              <p:spPr>
-                <a:xfrm rot="16391247">
-                  <a:off x="4119463" y="1431208"/>
-                  <a:ext cx="576064" cy="648072"/>
-                </a:xfrm>
-                <a:prstGeom prst="arc">
-                  <a:avLst/>
-                </a:prstGeom>
-                <a:ln w="38100">
-                  <a:solidFill>
-                    <a:schemeClr val="tx1">
-                      <a:lumMod val="95000"/>
-                      <a:lumOff val="5000"/>
-                    </a:schemeClr>
-                  </a:solidFill>
-                </a:ln>
-              </p:spPr>
-              <p:style>
-                <a:lnRef idx="1">
-                  <a:schemeClr val="accent1"/>
-                </a:lnRef>
-                <a:fillRef idx="0">
-                  <a:schemeClr val="accent1"/>
-                </a:fillRef>
-                <a:effectRef idx="0">
-                  <a:schemeClr val="accent1"/>
-                </a:effectRef>
-                <a:fontRef idx="minor">
-                  <a:schemeClr val="tx1"/>
-                </a:fontRef>
-              </p:style>
-              <p:txBody>
-                <a:bodyPr rtlCol="0" anchor="ctr"/>
-                <a:lstStyle/>
-                <a:p>
-                  <a:pPr algn="ctr"/>
-                  <a:endParaRPr lang="pt-BR" u="sng"/>
-                </a:p>
-              </p:txBody>
-            </p:sp>
-            <p:sp>
-              <p:nvSpPr>
-                <p:cNvPr id="30" name="Elipse 29"/>
-                <p:cNvSpPr/>
-                <p:nvPr/>
-              </p:nvSpPr>
-              <p:spPr>
-                <a:xfrm>
-                  <a:off x="3131840" y="2230269"/>
-                  <a:ext cx="952106" cy="899435"/>
-                </a:xfrm>
-                <a:prstGeom prst="ellipse">
-                  <a:avLst/>
-                </a:prstGeom>
-                <a:solidFill>
-                  <a:schemeClr val="accent2">
-                    <a:lumMod val="50000"/>
-                  </a:schemeClr>
-                </a:solidFill>
-                <a:ln>
-                  <a:solidFill>
-                    <a:schemeClr val="tx1">
-                      <a:lumMod val="95000"/>
-                      <a:lumOff val="5000"/>
-                    </a:schemeClr>
-                  </a:solidFill>
-                </a:ln>
-              </p:spPr>
-              <p:style>
-                <a:lnRef idx="2">
-                  <a:schemeClr val="accent1">
-                    <a:shade val="50000"/>
-                  </a:schemeClr>
-                </a:lnRef>
-                <a:fillRef idx="1">
-                  <a:schemeClr val="accent1"/>
-                </a:fillRef>
-                <a:effectRef idx="0">
-                  <a:schemeClr val="accent1"/>
-                </a:effectRef>
-                <a:fontRef idx="minor">
-                  <a:schemeClr val="lt1"/>
-                </a:fontRef>
-              </p:style>
-              <p:txBody>
-                <a:bodyPr rtlCol="0" anchor="ctr"/>
-                <a:lstStyle/>
-                <a:p>
-                  <a:pPr algn="ctr"/>
-                  <a:endParaRPr lang="pt-BR" u="sng">
+              <p:sp>
+                <p:nvSpPr>
+                  <p:cNvPr id="29" name="Arco 28"/>
+                  <p:cNvSpPr/>
+                  <p:nvPr/>
+                </p:nvSpPr>
+                <p:spPr>
+                  <a:xfrm rot="16391247">
+                    <a:off x="4119463" y="1431208"/>
+                    <a:ext cx="576064" cy="648072"/>
+                  </a:xfrm>
+                  <a:prstGeom prst="arc">
+                    <a:avLst/>
+                  </a:prstGeom>
+                  <a:ln w="38100">
                     <a:solidFill>
-                      <a:schemeClr val="accent6">
-                        <a:lumMod val="50000"/>
+                      <a:schemeClr val="tx1">
+                        <a:lumMod val="95000"/>
+                        <a:lumOff val="5000"/>
                       </a:schemeClr>
                     </a:solidFill>
-                  </a:endParaRPr>
-                </a:p>
-              </p:txBody>
-            </p:sp>
-            <p:sp>
-              <p:nvSpPr>
-                <p:cNvPr id="31" name="Elipse 30"/>
-                <p:cNvSpPr/>
-                <p:nvPr/>
-              </p:nvSpPr>
-              <p:spPr>
-                <a:xfrm>
-                  <a:off x="3460850" y="1628800"/>
-                  <a:ext cx="864096" cy="864096"/>
-                </a:xfrm>
-                <a:prstGeom prst="ellipse">
-                  <a:avLst/>
-                </a:prstGeom>
-                <a:solidFill>
-                  <a:schemeClr val="accent2">
-                    <a:lumMod val="50000"/>
-                  </a:schemeClr>
-                </a:solidFill>
-                <a:ln>
-                  <a:solidFill>
-                    <a:schemeClr val="tx1">
-                      <a:lumMod val="95000"/>
-                      <a:lumOff val="5000"/>
-                    </a:schemeClr>
-                  </a:solidFill>
-                </a:ln>
-              </p:spPr>
-              <p:style>
-                <a:lnRef idx="2">
-                  <a:schemeClr val="accent1">
-                    <a:shade val="50000"/>
-                  </a:schemeClr>
-                </a:lnRef>
-                <a:fillRef idx="1">
-                  <a:schemeClr val="accent1"/>
-                </a:fillRef>
-                <a:effectRef idx="0">
-                  <a:schemeClr val="accent1"/>
-                </a:effectRef>
-                <a:fontRef idx="minor">
-                  <a:schemeClr val="lt1"/>
-                </a:fontRef>
-              </p:style>
-              <p:txBody>
-                <a:bodyPr rtlCol="0" anchor="ctr"/>
-                <a:lstStyle/>
-                <a:p>
-                  <a:pPr algn="ctr"/>
-                  <a:endParaRPr lang="pt-BR" u="sng"/>
-                </a:p>
-              </p:txBody>
-            </p:sp>
-            <p:grpSp>
-              <p:nvGrpSpPr>
-                <p:cNvPr id="32" name="Grupo 31"/>
-                <p:cNvGrpSpPr/>
-                <p:nvPr/>
-              </p:nvGrpSpPr>
-              <p:grpSpPr>
-                <a:xfrm>
-                  <a:off x="3972891" y="1836508"/>
-                  <a:ext cx="240027" cy="288032"/>
-                  <a:chOff x="5724128" y="1268760"/>
-                  <a:chExt cx="1080120" cy="1044116"/>
-                </a:xfrm>
-              </p:grpSpPr>
+                  </a:ln>
+                </p:spPr>
+                <p:style>
+                  <a:lnRef idx="1">
+                    <a:schemeClr val="accent1"/>
+                  </a:lnRef>
+                  <a:fillRef idx="0">
+                    <a:schemeClr val="accent1"/>
+                  </a:fillRef>
+                  <a:effectRef idx="0">
+                    <a:schemeClr val="accent1"/>
+                  </a:effectRef>
+                  <a:fontRef idx="minor">
+                    <a:schemeClr val="tx1"/>
+                  </a:fontRef>
+                </p:style>
+                <p:txBody>
+                  <a:bodyPr rtlCol="0" anchor="ctr"/>
+                  <a:lstStyle/>
+                  <a:p>
+                    <a:pPr algn="ctr"/>
+                    <a:endParaRPr lang="pt-BR" u="sng"/>
+                  </a:p>
+                </p:txBody>
+              </p:sp>
               <p:sp>
                 <p:nvSpPr>
-                  <p:cNvPr id="37" name="Elipse 36"/>
+                  <p:cNvPr id="30" name="Elipse 29"/>
                   <p:cNvSpPr/>
                   <p:nvPr/>
                 </p:nvSpPr>
                 <p:spPr>
                   <a:xfrm>
-                    <a:off x="5724128" y="1268760"/>
-                    <a:ext cx="1080120" cy="1044116"/>
+                    <a:off x="3131840" y="2230269"/>
+                    <a:ext cx="952106" cy="899435"/>
                   </a:xfrm>
                   <a:prstGeom prst="ellipse">
                     <a:avLst/>
                   </a:prstGeom>
                   <a:solidFill>
-                    <a:schemeClr val="bg1"/>
+                    <a:schemeClr val="accent2">
+                      <a:lumMod val="50000"/>
+                    </a:schemeClr>
                   </a:solidFill>
                   <a:ln>
                     <a:solidFill>
@@ -7397,28 +7287,33 @@
                   <a:lstStyle/>
                   <a:p>
                     <a:pPr algn="ctr"/>
-                    <a:endParaRPr lang="pt-BR" u="sng"/>
+                    <a:endParaRPr lang="pt-BR" u="sng">
+                      <a:solidFill>
+                        <a:schemeClr val="accent6">
+                          <a:lumMod val="50000"/>
+                        </a:schemeClr>
+                      </a:solidFill>
+                    </a:endParaRPr>
                   </a:p>
                 </p:txBody>
               </p:sp>
               <p:sp>
                 <p:nvSpPr>
-                  <p:cNvPr id="38" name="Elipse 37"/>
+                  <p:cNvPr id="31" name="Elipse 30"/>
                   <p:cNvSpPr/>
                   <p:nvPr/>
                 </p:nvSpPr>
                 <p:spPr>
                   <a:xfrm>
-                    <a:off x="5904148" y="1430778"/>
-                    <a:ext cx="720080" cy="720080"/>
+                    <a:off x="3460850" y="1628800"/>
+                    <a:ext cx="864096" cy="864096"/>
                   </a:xfrm>
                   <a:prstGeom prst="ellipse">
                     <a:avLst/>
                   </a:prstGeom>
                   <a:solidFill>
-                    <a:schemeClr val="tx1">
-                      <a:lumMod val="95000"/>
-                      <a:lumOff val="5000"/>
+                    <a:schemeClr val="accent2">
+                      <a:lumMod val="50000"/>
                     </a:schemeClr>
                   </a:solidFill>
                   <a:ln>
@@ -7455,87 +7350,367 @@
                   </a:p>
                 </p:txBody>
               </p:sp>
+              <p:grpSp>
+                <p:nvGrpSpPr>
+                  <p:cNvPr id="32" name="Grupo 31"/>
+                  <p:cNvGrpSpPr/>
+                  <p:nvPr/>
+                </p:nvGrpSpPr>
+                <p:grpSpPr>
+                  <a:xfrm>
+                    <a:off x="3972891" y="1836508"/>
+                    <a:ext cx="240027" cy="288032"/>
+                    <a:chOff x="5724128" y="1268760"/>
+                    <a:chExt cx="1080120" cy="1044116"/>
+                  </a:xfrm>
+                </p:grpSpPr>
+                <p:sp>
+                  <p:nvSpPr>
+                    <p:cNvPr id="37" name="Elipse 36"/>
+                    <p:cNvSpPr/>
+                    <p:nvPr/>
+                  </p:nvSpPr>
+                  <p:spPr>
+                    <a:xfrm>
+                      <a:off x="5724128" y="1268760"/>
+                      <a:ext cx="1080120" cy="1044116"/>
+                    </a:xfrm>
+                    <a:prstGeom prst="ellipse">
+                      <a:avLst/>
+                    </a:prstGeom>
+                    <a:solidFill>
+                      <a:schemeClr val="bg1"/>
+                    </a:solidFill>
+                    <a:ln>
+                      <a:solidFill>
+                        <a:schemeClr val="tx1">
+                          <a:lumMod val="95000"/>
+                          <a:lumOff val="5000"/>
+                        </a:schemeClr>
+                      </a:solidFill>
+                    </a:ln>
+                  </p:spPr>
+                  <p:style>
+                    <a:lnRef idx="2">
+                      <a:schemeClr val="accent1">
+                        <a:shade val="50000"/>
+                      </a:schemeClr>
+                    </a:lnRef>
+                    <a:fillRef idx="1">
+                      <a:schemeClr val="accent1"/>
+                    </a:fillRef>
+                    <a:effectRef idx="0">
+                      <a:schemeClr val="accent1"/>
+                    </a:effectRef>
+                    <a:fontRef idx="minor">
+                      <a:schemeClr val="lt1"/>
+                    </a:fontRef>
+                  </p:style>
+                  <p:txBody>
+                    <a:bodyPr rtlCol="0" anchor="ctr"/>
+                    <a:lstStyle/>
+                    <a:p>
+                      <a:pPr algn="ctr"/>
+                      <a:endParaRPr lang="pt-BR" u="sng"/>
+                    </a:p>
+                  </p:txBody>
+                </p:sp>
+                <p:sp>
+                  <p:nvSpPr>
+                    <p:cNvPr id="38" name="Elipse 37"/>
+                    <p:cNvSpPr/>
+                    <p:nvPr/>
+                  </p:nvSpPr>
+                  <p:spPr>
+                    <a:xfrm>
+                      <a:off x="5904148" y="1430778"/>
+                      <a:ext cx="720080" cy="720080"/>
+                    </a:xfrm>
+                    <a:prstGeom prst="ellipse">
+                      <a:avLst/>
+                    </a:prstGeom>
+                    <a:solidFill>
+                      <a:schemeClr val="tx1">
+                        <a:lumMod val="95000"/>
+                        <a:lumOff val="5000"/>
+                      </a:schemeClr>
+                    </a:solidFill>
+                    <a:ln>
+                      <a:solidFill>
+                        <a:schemeClr val="tx1">
+                          <a:lumMod val="95000"/>
+                          <a:lumOff val="5000"/>
+                        </a:schemeClr>
+                      </a:solidFill>
+                    </a:ln>
+                  </p:spPr>
+                  <p:style>
+                    <a:lnRef idx="2">
+                      <a:schemeClr val="accent1">
+                        <a:shade val="50000"/>
+                      </a:schemeClr>
+                    </a:lnRef>
+                    <a:fillRef idx="1">
+                      <a:schemeClr val="accent1"/>
+                    </a:fillRef>
+                    <a:effectRef idx="0">
+                      <a:schemeClr val="accent1"/>
+                    </a:effectRef>
+                    <a:fontRef idx="minor">
+                      <a:schemeClr val="lt1"/>
+                    </a:fontRef>
+                  </p:style>
+                  <p:txBody>
+                    <a:bodyPr rtlCol="0" anchor="ctr"/>
+                    <a:lstStyle/>
+                    <a:p>
+                      <a:pPr algn="ctr"/>
+                      <a:endParaRPr lang="pt-BR" u="sng"/>
+                    </a:p>
+                  </p:txBody>
+                </p:sp>
+                <p:sp>
+                  <p:nvSpPr>
+                    <p:cNvPr id="39" name="Elipse 38"/>
+                    <p:cNvSpPr/>
+                    <p:nvPr/>
+                  </p:nvSpPr>
+                  <p:spPr>
+                    <a:xfrm>
+                      <a:off x="6264188" y="1790818"/>
+                      <a:ext cx="180020" cy="198022"/>
+                    </a:xfrm>
+                    <a:prstGeom prst="ellipse">
+                      <a:avLst/>
+                    </a:prstGeom>
+                    <a:solidFill>
+                      <a:schemeClr val="bg1"/>
+                    </a:solidFill>
+                  </p:spPr>
+                  <p:style>
+                    <a:lnRef idx="2">
+                      <a:schemeClr val="accent1">
+                        <a:shade val="50000"/>
+                      </a:schemeClr>
+                    </a:lnRef>
+                    <a:fillRef idx="1">
+                      <a:schemeClr val="accent1"/>
+                    </a:fillRef>
+                    <a:effectRef idx="0">
+                      <a:schemeClr val="accent1"/>
+                    </a:effectRef>
+                    <a:fontRef idx="minor">
+                      <a:schemeClr val="lt1"/>
+                    </a:fontRef>
+                  </p:style>
+                  <p:txBody>
+                    <a:bodyPr rtlCol="0" anchor="ctr"/>
+                    <a:lstStyle/>
+                    <a:p>
+                      <a:pPr algn="ctr"/>
+                      <a:endParaRPr lang="pt-BR" u="sng"/>
+                    </a:p>
+                  </p:txBody>
+                </p:sp>
+              </p:grpSp>
+              <p:grpSp>
+                <p:nvGrpSpPr>
+                  <p:cNvPr id="33" name="Grupo 32"/>
+                  <p:cNvGrpSpPr/>
+                  <p:nvPr/>
+                </p:nvGrpSpPr>
+                <p:grpSpPr>
+                  <a:xfrm>
+                    <a:off x="3635896" y="1836508"/>
+                    <a:ext cx="240027" cy="288032"/>
+                    <a:chOff x="5724128" y="1268760"/>
+                    <a:chExt cx="1080120" cy="1044116"/>
+                  </a:xfrm>
+                </p:grpSpPr>
+                <p:sp>
+                  <p:nvSpPr>
+                    <p:cNvPr id="34" name="Elipse 33"/>
+                    <p:cNvSpPr/>
+                    <p:nvPr/>
+                  </p:nvSpPr>
+                  <p:spPr>
+                    <a:xfrm>
+                      <a:off x="5724128" y="1268760"/>
+                      <a:ext cx="1080120" cy="1044116"/>
+                    </a:xfrm>
+                    <a:prstGeom prst="ellipse">
+                      <a:avLst/>
+                    </a:prstGeom>
+                    <a:solidFill>
+                      <a:schemeClr val="bg1"/>
+                    </a:solidFill>
+                    <a:ln>
+                      <a:solidFill>
+                        <a:schemeClr val="tx1">
+                          <a:lumMod val="95000"/>
+                          <a:lumOff val="5000"/>
+                        </a:schemeClr>
+                      </a:solidFill>
+                    </a:ln>
+                  </p:spPr>
+                  <p:style>
+                    <a:lnRef idx="2">
+                      <a:schemeClr val="accent1">
+                        <a:shade val="50000"/>
+                      </a:schemeClr>
+                    </a:lnRef>
+                    <a:fillRef idx="1">
+                      <a:schemeClr val="accent1"/>
+                    </a:fillRef>
+                    <a:effectRef idx="0">
+                      <a:schemeClr val="accent1"/>
+                    </a:effectRef>
+                    <a:fontRef idx="minor">
+                      <a:schemeClr val="lt1"/>
+                    </a:fontRef>
+                  </p:style>
+                  <p:txBody>
+                    <a:bodyPr rtlCol="0" anchor="ctr"/>
+                    <a:lstStyle/>
+                    <a:p>
+                      <a:pPr algn="ctr"/>
+                      <a:endParaRPr lang="pt-BR" u="sng"/>
+                    </a:p>
+                  </p:txBody>
+                </p:sp>
+                <p:sp>
+                  <p:nvSpPr>
+                    <p:cNvPr id="35" name="Elipse 34"/>
+                    <p:cNvSpPr/>
+                    <p:nvPr/>
+                  </p:nvSpPr>
+                  <p:spPr>
+                    <a:xfrm>
+                      <a:off x="5904150" y="1430779"/>
+                      <a:ext cx="720080" cy="720081"/>
+                    </a:xfrm>
+                    <a:prstGeom prst="ellipse">
+                      <a:avLst/>
+                    </a:prstGeom>
+                    <a:solidFill>
+                      <a:schemeClr val="tx1">
+                        <a:lumMod val="95000"/>
+                        <a:lumOff val="5000"/>
+                      </a:schemeClr>
+                    </a:solidFill>
+                    <a:ln>
+                      <a:solidFill>
+                        <a:schemeClr val="tx1">
+                          <a:lumMod val="95000"/>
+                          <a:lumOff val="5000"/>
+                        </a:schemeClr>
+                      </a:solidFill>
+                    </a:ln>
+                  </p:spPr>
+                  <p:style>
+                    <a:lnRef idx="2">
+                      <a:schemeClr val="accent1">
+                        <a:shade val="50000"/>
+                      </a:schemeClr>
+                    </a:lnRef>
+                    <a:fillRef idx="1">
+                      <a:schemeClr val="accent1"/>
+                    </a:fillRef>
+                    <a:effectRef idx="0">
+                      <a:schemeClr val="accent1"/>
+                    </a:effectRef>
+                    <a:fontRef idx="minor">
+                      <a:schemeClr val="lt1"/>
+                    </a:fontRef>
+                  </p:style>
+                  <p:txBody>
+                    <a:bodyPr rtlCol="0" anchor="ctr"/>
+                    <a:lstStyle/>
+                    <a:p>
+                      <a:pPr algn="ctr"/>
+                      <a:endParaRPr lang="pt-BR" u="sng"/>
+                    </a:p>
+                  </p:txBody>
+                </p:sp>
+                <p:sp>
+                  <p:nvSpPr>
+                    <p:cNvPr id="36" name="Elipse 35"/>
+                    <p:cNvSpPr/>
+                    <p:nvPr/>
+                  </p:nvSpPr>
+                  <p:spPr>
+                    <a:xfrm>
+                      <a:off x="6264188" y="1790818"/>
+                      <a:ext cx="180020" cy="198022"/>
+                    </a:xfrm>
+                    <a:prstGeom prst="ellipse">
+                      <a:avLst/>
+                    </a:prstGeom>
+                    <a:solidFill>
+                      <a:schemeClr val="bg1"/>
+                    </a:solidFill>
+                  </p:spPr>
+                  <p:style>
+                    <a:lnRef idx="2">
+                      <a:schemeClr val="accent1">
+                        <a:shade val="50000"/>
+                      </a:schemeClr>
+                    </a:lnRef>
+                    <a:fillRef idx="1">
+                      <a:schemeClr val="accent1"/>
+                    </a:fillRef>
+                    <a:effectRef idx="0">
+                      <a:schemeClr val="accent1"/>
+                    </a:effectRef>
+                    <a:fontRef idx="minor">
+                      <a:schemeClr val="lt1"/>
+                    </a:fontRef>
+                  </p:style>
+                  <p:txBody>
+                    <a:bodyPr rtlCol="0" anchor="ctr"/>
+                    <a:lstStyle/>
+                    <a:p>
+                      <a:pPr algn="ctr"/>
+                      <a:endParaRPr lang="pt-BR" u="sng"/>
+                    </a:p>
+                  </p:txBody>
+                </p:sp>
+              </p:grpSp>
+            </p:grpSp>
+            <p:grpSp>
+              <p:nvGrpSpPr>
+                <p:cNvPr id="13" name="Grupo 12"/>
+                <p:cNvGrpSpPr/>
+                <p:nvPr/>
+              </p:nvGrpSpPr>
+              <p:grpSpPr>
+                <a:xfrm>
+                  <a:off x="4114489" y="2560262"/>
+                  <a:ext cx="504056" cy="212181"/>
+                  <a:chOff x="5918357" y="1369242"/>
+                  <a:chExt cx="504056" cy="336694"/>
+                </a:xfrm>
+              </p:grpSpPr>
               <p:sp>
                 <p:nvSpPr>
-                  <p:cNvPr id="39" name="Elipse 38"/>
+                  <p:cNvPr id="25" name="Elipse 24"/>
                   <p:cNvSpPr/>
                   <p:nvPr/>
                 </p:nvSpPr>
                 <p:spPr>
                   <a:xfrm>
-                    <a:off x="6264188" y="1790818"/>
-                    <a:ext cx="180020" cy="198022"/>
+                    <a:off x="6206389" y="1369242"/>
+                    <a:ext cx="216024" cy="222432"/>
                   </a:xfrm>
                   <a:prstGeom prst="ellipse">
                     <a:avLst/>
                   </a:prstGeom>
                   <a:solidFill>
-                    <a:schemeClr val="bg1"/>
-                  </a:solidFill>
-                </p:spPr>
-                <p:style>
-                  <a:lnRef idx="2">
-                    <a:schemeClr val="accent1">
-                      <a:shade val="50000"/>
-                    </a:schemeClr>
-                  </a:lnRef>
-                  <a:fillRef idx="1">
-                    <a:schemeClr val="accent1"/>
-                  </a:fillRef>
-                  <a:effectRef idx="0">
-                    <a:schemeClr val="accent1"/>
-                  </a:effectRef>
-                  <a:fontRef idx="minor">
-                    <a:schemeClr val="lt1"/>
-                  </a:fontRef>
-                </p:style>
-                <p:txBody>
-                  <a:bodyPr rtlCol="0" anchor="ctr"/>
-                  <a:lstStyle/>
-                  <a:p>
-                    <a:pPr algn="ctr"/>
-                    <a:endParaRPr lang="pt-BR" u="sng"/>
-                  </a:p>
-                </p:txBody>
-              </p:sp>
-            </p:grpSp>
-            <p:grpSp>
-              <p:nvGrpSpPr>
-                <p:cNvPr id="33" name="Grupo 32"/>
-                <p:cNvGrpSpPr/>
-                <p:nvPr/>
-              </p:nvGrpSpPr>
-              <p:grpSpPr>
-                <a:xfrm>
-                  <a:off x="3635896" y="1836508"/>
-                  <a:ext cx="240027" cy="288032"/>
-                  <a:chOff x="5724128" y="1268760"/>
-                  <a:chExt cx="1080120" cy="1044116"/>
-                </a:xfrm>
-              </p:grpSpPr>
-              <p:sp>
-                <p:nvSpPr>
-                  <p:cNvPr id="34" name="Elipse 33"/>
-                  <p:cNvSpPr/>
-                  <p:nvPr/>
-                </p:nvSpPr>
-                <p:spPr>
-                  <a:xfrm>
-                    <a:off x="5724128" y="1268760"/>
-                    <a:ext cx="1080120" cy="1044116"/>
-                  </a:xfrm>
-                  <a:prstGeom prst="ellipse">
-                    <a:avLst/>
-                  </a:prstGeom>
-                  <a:solidFill>
-                    <a:schemeClr val="bg1"/>
+                    <a:schemeClr val="tx1"/>
                   </a:solidFill>
                   <a:ln>
                     <a:solidFill>
-                      <a:schemeClr val="tx1">
-                        <a:lumMod val="95000"/>
-                        <a:lumOff val="5000"/>
-                      </a:schemeClr>
+                      <a:schemeClr val="tx1"/>
                     </a:solidFill>
                   </a:ln>
                 </p:spPr>
@@ -7564,32 +7739,76 @@
                   </a:p>
                 </p:txBody>
               </p:sp>
+              <p:cxnSp>
+                <p:nvCxnSpPr>
+                  <p:cNvPr id="26" name="Conector reto 25"/>
+                  <p:cNvCxnSpPr/>
+                  <p:nvPr/>
+                </p:nvCxnSpPr>
+                <p:spPr>
+                  <a:xfrm flipV="1">
+                    <a:off x="5918357" y="1480460"/>
+                    <a:ext cx="398410" cy="225476"/>
+                  </a:xfrm>
+                  <a:prstGeom prst="line">
+                    <a:avLst/>
+                  </a:prstGeom>
+                  <a:ln w="57150">
+                    <a:solidFill>
+                      <a:schemeClr val="tx1"/>
+                    </a:solidFill>
+                  </a:ln>
+                </p:spPr>
+                <p:style>
+                  <a:lnRef idx="1">
+                    <a:schemeClr val="accent1"/>
+                  </a:lnRef>
+                  <a:fillRef idx="0">
+                    <a:schemeClr val="accent1"/>
+                  </a:fillRef>
+                  <a:effectRef idx="0">
+                    <a:schemeClr val="accent1"/>
+                  </a:effectRef>
+                  <a:fontRef idx="minor">
+                    <a:schemeClr val="tx1"/>
+                  </a:fontRef>
+                </p:style>
+              </p:cxnSp>
+            </p:grpSp>
+            <p:grpSp>
+              <p:nvGrpSpPr>
+                <p:cNvPr id="14" name="Grupo 13"/>
+                <p:cNvGrpSpPr/>
+                <p:nvPr/>
+              </p:nvGrpSpPr>
+              <p:grpSpPr>
+                <a:xfrm>
+                  <a:off x="3053983" y="2128216"/>
+                  <a:ext cx="216024" cy="356197"/>
+                  <a:chOff x="5402885" y="954651"/>
+                  <a:chExt cx="216024" cy="565225"/>
+                </a:xfrm>
+              </p:grpSpPr>
               <p:sp>
                 <p:nvSpPr>
-                  <p:cNvPr id="35" name="Elipse 34"/>
+                  <p:cNvPr id="23" name="Elipse 22"/>
                   <p:cNvSpPr/>
                   <p:nvPr/>
                 </p:nvSpPr>
                 <p:spPr>
                   <a:xfrm>
-                    <a:off x="5904150" y="1430779"/>
-                    <a:ext cx="720080" cy="720081"/>
+                    <a:off x="5402885" y="954651"/>
+                    <a:ext cx="216024" cy="222431"/>
                   </a:xfrm>
                   <a:prstGeom prst="ellipse">
                     <a:avLst/>
                   </a:prstGeom>
                   <a:solidFill>
-                    <a:schemeClr val="tx1">
-                      <a:lumMod val="95000"/>
-                      <a:lumOff val="5000"/>
-                    </a:schemeClr>
+                    <a:schemeClr val="tx1"/>
                   </a:solidFill>
                   <a:ln>
                     <a:solidFill>
-                      <a:schemeClr val="tx1">
-                        <a:lumMod val="95000"/>
-                        <a:lumOff val="5000"/>
-                      </a:schemeClr>
+                      <a:schemeClr val="tx1"/>
                     </a:solidFill>
                   </a:ln>
                 </p:spPr>
@@ -7618,23 +7837,78 @@
                   </a:p>
                 </p:txBody>
               </p:sp>
+              <p:cxnSp>
+                <p:nvCxnSpPr>
+                  <p:cNvPr id="24" name="Conector reto 23"/>
+                  <p:cNvCxnSpPr/>
+                  <p:nvPr/>
+                </p:nvCxnSpPr>
+                <p:spPr>
+                  <a:xfrm>
+                    <a:off x="5510897" y="1140837"/>
+                    <a:ext cx="108012" cy="379039"/>
+                  </a:xfrm>
+                  <a:prstGeom prst="line">
+                    <a:avLst/>
+                  </a:prstGeom>
+                  <a:ln w="57150">
+                    <a:solidFill>
+                      <a:schemeClr val="tx1"/>
+                    </a:solidFill>
+                  </a:ln>
+                </p:spPr>
+                <p:style>
+                  <a:lnRef idx="1">
+                    <a:schemeClr val="accent1"/>
+                  </a:lnRef>
+                  <a:fillRef idx="0">
+                    <a:schemeClr val="accent1"/>
+                  </a:fillRef>
+                  <a:effectRef idx="0">
+                    <a:schemeClr val="accent1"/>
+                  </a:effectRef>
+                  <a:fontRef idx="minor">
+                    <a:schemeClr val="tx1"/>
+                  </a:fontRef>
+                </p:style>
+              </p:cxnSp>
+            </p:grpSp>
+            <p:grpSp>
+              <p:nvGrpSpPr>
+                <p:cNvPr id="15" name="Grupo 14"/>
+                <p:cNvGrpSpPr/>
+                <p:nvPr/>
+              </p:nvGrpSpPr>
+              <p:grpSpPr>
+                <a:xfrm>
+                  <a:off x="2909967" y="2416249"/>
+                  <a:ext cx="252028" cy="307029"/>
+                  <a:chOff x="5366881" y="1065559"/>
+                  <a:chExt cx="252028" cy="487203"/>
+                </a:xfrm>
+              </p:grpSpPr>
               <p:sp>
                 <p:nvSpPr>
-                  <p:cNvPr id="36" name="Elipse 35"/>
+                  <p:cNvPr id="21" name="Elipse 20"/>
                   <p:cNvSpPr/>
                   <p:nvPr/>
                 </p:nvSpPr>
                 <p:spPr>
                   <a:xfrm>
-                    <a:off x="6264188" y="1790818"/>
-                    <a:ext cx="180020" cy="198022"/>
+                    <a:off x="5366881" y="1065559"/>
+                    <a:ext cx="216024" cy="222431"/>
                   </a:xfrm>
                   <a:prstGeom prst="ellipse">
                     <a:avLst/>
                   </a:prstGeom>
                   <a:solidFill>
-                    <a:schemeClr val="bg1"/>
+                    <a:schemeClr val="tx1"/>
                   </a:solidFill>
+                  <a:ln>
+                    <a:solidFill>
+                      <a:schemeClr val="tx1"/>
+                    </a:solidFill>
+                  </a:ln>
                 </p:spPr>
                 <p:style>
                   <a:lnRef idx="2">
@@ -7661,32 +7935,150 @@
                   </a:p>
                 </p:txBody>
               </p:sp>
+              <p:cxnSp>
+                <p:nvCxnSpPr>
+                  <p:cNvPr id="22" name="Conector reto 21"/>
+                  <p:cNvCxnSpPr/>
+                  <p:nvPr/>
+                </p:nvCxnSpPr>
+                <p:spPr>
+                  <a:xfrm>
+                    <a:off x="5510897" y="1173725"/>
+                    <a:ext cx="108012" cy="379037"/>
+                  </a:xfrm>
+                  <a:prstGeom prst="line">
+                    <a:avLst/>
+                  </a:prstGeom>
+                  <a:ln w="57150">
+                    <a:solidFill>
+                      <a:schemeClr val="tx1"/>
+                    </a:solidFill>
+                  </a:ln>
+                </p:spPr>
+                <p:style>
+                  <a:lnRef idx="1">
+                    <a:schemeClr val="accent1"/>
+                  </a:lnRef>
+                  <a:fillRef idx="0">
+                    <a:schemeClr val="accent1"/>
+                  </a:fillRef>
+                  <a:effectRef idx="0">
+                    <a:schemeClr val="accent1"/>
+                  </a:effectRef>
+                  <a:fontRef idx="minor">
+                    <a:schemeClr val="tx1"/>
+                  </a:fontRef>
+                </p:style>
+              </p:cxnSp>
             </p:grpSp>
-          </p:grpSp>
-          <p:grpSp>
-            <p:nvGrpSpPr>
-              <p:cNvPr id="13" name="Grupo 12"/>
-              <p:cNvGrpSpPr/>
-              <p:nvPr/>
-            </p:nvGrpSpPr>
-            <p:grpSpPr>
-              <a:xfrm>
-                <a:off x="4040115" y="2560268"/>
-                <a:ext cx="526036" cy="212180"/>
-                <a:chOff x="5843983" y="1369250"/>
-                <a:chExt cx="526036" cy="336692"/>
-              </a:xfrm>
-            </p:grpSpPr>
+            <p:grpSp>
+              <p:nvGrpSpPr>
+                <p:cNvPr id="16" name="Grupo 15"/>
+                <p:cNvGrpSpPr/>
+                <p:nvPr/>
+              </p:nvGrpSpPr>
+              <p:grpSpPr>
+                <a:xfrm>
+                  <a:off x="4042481" y="2772443"/>
+                  <a:ext cx="451662" cy="174746"/>
+                  <a:chOff x="5986188" y="1441274"/>
+                  <a:chExt cx="451662" cy="277295"/>
+                </a:xfrm>
+              </p:grpSpPr>
+              <p:sp>
+                <p:nvSpPr>
+                  <p:cNvPr id="19" name="Elipse 18"/>
+                  <p:cNvSpPr/>
+                  <p:nvPr/>
+                </p:nvSpPr>
+                <p:spPr>
+                  <a:xfrm>
+                    <a:off x="6221826" y="1441274"/>
+                    <a:ext cx="216024" cy="222432"/>
+                  </a:xfrm>
+                  <a:prstGeom prst="ellipse">
+                    <a:avLst/>
+                  </a:prstGeom>
+                  <a:solidFill>
+                    <a:schemeClr val="tx1"/>
+                  </a:solidFill>
+                  <a:ln>
+                    <a:solidFill>
+                      <a:schemeClr val="tx1"/>
+                    </a:solidFill>
+                  </a:ln>
+                </p:spPr>
+                <p:style>
+                  <a:lnRef idx="2">
+                    <a:schemeClr val="accent1">
+                      <a:shade val="50000"/>
+                    </a:schemeClr>
+                  </a:lnRef>
+                  <a:fillRef idx="1">
+                    <a:schemeClr val="accent1"/>
+                  </a:fillRef>
+                  <a:effectRef idx="0">
+                    <a:schemeClr val="accent1"/>
+                  </a:effectRef>
+                  <a:fontRef idx="minor">
+                    <a:schemeClr val="lt1"/>
+                  </a:fontRef>
+                </p:style>
+                <p:txBody>
+                  <a:bodyPr rtlCol="0" anchor="ctr"/>
+                  <a:lstStyle/>
+                  <a:p>
+                    <a:pPr algn="ctr"/>
+                    <a:endParaRPr lang="pt-BR" u="sng"/>
+                  </a:p>
+                </p:txBody>
+              </p:sp>
+              <p:cxnSp>
+                <p:nvCxnSpPr>
+                  <p:cNvPr id="20" name="Conector reto 19"/>
+                  <p:cNvCxnSpPr/>
+                  <p:nvPr/>
+                </p:nvCxnSpPr>
+                <p:spPr>
+                  <a:xfrm flipV="1">
+                    <a:off x="5986188" y="1569004"/>
+                    <a:ext cx="364018" cy="149565"/>
+                  </a:xfrm>
+                  <a:prstGeom prst="line">
+                    <a:avLst/>
+                  </a:prstGeom>
+                  <a:ln w="57150">
+                    <a:solidFill>
+                      <a:schemeClr val="tx1"/>
+                    </a:solidFill>
+                  </a:ln>
+                </p:spPr>
+                <p:style>
+                  <a:lnRef idx="1">
+                    <a:schemeClr val="accent1"/>
+                  </a:lnRef>
+                  <a:fillRef idx="0">
+                    <a:schemeClr val="accent1"/>
+                  </a:fillRef>
+                  <a:effectRef idx="0">
+                    <a:schemeClr val="accent1"/>
+                  </a:effectRef>
+                  <a:fontRef idx="minor">
+                    <a:schemeClr val="tx1"/>
+                  </a:fontRef>
+                </p:style>
+              </p:cxnSp>
+            </p:grpSp>
             <p:sp>
               <p:nvSpPr>
-                <p:cNvPr id="25" name="Elipse 24"/>
+                <p:cNvPr id="17" name="Elipse 16"/>
                 <p:cNvSpPr/>
                 <p:nvPr/>
               </p:nvSpPr>
               <p:spPr>
                 <a:xfrm>
-                  <a:off x="6153995" y="1369250"/>
-                  <a:ext cx="216024" cy="222431"/>
+                  <a:off x="3827687" y="4293096"/>
+                  <a:ext cx="216239" cy="216024"/>
                 </a:xfrm>
                 <a:prstGeom prst="ellipse">
                   <a:avLst/>
@@ -7725,66 +8117,16 @@
                 </a:p>
               </p:txBody>
             </p:sp>
-            <p:cxnSp>
-              <p:nvCxnSpPr>
-                <p:cNvPr id="26" name="Conector reto 25"/>
-                <p:cNvCxnSpPr/>
-                <p:nvPr/>
-              </p:nvCxnSpPr>
-              <p:spPr>
-                <a:xfrm flipV="1">
-                  <a:off x="5843983" y="1480466"/>
-                  <a:ext cx="398410" cy="225476"/>
-                </a:xfrm>
-                <a:prstGeom prst="line">
-                  <a:avLst/>
-                </a:prstGeom>
-                <a:ln w="57150">
-                  <a:solidFill>
-                    <a:schemeClr val="tx1"/>
-                  </a:solidFill>
-                </a:ln>
-              </p:spPr>
-              <p:style>
-                <a:lnRef idx="1">
-                  <a:schemeClr val="accent1"/>
-                </a:lnRef>
-                <a:fillRef idx="0">
-                  <a:schemeClr val="accent1"/>
-                </a:fillRef>
-                <a:effectRef idx="0">
-                  <a:schemeClr val="accent1"/>
-                </a:effectRef>
-                <a:fontRef idx="minor">
-                  <a:schemeClr val="tx1"/>
-                </a:fontRef>
-              </p:style>
-            </p:cxnSp>
-          </p:grpSp>
-          <p:grpSp>
-            <p:nvGrpSpPr>
-              <p:cNvPr id="14" name="Grupo 13"/>
-              <p:cNvGrpSpPr/>
-              <p:nvPr/>
-            </p:nvGrpSpPr>
-            <p:grpSpPr>
-              <a:xfrm>
-                <a:off x="3053983" y="2128216"/>
-                <a:ext cx="216024" cy="356197"/>
-                <a:chOff x="5402885" y="954651"/>
-                <a:chExt cx="216024" cy="565225"/>
-              </a:xfrm>
-            </p:grpSpPr>
             <p:sp>
               <p:nvSpPr>
-                <p:cNvPr id="23" name="Elipse 22"/>
+                <p:cNvPr id="18" name="Elipse 17"/>
                 <p:cNvSpPr/>
                 <p:nvPr/>
               </p:nvSpPr>
               <p:spPr>
                 <a:xfrm>
-                  <a:off x="5402885" y="954651"/>
-                  <a:ext cx="216024" cy="222431"/>
+                  <a:off x="2552813" y="4269467"/>
+                  <a:ext cx="216024" cy="216024"/>
                 </a:xfrm>
                 <a:prstGeom prst="ellipse">
                   <a:avLst/>
@@ -7823,248 +8165,17 @@
                 </a:p>
               </p:txBody>
             </p:sp>
-            <p:cxnSp>
-              <p:nvCxnSpPr>
-                <p:cNvPr id="24" name="Conector reto 23"/>
-                <p:cNvCxnSpPr/>
-                <p:nvPr/>
-              </p:nvCxnSpPr>
-              <p:spPr>
-                <a:xfrm>
-                  <a:off x="5510897" y="1140837"/>
-                  <a:ext cx="108012" cy="379039"/>
-                </a:xfrm>
-                <a:prstGeom prst="line">
-                  <a:avLst/>
-                </a:prstGeom>
-                <a:ln w="57150">
-                  <a:solidFill>
-                    <a:schemeClr val="tx1"/>
-                  </a:solidFill>
-                </a:ln>
-              </p:spPr>
-              <p:style>
-                <a:lnRef idx="1">
-                  <a:schemeClr val="accent1"/>
-                </a:lnRef>
-                <a:fillRef idx="0">
-                  <a:schemeClr val="accent1"/>
-                </a:fillRef>
-                <a:effectRef idx="0">
-                  <a:schemeClr val="accent1"/>
-                </a:effectRef>
-                <a:fontRef idx="minor">
-                  <a:schemeClr val="tx1"/>
-                </a:fontRef>
-              </p:style>
-            </p:cxnSp>
-          </p:grpSp>
-          <p:grpSp>
-            <p:nvGrpSpPr>
-              <p:cNvPr id="15" name="Grupo 14"/>
-              <p:cNvGrpSpPr/>
-              <p:nvPr/>
-            </p:nvGrpSpPr>
-            <p:grpSpPr>
-              <a:xfrm>
-                <a:off x="2909967" y="2340397"/>
-                <a:ext cx="252028" cy="382880"/>
-                <a:chOff x="5366881" y="945196"/>
-                <a:chExt cx="252028" cy="607566"/>
-              </a:xfrm>
-            </p:grpSpPr>
-            <p:sp>
-              <p:nvSpPr>
-                <p:cNvPr id="21" name="Elipse 20"/>
-                <p:cNvSpPr/>
-                <p:nvPr/>
-              </p:nvSpPr>
-              <p:spPr>
-                <a:xfrm>
-                  <a:off x="5366881" y="945196"/>
-                  <a:ext cx="216024" cy="222431"/>
-                </a:xfrm>
-                <a:prstGeom prst="ellipse">
-                  <a:avLst/>
-                </a:prstGeom>
-                <a:solidFill>
-                  <a:schemeClr val="tx1"/>
-                </a:solidFill>
-                <a:ln>
-                  <a:solidFill>
-                    <a:schemeClr val="tx1"/>
-                  </a:solidFill>
-                </a:ln>
-              </p:spPr>
-              <p:style>
-                <a:lnRef idx="2">
-                  <a:schemeClr val="accent1">
-                    <a:shade val="50000"/>
-                  </a:schemeClr>
-                </a:lnRef>
-                <a:fillRef idx="1">
-                  <a:schemeClr val="accent1"/>
-                </a:fillRef>
-                <a:effectRef idx="0">
-                  <a:schemeClr val="accent1"/>
-                </a:effectRef>
-                <a:fontRef idx="minor">
-                  <a:schemeClr val="lt1"/>
-                </a:fontRef>
-              </p:style>
-              <p:txBody>
-                <a:bodyPr rtlCol="0" anchor="ctr"/>
-                <a:lstStyle/>
-                <a:p>
-                  <a:pPr algn="ctr"/>
-                  <a:endParaRPr lang="pt-BR" u="sng"/>
-                </a:p>
-              </p:txBody>
-            </p:sp>
-            <p:cxnSp>
-              <p:nvCxnSpPr>
-                <p:cNvPr id="22" name="Conector reto 21"/>
-                <p:cNvCxnSpPr/>
-                <p:nvPr/>
-              </p:nvCxnSpPr>
-              <p:spPr>
-                <a:xfrm>
-                  <a:off x="5510897" y="1173725"/>
-                  <a:ext cx="108012" cy="379037"/>
-                </a:xfrm>
-                <a:prstGeom prst="line">
-                  <a:avLst/>
-                </a:prstGeom>
-                <a:ln w="57150">
-                  <a:solidFill>
-                    <a:schemeClr val="tx1"/>
-                  </a:solidFill>
-                </a:ln>
-              </p:spPr>
-              <p:style>
-                <a:lnRef idx="1">
-                  <a:schemeClr val="accent1"/>
-                </a:lnRef>
-                <a:fillRef idx="0">
-                  <a:schemeClr val="accent1"/>
-                </a:fillRef>
-                <a:effectRef idx="0">
-                  <a:schemeClr val="accent1"/>
-                </a:effectRef>
-                <a:fontRef idx="minor">
-                  <a:schemeClr val="tx1"/>
-                </a:fontRef>
-              </p:style>
-            </p:cxnSp>
-          </p:grpSp>
-          <p:grpSp>
-            <p:nvGrpSpPr>
-              <p:cNvPr id="16" name="Grupo 15"/>
-              <p:cNvGrpSpPr/>
-              <p:nvPr/>
-            </p:nvGrpSpPr>
-            <p:grpSpPr>
-              <a:xfrm>
-                <a:off x="3990087" y="2772445"/>
-                <a:ext cx="504056" cy="166261"/>
-                <a:chOff x="5933794" y="1441274"/>
-                <a:chExt cx="504056" cy="263830"/>
-              </a:xfrm>
-            </p:grpSpPr>
-            <p:sp>
-              <p:nvSpPr>
-                <p:cNvPr id="19" name="Elipse 18"/>
-                <p:cNvSpPr/>
-                <p:nvPr/>
-              </p:nvSpPr>
-              <p:spPr>
-                <a:xfrm>
-                  <a:off x="6221826" y="1441274"/>
-                  <a:ext cx="216024" cy="222432"/>
-                </a:xfrm>
-                <a:prstGeom prst="ellipse">
-                  <a:avLst/>
-                </a:prstGeom>
-                <a:solidFill>
-                  <a:schemeClr val="tx1"/>
-                </a:solidFill>
-                <a:ln>
-                  <a:solidFill>
-                    <a:schemeClr val="tx1"/>
-                  </a:solidFill>
-                </a:ln>
-              </p:spPr>
-              <p:style>
-                <a:lnRef idx="2">
-                  <a:schemeClr val="accent1">
-                    <a:shade val="50000"/>
-                  </a:schemeClr>
-                </a:lnRef>
-                <a:fillRef idx="1">
-                  <a:schemeClr val="accent1"/>
-                </a:fillRef>
-                <a:effectRef idx="0">
-                  <a:schemeClr val="accent1"/>
-                </a:effectRef>
-                <a:fontRef idx="minor">
-                  <a:schemeClr val="lt1"/>
-                </a:fontRef>
-              </p:style>
-              <p:txBody>
-                <a:bodyPr rtlCol="0" anchor="ctr"/>
-                <a:lstStyle/>
-                <a:p>
-                  <a:pPr algn="ctr"/>
-                  <a:endParaRPr lang="pt-BR" u="sng"/>
-                </a:p>
-              </p:txBody>
-            </p:sp>
-            <p:cxnSp>
-              <p:nvCxnSpPr>
-                <p:cNvPr id="20" name="Conector reto 19"/>
-                <p:cNvCxnSpPr/>
-                <p:nvPr/>
-              </p:nvCxnSpPr>
-              <p:spPr>
-                <a:xfrm flipV="1">
-                  <a:off x="5933794" y="1555539"/>
-                  <a:ext cx="364018" cy="149565"/>
-                </a:xfrm>
-                <a:prstGeom prst="line">
-                  <a:avLst/>
-                </a:prstGeom>
-                <a:ln w="57150">
-                  <a:solidFill>
-                    <a:schemeClr val="tx1"/>
-                  </a:solidFill>
-                </a:ln>
-              </p:spPr>
-              <p:style>
-                <a:lnRef idx="1">
-                  <a:schemeClr val="accent1"/>
-                </a:lnRef>
-                <a:fillRef idx="0">
-                  <a:schemeClr val="accent1"/>
-                </a:fillRef>
-                <a:effectRef idx="0">
-                  <a:schemeClr val="accent1"/>
-                </a:effectRef>
-                <a:fontRef idx="minor">
-                  <a:schemeClr val="tx1"/>
-                </a:fontRef>
-              </p:style>
-            </p:cxnSp>
           </p:grpSp>
           <p:sp>
             <p:nvSpPr>
-              <p:cNvPr id="17" name="Elipse 16"/>
+              <p:cNvPr id="6" name="Elipse 5"/>
               <p:cNvSpPr/>
               <p:nvPr/>
             </p:nvSpPr>
             <p:spPr>
               <a:xfrm>
-                <a:off x="3827687" y="4293096"/>
-                <a:ext cx="216239" cy="216024"/>
+                <a:off x="3887924" y="2204864"/>
+                <a:ext cx="108012" cy="108012"/>
               </a:xfrm>
               <a:prstGeom prst="ellipse">
                 <a:avLst/>
@@ -8105,14 +8216,14 @@
           </p:sp>
           <p:sp>
             <p:nvSpPr>
-              <p:cNvPr id="18" name="Elipse 17"/>
+              <p:cNvPr id="7" name="Elipse 6"/>
               <p:cNvSpPr/>
               <p:nvPr/>
             </p:nvSpPr>
             <p:spPr>
               <a:xfrm>
-                <a:off x="2552813" y="4269467"/>
-                <a:ext cx="216024" cy="216024"/>
+                <a:off x="3383868" y="1340768"/>
+                <a:ext cx="108012" cy="144016"/>
               </a:xfrm>
               <a:prstGeom prst="ellipse">
                 <a:avLst/>
@@ -8151,283 +8262,111 @@
               </a:p>
             </p:txBody>
           </p:sp>
-        </p:grpSp>
-        <p:sp>
-          <p:nvSpPr>
-            <p:cNvPr id="6" name="Elipse 5"/>
-            <p:cNvSpPr/>
-            <p:nvPr/>
-          </p:nvSpPr>
-          <p:spPr>
-            <a:xfrm>
-              <a:off x="3887924" y="2204864"/>
-              <a:ext cx="108012" cy="108012"/>
-            </a:xfrm>
-            <a:prstGeom prst="ellipse">
-              <a:avLst/>
-            </a:prstGeom>
-            <a:solidFill>
-              <a:schemeClr val="tx1"/>
-            </a:solidFill>
-            <a:ln>
+          <p:sp>
+            <p:nvSpPr>
+              <p:cNvPr id="8" name="Elipse 7"/>
+              <p:cNvSpPr/>
+              <p:nvPr/>
+            </p:nvSpPr>
+            <p:spPr>
+              <a:xfrm>
+                <a:off x="4449964" y="1449640"/>
+                <a:ext cx="108012" cy="144016"/>
+              </a:xfrm>
+              <a:prstGeom prst="ellipse">
+                <a:avLst/>
+              </a:prstGeom>
               <a:solidFill>
                 <a:schemeClr val="tx1"/>
               </a:solidFill>
-            </a:ln>
-          </p:spPr>
-          <p:style>
-            <a:lnRef idx="2">
-              <a:schemeClr val="accent1">
-                <a:shade val="50000"/>
-              </a:schemeClr>
-            </a:lnRef>
-            <a:fillRef idx="1">
-              <a:schemeClr val="accent1"/>
-            </a:fillRef>
-            <a:effectRef idx="0">
-              <a:schemeClr val="accent1"/>
-            </a:effectRef>
-            <a:fontRef idx="minor">
-              <a:schemeClr val="lt1"/>
-            </a:fontRef>
-          </p:style>
-          <p:txBody>
-            <a:bodyPr rtlCol="0" anchor="ctr"/>
-            <a:lstStyle/>
-            <a:p>
-              <a:pPr algn="ctr"/>
-              <a:endParaRPr lang="pt-BR" u="sng"/>
-            </a:p>
-          </p:txBody>
-        </p:sp>
-        <p:sp>
-          <p:nvSpPr>
-            <p:cNvPr id="7" name="Elipse 6"/>
-            <p:cNvSpPr/>
-            <p:nvPr/>
-          </p:nvSpPr>
-          <p:spPr>
-            <a:xfrm>
-              <a:off x="3383868" y="1340768"/>
-              <a:ext cx="108012" cy="144016"/>
-            </a:xfrm>
-            <a:prstGeom prst="ellipse">
-              <a:avLst/>
-            </a:prstGeom>
-            <a:solidFill>
-              <a:schemeClr val="tx1"/>
-            </a:solidFill>
-            <a:ln>
-              <a:solidFill>
-                <a:schemeClr val="tx1"/>
-              </a:solidFill>
-            </a:ln>
-          </p:spPr>
-          <p:style>
-            <a:lnRef idx="2">
-              <a:schemeClr val="accent1">
-                <a:shade val="50000"/>
-              </a:schemeClr>
-            </a:lnRef>
-            <a:fillRef idx="1">
-              <a:schemeClr val="accent1"/>
-            </a:fillRef>
-            <a:effectRef idx="0">
-              <a:schemeClr val="accent1"/>
-            </a:effectRef>
-            <a:fontRef idx="minor">
-              <a:schemeClr val="lt1"/>
-            </a:fontRef>
-          </p:style>
-          <p:txBody>
-            <a:bodyPr rtlCol="0" anchor="ctr"/>
-            <a:lstStyle/>
-            <a:p>
-              <a:pPr algn="ctr"/>
-              <a:endParaRPr lang="pt-BR" u="sng"/>
-            </a:p>
-          </p:txBody>
-        </p:sp>
-        <p:sp>
-          <p:nvSpPr>
-            <p:cNvPr id="8" name="Elipse 7"/>
-            <p:cNvSpPr/>
-            <p:nvPr/>
-          </p:nvSpPr>
-          <p:spPr>
-            <a:xfrm>
-              <a:off x="4449964" y="1449640"/>
-              <a:ext cx="108012" cy="144016"/>
-            </a:xfrm>
-            <a:prstGeom prst="ellipse">
-              <a:avLst/>
-            </a:prstGeom>
-            <a:solidFill>
-              <a:schemeClr val="tx1"/>
-            </a:solidFill>
-            <a:ln>
-              <a:solidFill>
-                <a:schemeClr val="tx1"/>
-              </a:solidFill>
-            </a:ln>
-          </p:spPr>
-          <p:style>
-            <a:lnRef idx="2">
-              <a:schemeClr val="accent1">
-                <a:shade val="50000"/>
-              </a:schemeClr>
-            </a:lnRef>
-            <a:fillRef idx="1">
-              <a:schemeClr val="accent1"/>
-            </a:fillRef>
-            <a:effectRef idx="0">
-              <a:schemeClr val="accent1"/>
-            </a:effectRef>
-            <a:fontRef idx="minor">
-              <a:schemeClr val="lt1"/>
-            </a:fontRef>
-          </p:style>
-          <p:txBody>
-            <a:bodyPr rtlCol="0" anchor="ctr"/>
-            <a:lstStyle/>
-            <a:p>
-              <a:pPr algn="ctr"/>
-              <a:endParaRPr lang="pt-BR" u="sng"/>
-            </a:p>
-          </p:txBody>
-        </p:sp>
-        <p:pic>
-          <p:nvPicPr>
-            <p:cNvPr id="9" name="Picture 3"/>
-            <p:cNvPicPr>
-              <a:picLocks noChangeAspect="1" noChangeArrowheads="1"/>
-            </p:cNvPicPr>
-            <p:nvPr/>
-          </p:nvPicPr>
-          <p:blipFill>
-            <a:blip r:embed="rId2">
+              <a:ln>
+                <a:solidFill>
+                  <a:schemeClr val="tx1"/>
+                </a:solidFill>
+              </a:ln>
+            </p:spPr>
+            <p:style>
+              <a:lnRef idx="2">
+                <a:schemeClr val="accent1">
+                  <a:shade val="50000"/>
+                </a:schemeClr>
+              </a:lnRef>
+              <a:fillRef idx="1">
+                <a:schemeClr val="accent1"/>
+              </a:fillRef>
+              <a:effectRef idx="0">
+                <a:schemeClr val="accent1"/>
+              </a:effectRef>
+              <a:fontRef idx="minor">
+                <a:schemeClr val="lt1"/>
+              </a:fontRef>
+            </p:style>
+            <p:txBody>
+              <a:bodyPr rtlCol="0" anchor="ctr"/>
+              <a:lstStyle/>
+              <a:p>
+                <a:pPr algn="ctr"/>
+                <a:endParaRPr lang="pt-BR" u="sng"/>
+              </a:p>
+            </p:txBody>
+          </p:sp>
+          <p:pic>
+            <p:nvPicPr>
+              <p:cNvPr id="9" name="Picture 3"/>
+              <p:cNvPicPr>
+                <a:picLocks noChangeAspect="1" noChangeArrowheads="1"/>
+              </p:cNvPicPr>
+              <p:nvPr/>
+            </p:nvPicPr>
+            <p:blipFill>
+              <a:blip r:embed="rId2">
+                <a:extLst>
+                  <a:ext uri="{BEBA8EAE-BF5A-486C-A8C5-ECC9F3942E4B}">
+                    <a14:imgProps xmlns:a14="http://schemas.microsoft.com/office/drawing/2010/main">
+                      <a14:imgLayer r:embed="rId3">
+                        <a14:imgEffect>
+                          <a14:backgroundRemoval t="10000" b="90000" l="10000" r="90000"/>
+                        </a14:imgEffect>
+                      </a14:imgLayer>
+                    </a14:imgProps>
+                  </a:ext>
+                  <a:ext uri="{28A0092B-C50C-407E-A947-70E740481C1C}">
+                    <a14:useLocalDpi xmlns:a14="http://schemas.microsoft.com/office/drawing/2010/main" val="0"/>
+                  </a:ext>
+                </a:extLst>
+              </a:blip>
+              <a:srcRect/>
+              <a:stretch>
+                <a:fillRect/>
+              </a:stretch>
+            </p:blipFill>
+            <p:spPr bwMode="auto">
+              <a:xfrm>
+                <a:off x="3679476" y="2204864"/>
+                <a:ext cx="532484" cy="352995"/>
+              </a:xfrm>
+              <a:prstGeom prst="rect">
+                <a:avLst/>
+              </a:prstGeom>
+              <a:noFill/>
+              <a:ln w="9525">
+                <a:noFill/>
+                <a:miter lim="800000"/>
+                <a:headEnd/>
+                <a:tailEnd/>
+              </a:ln>
               <a:extLst>
-                <a:ext uri="{BEBA8EAE-BF5A-486C-A8C5-ECC9F3942E4B}">
-                  <a14:imgProps xmlns:a14="http://schemas.microsoft.com/office/drawing/2010/main">
-                    <a14:imgLayer r:embed="rId3">
-                      <a14:imgEffect>
-                        <a14:backgroundRemoval t="10000" b="90000" l="10000" r="90000"/>
-                      </a14:imgEffect>
-                    </a14:imgLayer>
-                  </a14:imgProps>
-                </a:ext>
-                <a:ext uri="{28A0092B-C50C-407E-A947-70E740481C1C}">
-                  <a14:useLocalDpi xmlns:a14="http://schemas.microsoft.com/office/drawing/2010/main" val="0"/>
+                <a:ext uri="{909E8E84-426E-40DD-AFC4-6F175D3DCCD1}">
+                  <a14:hiddenFill xmlns:a14="http://schemas.microsoft.com/office/drawing/2010/main">
+                    <a:solidFill>
+                      <a:schemeClr val="accent1"/>
+                    </a:solidFill>
+                  </a14:hiddenFill>
                 </a:ext>
               </a:extLst>
-            </a:blip>
-            <a:srcRect/>
-            <a:stretch>
-              <a:fillRect/>
-            </a:stretch>
-          </p:blipFill>
-          <p:spPr bwMode="auto">
-            <a:xfrm>
-              <a:off x="3679476" y="2204864"/>
-              <a:ext cx="532484" cy="352995"/>
-            </a:xfrm>
-            <a:prstGeom prst="rect">
-              <a:avLst/>
-            </a:prstGeom>
-            <a:noFill/>
-            <a:ln w="9525">
-              <a:noFill/>
-              <a:miter lim="800000"/>
-              <a:headEnd/>
-              <a:tailEnd/>
-            </a:ln>
-            <a:extLst>
-              <a:ext uri="{909E8E84-426E-40DD-AFC4-6F175D3DCCD1}">
-                <a14:hiddenFill xmlns:a14="http://schemas.microsoft.com/office/drawing/2010/main">
-                  <a:solidFill>
-                    <a:schemeClr val="accent1"/>
-                  </a:solidFill>
-                </a14:hiddenFill>
-              </a:ext>
-            </a:extLst>
-          </p:spPr>
-        </p:pic>
-      </p:grpSp>
-      <p:sp>
-        <p:nvSpPr>
-          <p:cNvPr id="50" name="CaixaDeTexto 49"/>
-          <p:cNvSpPr txBox="1"/>
-          <p:nvPr/>
-        </p:nvSpPr>
-        <p:spPr>
-          <a:xfrm>
-            <a:off x="2567679" y="1052736"/>
-            <a:ext cx="2856515" cy="3693319"/>
-          </a:xfrm>
-          <a:prstGeom prst="rect">
-            <a:avLst/>
-          </a:prstGeom>
-          <a:solidFill>
-            <a:schemeClr val="tx2">
-              <a:lumMod val="20000"/>
-              <a:lumOff val="80000"/>
-            </a:schemeClr>
-          </a:solidFill>
-          <a:ln>
-            <a:solidFill>
-              <a:schemeClr val="bg1"/>
-            </a:solidFill>
-          </a:ln>
-        </p:spPr>
-        <p:txBody>
-          <a:bodyPr wrap="square" rtlCol="0">
-            <a:spAutoFit/>
-          </a:bodyPr>
-          <a:lstStyle/>
-          <a:p>
-            <a:r>
-              <a:rPr lang="pt-BR" dirty="0" err="1" smtClean="0"/>
-              <a:t>aaaaaaaaavcvcvcvcvcvcvca</a:t>
-            </a:r>
-            <a:endParaRPr lang="pt-BR" dirty="0"/>
-          </a:p>
-          <a:p>
-            <a:r>
-              <a:rPr lang="pt-BR" dirty="0" smtClean="0"/>
-              <a:t>aaaaaaaacvvvvvvvvvvvvvvvvvvvvvvvvvvvvvvvvvvvvvvvvvvvvvvvvvvvvvvvvvvvvccccccccccccccccccccccccccccccccaaaaaaaaaaaaaaaaaaaaaaaaaaaaaaaaaaaaaaaaaaaaaaaaaaaaaaaaaaaaaaaaaaaaaaaaaaaaaaaaaaaaaaaaaaaaaaaaaaaaaaaaaaaaaaaaaaaaaaaaaaaaaaaaaaaaaaaaaaaaaaaaaaaaaaaaaaaaaaaaaaaaaaaaaaaaaaaaa</a:t>
-            </a:r>
-            <a:endParaRPr lang="pt-BR" dirty="0"/>
-          </a:p>
-        </p:txBody>
-      </p:sp>
-      <p:grpSp>
-        <p:nvGrpSpPr>
-          <p:cNvPr id="51" name="Grupo 50"/>
-          <p:cNvGrpSpPr/>
-          <p:nvPr/>
-        </p:nvGrpSpPr>
-        <p:grpSpPr>
-          <a:xfrm>
-            <a:off x="1115616" y="476672"/>
-            <a:ext cx="5904656" cy="4896544"/>
-            <a:chOff x="1115616" y="476672"/>
-            <a:chExt cx="5904656" cy="4896544"/>
-          </a:xfrm>
-          <a:solidFill>
-            <a:schemeClr val="tx2">
-              <a:lumMod val="20000"/>
-              <a:lumOff val="80000"/>
-            </a:schemeClr>
-          </a:solidFill>
-          <a:effectLst>
-            <a:glow rad="139700">
-              <a:schemeClr val="accent1">
-                <a:satMod val="175000"/>
-                <a:alpha val="40000"/>
-              </a:schemeClr>
-            </a:glow>
-          </a:effectLst>
-        </p:grpSpPr>
+            </p:spPr>
+          </p:pic>
+        </p:grpSp>
         <p:sp>
           <p:nvSpPr>
             <p:cNvPr id="52" name="Texto explicativo em elipse 51"/>
@@ -8435,14 +8374,16 @@
             <p:nvPr/>
           </p:nvSpPr>
           <p:spPr>
-            <a:xfrm>
-              <a:off x="1115616" y="476672"/>
-              <a:ext cx="5904656" cy="4896544"/>
+            <a:xfrm rot="1175064">
+              <a:off x="2942468" y="-818892"/>
+              <a:ext cx="5308307" cy="5150066"/>
             </a:xfrm>
             <a:prstGeom prst="wedgeEllipseCallout">
               <a:avLst/>
             </a:prstGeom>
-            <a:grpFill/>
+            <a:solidFill>
+              <a:srgbClr val="280E34"/>
+            </a:solidFill>
             <a:ln>
               <a:solidFill>
                 <a:schemeClr val="bg1"/>
@@ -8476,23 +8417,23 @@
         </p:sp>
         <p:sp>
           <p:nvSpPr>
-            <p:cNvPr id="53" name="CaixaDeTexto 52"/>
+            <p:cNvPr id="54" name="CaixaDeTexto 53"/>
             <p:cNvSpPr txBox="1"/>
             <p:nvPr/>
           </p:nvSpPr>
           <p:spPr>
             <a:xfrm>
-              <a:off x="2567679" y="1052736"/>
-              <a:ext cx="2856515" cy="3693319"/>
+              <a:off x="3843949" y="-199755"/>
+              <a:ext cx="3392347" cy="3693319"/>
             </a:xfrm>
             <a:prstGeom prst="rect">
               <a:avLst/>
             </a:prstGeom>
-            <a:grpFill/>
+            <a:solidFill>
+              <a:srgbClr val="280E34"/>
+            </a:solidFill>
             <a:ln>
-              <a:solidFill>
-                <a:schemeClr val="bg1"/>
-              </a:solidFill>
+              <a:noFill/>
             </a:ln>
           </p:spPr>
           <p:txBody>
@@ -8502,17 +8443,24 @@
             <a:lstStyle/>
             <a:p>
               <a:r>
-                <a:rPr lang="pt-BR" dirty="0" err="1" smtClean="0"/>
-                <a:t>aaaaaaaaavcvcvcvcvcvcvca</a:t>
+                <a:rPr lang="pt-BR" dirty="0" smtClean="0">
+                  <a:solidFill>
+                    <a:schemeClr val="accent6">
+                      <a:lumMod val="20000"/>
+                      <a:lumOff val="80000"/>
+                    </a:schemeClr>
+                  </a:solidFill>
+                </a:rPr>
+                <a:t>    Nosso site foi desenvolvido em 2019, com o objetivo de tornar a sua vida mais organizada e deixar mais fácil para você realizar seus sonhos!! A vantagem é perder    menos tempo procurando (“filtrando”) as notícias que te agradam na web, e conseguir se atualizar em uma só página, sem perigo de encontrar notícias falsas, e com maior probabilidade de achar atividades do seu estilo perto da sua casa! </a:t>
               </a:r>
-              <a:endParaRPr lang="pt-BR" dirty="0"/>
-            </a:p>
-            <a:p>
-              <a:r>
-                <a:rPr lang="pt-BR" dirty="0" smtClean="0"/>
-                <a:t>aaaaaaaacvvvvvvvvvvvvvvvvvvvvvvvvvvvvvvvvvvvvvvvvvvvvvvvvvvvvvvvvvvvvccccccccccccccccccccccccccccccccaaaaaaaaaaaaaaaaaaaaaaaaaaaaaaaaaaaaaaaaaaaaaaaaaaaaaaaaaaaaaaaaaaaaaaaaaaaaaaaaaaaaaaaaaaaaaaaaaaaaaaaaaaaaaaaaaaaaaaaaaaaaaaaaaaaaaaaaaaaaaaaaaaaaaaaaaaaaaaaaaaaaaaaaaaaaaaaaa</a:t>
-              </a:r>
-              <a:endParaRPr lang="pt-BR" dirty="0"/>
+              <a:endParaRPr lang="pt-BR" dirty="0">
+                <a:solidFill>
+                  <a:schemeClr val="accent6">
+                    <a:lumMod val="20000"/>
+                    <a:lumOff val="80000"/>
+                  </a:schemeClr>
+                </a:solidFill>
+              </a:endParaRPr>
             </a:p>
           </p:txBody>
         </p:sp>
